--- a/總處策略.pptx
+++ b/總處策略.pptx
@@ -5,10 +5,10 @@
     <p:sldMasterId id="2147483660" r:id="rId1"/>
   </p:sldMasterIdLst>
   <p:notesMasterIdLst>
-    <p:notesMasterId r:id="rId16"/>
+    <p:notesMasterId r:id="rId15"/>
   </p:notesMasterIdLst>
   <p:handoutMasterIdLst>
-    <p:handoutMasterId r:id="rId17"/>
+    <p:handoutMasterId r:id="rId16"/>
   </p:handoutMasterIdLst>
   <p:sldIdLst>
     <p:sldId id="866" r:id="rId2"/>
@@ -21,10 +21,9 @@
     <p:sldId id="921" r:id="rId9"/>
     <p:sldId id="925" r:id="rId10"/>
     <p:sldId id="923" r:id="rId11"/>
-    <p:sldId id="924" r:id="rId12"/>
-    <p:sldId id="930" r:id="rId13"/>
-    <p:sldId id="927" r:id="rId14"/>
-    <p:sldId id="875" r:id="rId15"/>
+    <p:sldId id="930" r:id="rId12"/>
+    <p:sldId id="927" r:id="rId13"/>
+    <p:sldId id="875" r:id="rId14"/>
   </p:sldIdLst>
   <p:sldSz cx="12192000" cy="6858000"/>
   <p:notesSz cx="6797675" cy="9926638"/>
@@ -5386,11 +5385,11 @@
           <c:showBubbleSize val="0"/>
         </c:dLbls>
         <c:smooth val="0"/>
-        <c:axId val="-134189792"/>
-        <c:axId val="-134184352"/>
+        <c:axId val="-2063270464"/>
+        <c:axId val="-2063274272"/>
       </c:lineChart>
       <c:dateAx>
-        <c:axId val="-134189792"/>
+        <c:axId val="-2063270464"/>
         <c:scaling>
           <c:orientation val="minMax"/>
         </c:scaling>
@@ -5433,7 +5432,7 @@
             <a:endParaRPr lang="zh-TW"/>
           </a:p>
         </c:txPr>
-        <c:crossAx val="-134184352"/>
+        <c:crossAx val="-2063274272"/>
         <c:crosses val="autoZero"/>
         <c:auto val="1"/>
         <c:lblOffset val="100"/>
@@ -5442,7 +5441,7 @@
         <c:majorTimeUnit val="months"/>
       </c:dateAx>
       <c:valAx>
-        <c:axId val="-134184352"/>
+        <c:axId val="-2063274272"/>
         <c:scaling>
           <c:orientation val="minMax"/>
           <c:max val="3.5"/>
@@ -5495,7 +5494,7 @@
             <a:endParaRPr lang="zh-TW"/>
           </a:p>
         </c:txPr>
-        <c:crossAx val="-134189792"/>
+        <c:crossAx val="-2063270464"/>
         <c:crosses val="autoZero"/>
         <c:crossBetween val="between"/>
       </c:valAx>
@@ -10676,11 +10675,11 @@
             </c:spPr>
           </c:downBars>
         </c:upDownBars>
-        <c:axId val="-134177280"/>
-        <c:axId val="-134174016"/>
+        <c:axId val="-2063268288"/>
+        <c:axId val="-2063260128"/>
       </c:stockChart>
       <c:dateAx>
-        <c:axId val="-134177280"/>
+        <c:axId val="-2063268288"/>
         <c:scaling>
           <c:orientation val="minMax"/>
         </c:scaling>
@@ -10723,7 +10722,7 @@
             <a:endParaRPr lang="zh-TW"/>
           </a:p>
         </c:txPr>
-        <c:crossAx val="-134174016"/>
+        <c:crossAx val="-2063260128"/>
         <c:crosses val="autoZero"/>
         <c:auto val="1"/>
         <c:lblOffset val="100"/>
@@ -10732,7 +10731,7 @@
         <c:majorTimeUnit val="months"/>
       </c:dateAx>
       <c:valAx>
-        <c:axId val="-134174016"/>
+        <c:axId val="-2063260128"/>
         <c:scaling>
           <c:orientation val="minMax"/>
         </c:scaling>
@@ -10783,5295 +10782,7 @@
             <a:endParaRPr lang="zh-TW"/>
           </a:p>
         </c:txPr>
-        <c:crossAx val="-134177280"/>
-        <c:crossesAt val="39083"/>
-        <c:crossBetween val="between"/>
-      </c:valAx>
-      <c:spPr>
-        <a:noFill/>
-        <a:ln>
-          <a:noFill/>
-        </a:ln>
-        <a:effectLst/>
-      </c:spPr>
-    </c:plotArea>
-    <c:plotVisOnly val="1"/>
-    <c:dispBlanksAs val="gap"/>
-    <c:showDLblsOverMax val="0"/>
-  </c:chart>
-  <c:spPr>
-    <a:solidFill>
-      <a:sysClr val="window" lastClr="FFFFFF"/>
-    </a:solidFill>
-    <a:ln w="9525" cap="flat" cmpd="sng" algn="ctr">
-      <a:solidFill>
-        <a:schemeClr val="tx1"/>
-      </a:solidFill>
-      <a:round/>
-    </a:ln>
-    <a:effectLst/>
-  </c:spPr>
-  <c:txPr>
-    <a:bodyPr/>
-    <a:lstStyle/>
-    <a:p>
-      <a:pPr>
-        <a:defRPr lang="zh-TW"/>
-      </a:pPr>
-      <a:endParaRPr lang="zh-TW"/>
-    </a:p>
-  </c:txPr>
-  <c:externalData r:id="rId3">
-    <c:autoUpdate val="0"/>
-  </c:externalData>
-</c:chartSpace>
-</file>
-
-<file path=ppt/charts/chart3.xml><?xml version="1.0" encoding="utf-8"?>
-<c:chartSpace xmlns:c="http://schemas.openxmlformats.org/drawingml/2006/chart" xmlns:a="http://schemas.openxmlformats.org/drawingml/2006/main" xmlns:r="http://schemas.openxmlformats.org/officeDocument/2006/relationships">
-  <c:date1904 val="0"/>
-  <c:lang val="zh-TW"/>
-  <c:roundedCorners val="0"/>
-  <mc:AlternateContent xmlns:mc="http://schemas.openxmlformats.org/markup-compatibility/2006">
-    <mc:Choice xmlns:c14="http://schemas.microsoft.com/office/drawing/2007/8/2/chart" Requires="c14">
-      <c14:style val="102"/>
-    </mc:Choice>
-    <mc:Fallback>
-      <c:style val="2"/>
-    </mc:Fallback>
-  </mc:AlternateContent>
-  <c:chart>
-    <c:title>
-      <c:tx>
-        <c:rich>
-          <a:bodyPr rot="0" spcFirstLastPara="0" vertOverflow="ellipsis" vert="horz" wrap="square" anchor="ctr" anchorCtr="1"/>
-          <a:lstStyle/>
-          <a:p>
-            <a:pPr defTabSz="914400">
-              <a:defRPr lang="zh-TW" sz="1400" b="0" i="0" u="none" strike="noStrike" kern="1200" spc="0" baseline="0">
-                <a:solidFill>
-                  <a:sysClr val="windowText" lastClr="000000">
-                    <a:lumMod val="65000"/>
-                    <a:lumOff val="35000"/>
-                  </a:sysClr>
-                </a:solidFill>
-                <a:latin typeface="Calibri" panose="020F0502020204030204" pitchFamily="34" charset="0"/>
-                <a:ea typeface="新細明體" panose="02020500000000000000" pitchFamily="18" charset="-120"/>
-                <a:cs typeface="+mn-ea"/>
-              </a:defRPr>
-            </a:pPr>
-            <a:r>
-              <a:rPr lang="zh-TW" altLang="en-US" sz="2000" dirty="0" smtClean="0">
-                <a:solidFill>
-                  <a:schemeClr val="tx1"/>
-                </a:solidFill>
-                <a:latin typeface="微軟正黑體" panose="020B0604030504040204" pitchFamily="34" charset="-120"/>
-                <a:ea typeface="微軟正黑體" panose="020B0604030504040204" pitchFamily="34" charset="-120"/>
-              </a:rPr>
-              <a:t>美債</a:t>
-            </a:r>
-            <a:r>
-              <a:rPr lang="en-US" altLang="zh-TW" sz="2000" dirty="0" smtClean="0">
-                <a:solidFill>
-                  <a:schemeClr val="tx1"/>
-                </a:solidFill>
-                <a:latin typeface="微軟正黑體" panose="020B0604030504040204" pitchFamily="34" charset="-120"/>
-                <a:ea typeface="微軟正黑體" panose="020B0604030504040204" pitchFamily="34" charset="-120"/>
-              </a:rPr>
-              <a:t>10Y</a:t>
-            </a:r>
-            <a:r>
-              <a:rPr lang="zh-TW" altLang="en-US" sz="2000" dirty="0">
-                <a:solidFill>
-                  <a:schemeClr val="tx1"/>
-                </a:solidFill>
-                <a:latin typeface="微軟正黑體" panose="020B0604030504040204" pitchFamily="34" charset="-120"/>
-                <a:ea typeface="微軟正黑體" panose="020B0604030504040204" pitchFamily="34" charset="-120"/>
-              </a:rPr>
-              <a:t>利率月線圖</a:t>
-            </a:r>
-            <a:r>
-              <a:rPr lang="en-US" altLang="zh-TW" sz="2000" dirty="0">
-                <a:solidFill>
-                  <a:schemeClr val="tx1"/>
-                </a:solidFill>
-                <a:latin typeface="微軟正黑體" panose="020B0604030504040204" pitchFamily="34" charset="-120"/>
-                <a:ea typeface="微軟正黑體" panose="020B0604030504040204" pitchFamily="34" charset="-120"/>
-              </a:rPr>
-              <a:t>(%)</a:t>
-            </a:r>
-          </a:p>
-        </c:rich>
-      </c:tx>
-      <c:layout>
-        <c:manualLayout>
-          <c:xMode val="edge"/>
-          <c:yMode val="edge"/>
-          <c:x val="0.34433959179692586"/>
-          <c:y val="0"/>
-        </c:manualLayout>
-      </c:layout>
-      <c:overlay val="0"/>
-      <c:spPr>
-        <a:noFill/>
-        <a:ln>
-          <a:noFill/>
-        </a:ln>
-        <a:effectLst/>
-      </c:spPr>
-      <c:txPr>
-        <a:bodyPr rot="0" spcFirstLastPara="0" vertOverflow="ellipsis" vert="horz" wrap="square" anchor="ctr" anchorCtr="1"/>
-        <a:lstStyle/>
-        <a:p>
-          <a:pPr defTabSz="914400">
-            <a:defRPr lang="zh-TW" sz="1400" b="0" i="0" u="none" strike="noStrike" kern="1200" spc="0" baseline="0">
-              <a:solidFill>
-                <a:sysClr val="windowText" lastClr="000000">
-                  <a:lumMod val="65000"/>
-                  <a:lumOff val="35000"/>
-                </a:sysClr>
-              </a:solidFill>
-              <a:latin typeface="Calibri" panose="020F0502020204030204" pitchFamily="34" charset="0"/>
-              <a:ea typeface="新細明體" panose="02020500000000000000" pitchFamily="18" charset="-120"/>
-              <a:cs typeface="+mn-ea"/>
-            </a:defRPr>
-          </a:pPr>
-          <a:endParaRPr lang="zh-TW"/>
-        </a:p>
-      </c:txPr>
-    </c:title>
-    <c:autoTitleDeleted val="0"/>
-    <c:plotArea>
-      <c:layout>
-        <c:manualLayout>
-          <c:layoutTarget val="inner"/>
-          <c:xMode val="edge"/>
-          <c:yMode val="edge"/>
-          <c:x val="1.1630934173654E-2"/>
-          <c:y val="8.1052710940481207E-2"/>
-          <c:w val="0.96735249587598604"/>
-          <c:h val="0.78348390380455502"/>
-        </c:manualLayout>
-      </c:layout>
-      <c:stockChart>
-        <c:ser>
-          <c:idx val="0"/>
-          <c:order val="0"/>
-          <c:tx>
-            <c:strRef>
-              <c:f>[活頁簿2.xlsx]工作表3!$D$2:$D$3</c:f>
-              <c:strCache>
-                <c:ptCount val="1"/>
-                <c:pt idx="0">
-                  <c:v>美國10Y利率 開盤價</c:v>
-                </c:pt>
-              </c:strCache>
-            </c:strRef>
-          </c:tx>
-          <c:spPr>
-            <a:ln w="28575" cap="rnd">
-              <a:noFill/>
-              <a:round/>
-            </a:ln>
-            <a:effectLst/>
-          </c:spPr>
-          <c:marker>
-            <c:symbol val="none"/>
-          </c:marker>
-          <c:cat>
-            <c:numRef>
-              <c:f>[活頁簿2.xlsx]工作表3!$C$4:$C$201</c:f>
-              <c:numCache>
-                <c:formatCode>yyyy/m/d</c:formatCode>
-                <c:ptCount val="198"/>
-                <c:pt idx="0">
-                  <c:v>39113</c:v>
-                </c:pt>
-                <c:pt idx="1">
-                  <c:v>39141</c:v>
-                </c:pt>
-                <c:pt idx="2">
-                  <c:v>39172</c:v>
-                </c:pt>
-                <c:pt idx="3">
-                  <c:v>39202</c:v>
-                </c:pt>
-                <c:pt idx="4">
-                  <c:v>39233</c:v>
-                </c:pt>
-                <c:pt idx="5">
-                  <c:v>39263</c:v>
-                </c:pt>
-                <c:pt idx="6">
-                  <c:v>39294</c:v>
-                </c:pt>
-                <c:pt idx="7">
-                  <c:v>39325</c:v>
-                </c:pt>
-                <c:pt idx="8">
-                  <c:v>39355</c:v>
-                </c:pt>
-                <c:pt idx="9">
-                  <c:v>39386</c:v>
-                </c:pt>
-                <c:pt idx="10">
-                  <c:v>39416</c:v>
-                </c:pt>
-                <c:pt idx="11">
-                  <c:v>39447</c:v>
-                </c:pt>
-                <c:pt idx="12">
-                  <c:v>39478</c:v>
-                </c:pt>
-                <c:pt idx="13">
-                  <c:v>39507</c:v>
-                </c:pt>
-                <c:pt idx="14">
-                  <c:v>39538</c:v>
-                </c:pt>
-                <c:pt idx="15">
-                  <c:v>39568</c:v>
-                </c:pt>
-                <c:pt idx="16">
-                  <c:v>39599</c:v>
-                </c:pt>
-                <c:pt idx="17">
-                  <c:v>39629</c:v>
-                </c:pt>
-                <c:pt idx="18">
-                  <c:v>39660</c:v>
-                </c:pt>
-                <c:pt idx="19">
-                  <c:v>39691</c:v>
-                </c:pt>
-                <c:pt idx="20">
-                  <c:v>39721</c:v>
-                </c:pt>
-                <c:pt idx="21">
-                  <c:v>39752</c:v>
-                </c:pt>
-                <c:pt idx="22">
-                  <c:v>39782</c:v>
-                </c:pt>
-                <c:pt idx="23">
-                  <c:v>39813</c:v>
-                </c:pt>
-                <c:pt idx="24">
-                  <c:v>39844</c:v>
-                </c:pt>
-                <c:pt idx="25">
-                  <c:v>39872</c:v>
-                </c:pt>
-                <c:pt idx="26">
-                  <c:v>39903</c:v>
-                </c:pt>
-                <c:pt idx="27">
-                  <c:v>39933</c:v>
-                </c:pt>
-                <c:pt idx="28">
-                  <c:v>39964</c:v>
-                </c:pt>
-                <c:pt idx="29">
-                  <c:v>39994</c:v>
-                </c:pt>
-                <c:pt idx="30">
-                  <c:v>40025</c:v>
-                </c:pt>
-                <c:pt idx="31">
-                  <c:v>40056</c:v>
-                </c:pt>
-                <c:pt idx="32">
-                  <c:v>40086</c:v>
-                </c:pt>
-                <c:pt idx="33">
-                  <c:v>40117</c:v>
-                </c:pt>
-                <c:pt idx="34">
-                  <c:v>40147</c:v>
-                </c:pt>
-                <c:pt idx="35">
-                  <c:v>40178</c:v>
-                </c:pt>
-                <c:pt idx="36">
-                  <c:v>40209</c:v>
-                </c:pt>
-                <c:pt idx="37">
-                  <c:v>40237</c:v>
-                </c:pt>
-                <c:pt idx="38">
-                  <c:v>40268</c:v>
-                </c:pt>
-                <c:pt idx="39">
-                  <c:v>40298</c:v>
-                </c:pt>
-                <c:pt idx="40">
-                  <c:v>40329</c:v>
-                </c:pt>
-                <c:pt idx="41">
-                  <c:v>40359</c:v>
-                </c:pt>
-                <c:pt idx="42">
-                  <c:v>40390</c:v>
-                </c:pt>
-                <c:pt idx="43">
-                  <c:v>40421</c:v>
-                </c:pt>
-                <c:pt idx="44">
-                  <c:v>40451</c:v>
-                </c:pt>
-                <c:pt idx="45">
-                  <c:v>40482</c:v>
-                </c:pt>
-                <c:pt idx="46">
-                  <c:v>40512</c:v>
-                </c:pt>
-                <c:pt idx="47">
-                  <c:v>40543</c:v>
-                </c:pt>
-                <c:pt idx="48">
-                  <c:v>40574</c:v>
-                </c:pt>
-                <c:pt idx="49">
-                  <c:v>40602</c:v>
-                </c:pt>
-                <c:pt idx="50">
-                  <c:v>40633</c:v>
-                </c:pt>
-                <c:pt idx="51">
-                  <c:v>40663</c:v>
-                </c:pt>
-                <c:pt idx="52">
-                  <c:v>40694</c:v>
-                </c:pt>
-                <c:pt idx="53">
-                  <c:v>40724</c:v>
-                </c:pt>
-                <c:pt idx="54">
-                  <c:v>40755</c:v>
-                </c:pt>
-                <c:pt idx="55">
-                  <c:v>40786</c:v>
-                </c:pt>
-                <c:pt idx="56">
-                  <c:v>40816</c:v>
-                </c:pt>
-                <c:pt idx="57">
-                  <c:v>40847</c:v>
-                </c:pt>
-                <c:pt idx="58">
-                  <c:v>40877</c:v>
-                </c:pt>
-                <c:pt idx="59">
-                  <c:v>40908</c:v>
-                </c:pt>
-                <c:pt idx="60">
-                  <c:v>40939</c:v>
-                </c:pt>
-                <c:pt idx="61">
-                  <c:v>40968</c:v>
-                </c:pt>
-                <c:pt idx="62">
-                  <c:v>40999</c:v>
-                </c:pt>
-                <c:pt idx="63">
-                  <c:v>41029</c:v>
-                </c:pt>
-                <c:pt idx="64">
-                  <c:v>41060</c:v>
-                </c:pt>
-                <c:pt idx="65">
-                  <c:v>41090</c:v>
-                </c:pt>
-                <c:pt idx="66">
-                  <c:v>41121</c:v>
-                </c:pt>
-                <c:pt idx="67">
-                  <c:v>41152</c:v>
-                </c:pt>
-                <c:pt idx="68">
-                  <c:v>41182</c:v>
-                </c:pt>
-                <c:pt idx="69">
-                  <c:v>41213</c:v>
-                </c:pt>
-                <c:pt idx="70">
-                  <c:v>41243</c:v>
-                </c:pt>
-                <c:pt idx="71">
-                  <c:v>41274</c:v>
-                </c:pt>
-                <c:pt idx="72">
-                  <c:v>41305</c:v>
-                </c:pt>
-                <c:pt idx="73">
-                  <c:v>41333</c:v>
-                </c:pt>
-                <c:pt idx="74">
-                  <c:v>41364</c:v>
-                </c:pt>
-                <c:pt idx="75">
-                  <c:v>41394</c:v>
-                </c:pt>
-                <c:pt idx="76">
-                  <c:v>41425</c:v>
-                </c:pt>
-                <c:pt idx="77">
-                  <c:v>41455</c:v>
-                </c:pt>
-                <c:pt idx="78">
-                  <c:v>41486</c:v>
-                </c:pt>
-                <c:pt idx="79">
-                  <c:v>41517</c:v>
-                </c:pt>
-                <c:pt idx="80">
-                  <c:v>41547</c:v>
-                </c:pt>
-                <c:pt idx="81">
-                  <c:v>41578</c:v>
-                </c:pt>
-                <c:pt idx="82">
-                  <c:v>41608</c:v>
-                </c:pt>
-                <c:pt idx="83">
-                  <c:v>41639</c:v>
-                </c:pt>
-                <c:pt idx="84">
-                  <c:v>41670</c:v>
-                </c:pt>
-                <c:pt idx="85">
-                  <c:v>41698</c:v>
-                </c:pt>
-                <c:pt idx="86">
-                  <c:v>41729</c:v>
-                </c:pt>
-                <c:pt idx="87">
-                  <c:v>41759</c:v>
-                </c:pt>
-                <c:pt idx="88">
-                  <c:v>41790</c:v>
-                </c:pt>
-                <c:pt idx="89">
-                  <c:v>41820</c:v>
-                </c:pt>
-                <c:pt idx="90">
-                  <c:v>41851</c:v>
-                </c:pt>
-                <c:pt idx="91">
-                  <c:v>41882</c:v>
-                </c:pt>
-                <c:pt idx="92">
-                  <c:v>41912</c:v>
-                </c:pt>
-                <c:pt idx="93">
-                  <c:v>41943</c:v>
-                </c:pt>
-                <c:pt idx="94">
-                  <c:v>41973</c:v>
-                </c:pt>
-                <c:pt idx="95">
-                  <c:v>42004</c:v>
-                </c:pt>
-                <c:pt idx="96">
-                  <c:v>42035</c:v>
-                </c:pt>
-                <c:pt idx="97">
-                  <c:v>42063</c:v>
-                </c:pt>
-                <c:pt idx="98">
-                  <c:v>42094</c:v>
-                </c:pt>
-                <c:pt idx="99">
-                  <c:v>42124</c:v>
-                </c:pt>
-                <c:pt idx="100">
-                  <c:v>42155</c:v>
-                </c:pt>
-                <c:pt idx="101">
-                  <c:v>42185</c:v>
-                </c:pt>
-                <c:pt idx="102">
-                  <c:v>42216</c:v>
-                </c:pt>
-                <c:pt idx="103">
-                  <c:v>42247</c:v>
-                </c:pt>
-                <c:pt idx="104">
-                  <c:v>42277</c:v>
-                </c:pt>
-                <c:pt idx="105">
-                  <c:v>42308</c:v>
-                </c:pt>
-                <c:pt idx="106">
-                  <c:v>42338</c:v>
-                </c:pt>
-                <c:pt idx="107">
-                  <c:v>42369</c:v>
-                </c:pt>
-                <c:pt idx="108">
-                  <c:v>42400</c:v>
-                </c:pt>
-                <c:pt idx="109">
-                  <c:v>42429</c:v>
-                </c:pt>
-                <c:pt idx="110">
-                  <c:v>42460</c:v>
-                </c:pt>
-                <c:pt idx="111">
-                  <c:v>42490</c:v>
-                </c:pt>
-                <c:pt idx="112">
-                  <c:v>42521</c:v>
-                </c:pt>
-                <c:pt idx="113">
-                  <c:v>42551</c:v>
-                </c:pt>
-                <c:pt idx="114">
-                  <c:v>42582</c:v>
-                </c:pt>
-                <c:pt idx="115">
-                  <c:v>42613</c:v>
-                </c:pt>
-                <c:pt idx="116">
-                  <c:v>42643</c:v>
-                </c:pt>
-                <c:pt idx="117">
-                  <c:v>42674</c:v>
-                </c:pt>
-                <c:pt idx="118">
-                  <c:v>42704</c:v>
-                </c:pt>
-                <c:pt idx="119">
-                  <c:v>42735</c:v>
-                </c:pt>
-                <c:pt idx="120">
-                  <c:v>42766</c:v>
-                </c:pt>
-                <c:pt idx="121">
-                  <c:v>42794</c:v>
-                </c:pt>
-                <c:pt idx="122">
-                  <c:v>42825</c:v>
-                </c:pt>
-                <c:pt idx="123">
-                  <c:v>42855</c:v>
-                </c:pt>
-                <c:pt idx="124">
-                  <c:v>42886</c:v>
-                </c:pt>
-                <c:pt idx="125">
-                  <c:v>42916</c:v>
-                </c:pt>
-                <c:pt idx="126">
-                  <c:v>42947</c:v>
-                </c:pt>
-                <c:pt idx="127">
-                  <c:v>42978</c:v>
-                </c:pt>
-                <c:pt idx="128">
-                  <c:v>43008</c:v>
-                </c:pt>
-                <c:pt idx="129">
-                  <c:v>43039</c:v>
-                </c:pt>
-                <c:pt idx="130">
-                  <c:v>43069</c:v>
-                </c:pt>
-                <c:pt idx="131">
-                  <c:v>43100</c:v>
-                </c:pt>
-                <c:pt idx="132">
-                  <c:v>43131</c:v>
-                </c:pt>
-                <c:pt idx="133">
-                  <c:v>43159</c:v>
-                </c:pt>
-                <c:pt idx="134">
-                  <c:v>43190</c:v>
-                </c:pt>
-                <c:pt idx="135">
-                  <c:v>43220</c:v>
-                </c:pt>
-                <c:pt idx="136">
-                  <c:v>43251</c:v>
-                </c:pt>
-                <c:pt idx="137">
-                  <c:v>43281</c:v>
-                </c:pt>
-                <c:pt idx="138">
-                  <c:v>43312</c:v>
-                </c:pt>
-                <c:pt idx="139">
-                  <c:v>43343</c:v>
-                </c:pt>
-                <c:pt idx="140">
-                  <c:v>43373</c:v>
-                </c:pt>
-                <c:pt idx="141">
-                  <c:v>43404</c:v>
-                </c:pt>
-                <c:pt idx="142">
-                  <c:v>43434</c:v>
-                </c:pt>
-                <c:pt idx="143">
-                  <c:v>43465</c:v>
-                </c:pt>
-                <c:pt idx="144">
-                  <c:v>43496</c:v>
-                </c:pt>
-                <c:pt idx="145">
-                  <c:v>43524</c:v>
-                </c:pt>
-                <c:pt idx="146">
-                  <c:v>43555</c:v>
-                </c:pt>
-                <c:pt idx="147">
-                  <c:v>43585</c:v>
-                </c:pt>
-                <c:pt idx="148">
-                  <c:v>43616</c:v>
-                </c:pt>
-                <c:pt idx="149">
-                  <c:v>43646</c:v>
-                </c:pt>
-                <c:pt idx="150">
-                  <c:v>43677</c:v>
-                </c:pt>
-                <c:pt idx="151">
-                  <c:v>43708</c:v>
-                </c:pt>
-                <c:pt idx="152">
-                  <c:v>43738</c:v>
-                </c:pt>
-                <c:pt idx="153">
-                  <c:v>43769</c:v>
-                </c:pt>
-                <c:pt idx="154">
-                  <c:v>43799</c:v>
-                </c:pt>
-                <c:pt idx="155">
-                  <c:v>43830</c:v>
-                </c:pt>
-                <c:pt idx="156">
-                  <c:v>43861</c:v>
-                </c:pt>
-                <c:pt idx="157">
-                  <c:v>43890</c:v>
-                </c:pt>
-                <c:pt idx="158">
-                  <c:v>43921</c:v>
-                </c:pt>
-                <c:pt idx="159">
-                  <c:v>43951</c:v>
-                </c:pt>
-                <c:pt idx="160">
-                  <c:v>43982</c:v>
-                </c:pt>
-                <c:pt idx="161">
-                  <c:v>44012</c:v>
-                </c:pt>
-                <c:pt idx="162">
-                  <c:v>44043</c:v>
-                </c:pt>
-                <c:pt idx="163">
-                  <c:v>44074</c:v>
-                </c:pt>
-                <c:pt idx="164">
-                  <c:v>44104</c:v>
-                </c:pt>
-                <c:pt idx="165">
-                  <c:v>44135</c:v>
-                </c:pt>
-                <c:pt idx="166">
-                  <c:v>44165</c:v>
-                </c:pt>
-                <c:pt idx="167">
-                  <c:v>44196</c:v>
-                </c:pt>
-                <c:pt idx="168">
-                  <c:v>44227</c:v>
-                </c:pt>
-                <c:pt idx="169">
-                  <c:v>44255</c:v>
-                </c:pt>
-                <c:pt idx="170">
-                  <c:v>44286</c:v>
-                </c:pt>
-                <c:pt idx="171">
-                  <c:v>44316</c:v>
-                </c:pt>
-                <c:pt idx="172">
-                  <c:v>44347</c:v>
-                </c:pt>
-                <c:pt idx="173">
-                  <c:v>44377</c:v>
-                </c:pt>
-                <c:pt idx="174">
-                  <c:v>44408</c:v>
-                </c:pt>
-                <c:pt idx="175">
-                  <c:v>44439</c:v>
-                </c:pt>
-                <c:pt idx="176">
-                  <c:v>44469</c:v>
-                </c:pt>
-                <c:pt idx="177">
-                  <c:v>44500</c:v>
-                </c:pt>
-                <c:pt idx="178">
-                  <c:v>44530</c:v>
-                </c:pt>
-                <c:pt idx="179">
-                  <c:v>44561</c:v>
-                </c:pt>
-                <c:pt idx="180">
-                  <c:v>44592</c:v>
-                </c:pt>
-                <c:pt idx="181">
-                  <c:v>44620</c:v>
-                </c:pt>
-                <c:pt idx="182">
-                  <c:v>44651</c:v>
-                </c:pt>
-                <c:pt idx="183">
-                  <c:v>44681</c:v>
-                </c:pt>
-                <c:pt idx="184">
-                  <c:v>44712</c:v>
-                </c:pt>
-                <c:pt idx="185">
-                  <c:v>44742</c:v>
-                </c:pt>
-                <c:pt idx="186">
-                  <c:v>44773</c:v>
-                </c:pt>
-                <c:pt idx="187">
-                  <c:v>44804</c:v>
-                </c:pt>
-                <c:pt idx="188">
-                  <c:v>44834</c:v>
-                </c:pt>
-                <c:pt idx="189">
-                  <c:v>44865</c:v>
-                </c:pt>
-                <c:pt idx="190">
-                  <c:v>44895</c:v>
-                </c:pt>
-                <c:pt idx="191">
-                  <c:v>44926</c:v>
-                </c:pt>
-                <c:pt idx="192">
-                  <c:v>44957</c:v>
-                </c:pt>
-                <c:pt idx="193">
-                  <c:v>44985</c:v>
-                </c:pt>
-                <c:pt idx="194">
-                  <c:v>45016</c:v>
-                </c:pt>
-                <c:pt idx="195">
-                  <c:v>45046</c:v>
-                </c:pt>
-                <c:pt idx="196">
-                  <c:v>45077</c:v>
-                </c:pt>
-                <c:pt idx="197">
-                  <c:v>45107</c:v>
-                </c:pt>
-              </c:numCache>
-            </c:numRef>
-          </c:cat>
-          <c:val>
-            <c:numRef>
-              <c:f>[活頁簿2.xlsx]工作表3!$D$4:$D$201</c:f>
-              <c:numCache>
-                <c:formatCode>General</c:formatCode>
-                <c:ptCount val="198"/>
-                <c:pt idx="0">
-                  <c:v>4.694</c:v>
-                </c:pt>
-                <c:pt idx="1">
-                  <c:v>4.8140000000000001</c:v>
-                </c:pt>
-                <c:pt idx="2">
-                  <c:v>4.5679999999999996</c:v>
-                </c:pt>
-                <c:pt idx="3">
-                  <c:v>4.6459999999999999</c:v>
-                </c:pt>
-                <c:pt idx="4">
-                  <c:v>4.6260000000000003</c:v>
-                </c:pt>
-                <c:pt idx="5">
-                  <c:v>4.9020000000000001</c:v>
-                </c:pt>
-                <c:pt idx="6">
-                  <c:v>5.0369999999999999</c:v>
-                </c:pt>
-                <c:pt idx="7">
-                  <c:v>4.7350000000000003</c:v>
-                </c:pt>
-                <c:pt idx="8">
-                  <c:v>4.5289999999999999</c:v>
-                </c:pt>
-                <c:pt idx="9">
-                  <c:v>4.5869999999999997</c:v>
-                </c:pt>
-                <c:pt idx="10">
-                  <c:v>4.4729999999999999</c:v>
-                </c:pt>
-                <c:pt idx="11">
-                  <c:v>3.9489999999999998</c:v>
-                </c:pt>
-                <c:pt idx="12">
-                  <c:v>4.0330000000000004</c:v>
-                </c:pt>
-                <c:pt idx="13">
-                  <c:v>3.6110000000000002</c:v>
-                </c:pt>
-                <c:pt idx="14">
-                  <c:v>3.524</c:v>
-                </c:pt>
-                <c:pt idx="15">
-                  <c:v>3.4279999999999999</c:v>
-                </c:pt>
-                <c:pt idx="16">
-                  <c:v>3.74</c:v>
-                </c:pt>
-                <c:pt idx="17">
-                  <c:v>4.0579999999999998</c:v>
-                </c:pt>
-                <c:pt idx="18">
-                  <c:v>3.9670000000000001</c:v>
-                </c:pt>
-                <c:pt idx="19">
-                  <c:v>3.9580000000000002</c:v>
-                </c:pt>
-                <c:pt idx="20">
-                  <c:v>3.827</c:v>
-                </c:pt>
-                <c:pt idx="21">
-                  <c:v>3.7480000000000002</c:v>
-                </c:pt>
-                <c:pt idx="22">
-                  <c:v>3.9590000000000001</c:v>
-                </c:pt>
-                <c:pt idx="23">
-                  <c:v>2.96</c:v>
-                </c:pt>
-                <c:pt idx="24">
-                  <c:v>2.25</c:v>
-                </c:pt>
-                <c:pt idx="25">
-                  <c:v>2.851</c:v>
-                </c:pt>
-                <c:pt idx="26">
-                  <c:v>3.02</c:v>
-                </c:pt>
-                <c:pt idx="27">
-                  <c:v>2.6680000000000001</c:v>
-                </c:pt>
-                <c:pt idx="28">
-                  <c:v>3.1150000000000002</c:v>
-                </c:pt>
-                <c:pt idx="29">
-                  <c:v>3.492</c:v>
-                </c:pt>
-                <c:pt idx="30">
-                  <c:v>3.5270000000000001</c:v>
-                </c:pt>
-                <c:pt idx="31">
-                  <c:v>3.512</c:v>
-                </c:pt>
-                <c:pt idx="32">
-                  <c:v>3.403</c:v>
-                </c:pt>
-                <c:pt idx="33">
-                  <c:v>3.3180000000000001</c:v>
-                </c:pt>
-                <c:pt idx="34">
-                  <c:v>3.3959999999999999</c:v>
-                </c:pt>
-                <c:pt idx="35">
-                  <c:v>3.2069999999999999</c:v>
-                </c:pt>
-                <c:pt idx="36">
-                  <c:v>3.8580000000000001</c:v>
-                </c:pt>
-                <c:pt idx="37">
-                  <c:v>3.6059999999999999</c:v>
-                </c:pt>
-                <c:pt idx="38">
-                  <c:v>3.625</c:v>
-                </c:pt>
-                <c:pt idx="39">
-                  <c:v>3.839</c:v>
-                </c:pt>
-                <c:pt idx="40">
-                  <c:v>3.6629999999999998</c:v>
-                </c:pt>
-                <c:pt idx="41">
-                  <c:v>3.3</c:v>
-                </c:pt>
-                <c:pt idx="42">
-                  <c:v>2.9420000000000002</c:v>
-                </c:pt>
-                <c:pt idx="43">
-                  <c:v>2.9249999999999998</c:v>
-                </c:pt>
-                <c:pt idx="44">
-                  <c:v>2.4820000000000002</c:v>
-                </c:pt>
-                <c:pt idx="45">
-                  <c:v>2.5150000000000001</c:v>
-                </c:pt>
-                <c:pt idx="46">
-                  <c:v>2.621</c:v>
-                </c:pt>
-                <c:pt idx="47">
-                  <c:v>2.8090000000000002</c:v>
-                </c:pt>
-                <c:pt idx="48">
-                  <c:v>3.3050000000000002</c:v>
-                </c:pt>
-                <c:pt idx="49">
-                  <c:v>3.3719999999999999</c:v>
-                </c:pt>
-                <c:pt idx="50">
-                  <c:v>3.44</c:v>
-                </c:pt>
-                <c:pt idx="51">
-                  <c:v>3.476</c:v>
-                </c:pt>
-                <c:pt idx="52">
-                  <c:v>3.2970000000000002</c:v>
-                </c:pt>
-                <c:pt idx="53">
-                  <c:v>3.07</c:v>
-                </c:pt>
-                <c:pt idx="54">
-                  <c:v>3.1619999999999999</c:v>
-                </c:pt>
-                <c:pt idx="55">
-                  <c:v>2.82</c:v>
-                </c:pt>
-                <c:pt idx="56">
-                  <c:v>2.222</c:v>
-                </c:pt>
-                <c:pt idx="57">
-                  <c:v>1.919</c:v>
-                </c:pt>
-                <c:pt idx="58">
-                  <c:v>2.1349999999999998</c:v>
-                </c:pt>
-                <c:pt idx="59">
-                  <c:v>2.0790000000000002</c:v>
-                </c:pt>
-                <c:pt idx="60">
-                  <c:v>1.8759999999999999</c:v>
-                </c:pt>
-                <c:pt idx="61">
-                  <c:v>1.7969999999999999</c:v>
-                </c:pt>
-                <c:pt idx="62">
-                  <c:v>1.9830000000000001</c:v>
-                </c:pt>
-                <c:pt idx="63">
-                  <c:v>2.2370000000000001</c:v>
-                </c:pt>
-                <c:pt idx="64">
-                  <c:v>1.919</c:v>
-                </c:pt>
-                <c:pt idx="65">
-                  <c:v>1.57</c:v>
-                </c:pt>
-                <c:pt idx="66">
-                  <c:v>1.6519999999999999</c:v>
-                </c:pt>
-                <c:pt idx="67">
-                  <c:v>1.468</c:v>
-                </c:pt>
-                <c:pt idx="68">
-                  <c:v>1.552</c:v>
-                </c:pt>
-                <c:pt idx="69">
-                  <c:v>1.623</c:v>
-                </c:pt>
-                <c:pt idx="70">
-                  <c:v>1.702</c:v>
-                </c:pt>
-                <c:pt idx="71">
-                  <c:v>1.6180000000000001</c:v>
-                </c:pt>
-                <c:pt idx="72">
-                  <c:v>1.7569999999999999</c:v>
-                </c:pt>
-                <c:pt idx="73">
-                  <c:v>1.99</c:v>
-                </c:pt>
-                <c:pt idx="74">
-                  <c:v>1.877</c:v>
-                </c:pt>
-                <c:pt idx="75">
-                  <c:v>1.875</c:v>
-                </c:pt>
-                <c:pt idx="76">
-                  <c:v>1.6679999999999999</c:v>
-                </c:pt>
-                <c:pt idx="77">
-                  <c:v>2.157</c:v>
-                </c:pt>
-                <c:pt idx="78">
-                  <c:v>2.4950000000000001</c:v>
-                </c:pt>
-                <c:pt idx="79">
-                  <c:v>2.5840000000000001</c:v>
-                </c:pt>
-                <c:pt idx="80">
-                  <c:v>2.8370000000000002</c:v>
-                </c:pt>
-                <c:pt idx="81">
-                  <c:v>2.6139999999999999</c:v>
-                </c:pt>
-                <c:pt idx="82">
-                  <c:v>2.56</c:v>
-                </c:pt>
-                <c:pt idx="83">
-                  <c:v>2.7530000000000001</c:v>
-                </c:pt>
-                <c:pt idx="84">
-                  <c:v>3.0379999999999998</c:v>
-                </c:pt>
-                <c:pt idx="85">
-                  <c:v>2.6659999999999999</c:v>
-                </c:pt>
-                <c:pt idx="86">
-                  <c:v>2.61</c:v>
-                </c:pt>
-                <c:pt idx="87">
-                  <c:v>2.726</c:v>
-                </c:pt>
-                <c:pt idx="88">
-                  <c:v>2.6589999999999998</c:v>
-                </c:pt>
-                <c:pt idx="89">
-                  <c:v>2.484</c:v>
-                </c:pt>
-                <c:pt idx="90">
-                  <c:v>2.5299999999999998</c:v>
-                </c:pt>
-                <c:pt idx="91">
-                  <c:v>2.5619999999999998</c:v>
-                </c:pt>
-                <c:pt idx="92">
-                  <c:v>2.3570000000000002</c:v>
-                </c:pt>
-                <c:pt idx="93">
-                  <c:v>2.5</c:v>
-                </c:pt>
-                <c:pt idx="94">
-                  <c:v>2.3090000000000002</c:v>
-                </c:pt>
-                <c:pt idx="95">
-                  <c:v>2.1779999999999999</c:v>
-                </c:pt>
-                <c:pt idx="96">
-                  <c:v>2.2000000000000002</c:v>
-                </c:pt>
-                <c:pt idx="97">
-                  <c:v>1.653</c:v>
-                </c:pt>
-                <c:pt idx="98">
-                  <c:v>2.0049999999999999</c:v>
-                </c:pt>
-                <c:pt idx="99">
-                  <c:v>1.93</c:v>
-                </c:pt>
-                <c:pt idx="100">
-                  <c:v>2.0489999999999999</c:v>
-                </c:pt>
-                <c:pt idx="101">
-                  <c:v>2.1280000000000001</c:v>
-                </c:pt>
-                <c:pt idx="102">
-                  <c:v>2.3730000000000002</c:v>
-                </c:pt>
-                <c:pt idx="103">
-                  <c:v>2.2000000000000002</c:v>
-                </c:pt>
-                <c:pt idx="104">
-                  <c:v>2.214</c:v>
-                </c:pt>
-                <c:pt idx="105">
-                  <c:v>2.0419999999999998</c:v>
-                </c:pt>
-                <c:pt idx="106">
-                  <c:v>2.137</c:v>
-                </c:pt>
-                <c:pt idx="107">
-                  <c:v>2.2170000000000001</c:v>
-                </c:pt>
-                <c:pt idx="108">
-                  <c:v>2.2930000000000001</c:v>
-                </c:pt>
-                <c:pt idx="109">
-                  <c:v>1.9330000000000001</c:v>
-                </c:pt>
-                <c:pt idx="110">
-                  <c:v>1.7370000000000001</c:v>
-                </c:pt>
-                <c:pt idx="111">
-                  <c:v>1.784</c:v>
-                </c:pt>
-                <c:pt idx="112">
-                  <c:v>1.83</c:v>
-                </c:pt>
-                <c:pt idx="113">
-                  <c:v>1.8440000000000001</c:v>
-                </c:pt>
-                <c:pt idx="114">
-                  <c:v>1.4710000000000001</c:v>
-                </c:pt>
-                <c:pt idx="115">
-                  <c:v>1.4630000000000001</c:v>
-                </c:pt>
-                <c:pt idx="116">
-                  <c:v>1.58</c:v>
-                </c:pt>
-                <c:pt idx="117">
-                  <c:v>1.6</c:v>
-                </c:pt>
-                <c:pt idx="118">
-                  <c:v>1.8380000000000001</c:v>
-                </c:pt>
-                <c:pt idx="119">
-                  <c:v>2.3969999999999998</c:v>
-                </c:pt>
-                <c:pt idx="120">
-                  <c:v>2.4390000000000001</c:v>
-                </c:pt>
-                <c:pt idx="121">
-                  <c:v>2.4609999999999999</c:v>
-                </c:pt>
-                <c:pt idx="122">
-                  <c:v>2.415</c:v>
-                </c:pt>
-                <c:pt idx="123">
-                  <c:v>2.3959999999999999</c:v>
-                </c:pt>
-                <c:pt idx="124">
-                  <c:v>2.282</c:v>
-                </c:pt>
-                <c:pt idx="125">
-                  <c:v>2.2130000000000001</c:v>
-                </c:pt>
-                <c:pt idx="126">
-                  <c:v>2.3140000000000001</c:v>
-                </c:pt>
-                <c:pt idx="127">
-                  <c:v>2.3029999999999999</c:v>
-                </c:pt>
-                <c:pt idx="128">
-                  <c:v>2.1269999999999998</c:v>
-                </c:pt>
-                <c:pt idx="129">
-                  <c:v>2.3439999999999999</c:v>
-                </c:pt>
-                <c:pt idx="130">
-                  <c:v>2.379</c:v>
-                </c:pt>
-                <c:pt idx="131">
-                  <c:v>2.411</c:v>
-                </c:pt>
-                <c:pt idx="132">
-                  <c:v>2.4289000000000001</c:v>
-                </c:pt>
-                <c:pt idx="133">
-                  <c:v>2.7240000000000002</c:v>
-                </c:pt>
-                <c:pt idx="134">
-                  <c:v>2.8660000000000001</c:v>
-                </c:pt>
-                <c:pt idx="135">
-                  <c:v>2.7589999999999999</c:v>
-                </c:pt>
-                <c:pt idx="136">
-                  <c:v>2.9590000000000001</c:v>
-                </c:pt>
-                <c:pt idx="137">
-                  <c:v>2.8620000000000001</c:v>
-                </c:pt>
-                <c:pt idx="138">
-                  <c:v>2.8580000000000001</c:v>
-                </c:pt>
-                <c:pt idx="139">
-                  <c:v>2.9580000000000002</c:v>
-                </c:pt>
-                <c:pt idx="140">
-                  <c:v>2.86</c:v>
-                </c:pt>
-                <c:pt idx="141">
-                  <c:v>3.0670000000000002</c:v>
-                </c:pt>
-                <c:pt idx="142">
-                  <c:v>3.1549999999999998</c:v>
-                </c:pt>
-                <c:pt idx="143">
-                  <c:v>3.0369999999999999</c:v>
-                </c:pt>
-                <c:pt idx="144">
-                  <c:v>2.6859999999999999</c:v>
-                </c:pt>
-                <c:pt idx="145">
-                  <c:v>2.645</c:v>
-                </c:pt>
-                <c:pt idx="146">
-                  <c:v>2.7189999999999999</c:v>
-                </c:pt>
-                <c:pt idx="147">
-                  <c:v>2.4300000000000002</c:v>
-                </c:pt>
-                <c:pt idx="148">
-                  <c:v>2.5089999999999999</c:v>
-                </c:pt>
-                <c:pt idx="149">
-                  <c:v>2.1259999999999999</c:v>
-                </c:pt>
-                <c:pt idx="150">
-                  <c:v>2.0449999999999999</c:v>
-                </c:pt>
-                <c:pt idx="151">
-                  <c:v>2.0249999999999999</c:v>
-                </c:pt>
-                <c:pt idx="152">
-                  <c:v>1.508</c:v>
-                </c:pt>
-                <c:pt idx="153">
-                  <c:v>1.67</c:v>
-                </c:pt>
-                <c:pt idx="154">
-                  <c:v>1.6890000000000001</c:v>
-                </c:pt>
-                <c:pt idx="155">
-                  <c:v>1.796</c:v>
-                </c:pt>
-                <c:pt idx="156">
-                  <c:v>1.919</c:v>
-                </c:pt>
-                <c:pt idx="157">
-                  <c:v>1.514</c:v>
-                </c:pt>
-                <c:pt idx="158">
-                  <c:v>1.105</c:v>
-                </c:pt>
-                <c:pt idx="159">
-                  <c:v>0.66300000000000003</c:v>
-                </c:pt>
-                <c:pt idx="160">
-                  <c:v>0.63</c:v>
-                </c:pt>
-                <c:pt idx="161">
-                  <c:v>0.64</c:v>
-                </c:pt>
-                <c:pt idx="162">
-                  <c:v>0.65800000000000003</c:v>
-                </c:pt>
-                <c:pt idx="163">
-                  <c:v>0.53500000000000003</c:v>
-                </c:pt>
-                <c:pt idx="164">
-                  <c:v>0.71299999999999997</c:v>
-                </c:pt>
-                <c:pt idx="165">
-                  <c:v>0.68899999999999995</c:v>
-                </c:pt>
-                <c:pt idx="166">
-                  <c:v>0.85499999999999998</c:v>
-                </c:pt>
-                <c:pt idx="167">
-                  <c:v>0.84699999999999998</c:v>
-                </c:pt>
-                <c:pt idx="168">
-                  <c:v>0.93</c:v>
-                </c:pt>
-                <c:pt idx="169">
-                  <c:v>1.071</c:v>
-                </c:pt>
-                <c:pt idx="170">
-                  <c:v>1.395</c:v>
-                </c:pt>
-                <c:pt idx="171">
-                  <c:v>1.7370000000000001</c:v>
-                </c:pt>
-                <c:pt idx="172">
-                  <c:v>1.631</c:v>
-                </c:pt>
-                <c:pt idx="173">
-                  <c:v>1.6080000000000001</c:v>
-                </c:pt>
-                <c:pt idx="174">
-                  <c:v>1.47</c:v>
-                </c:pt>
-                <c:pt idx="175">
-                  <c:v>1.2370000000000001</c:v>
-                </c:pt>
-                <c:pt idx="176">
-                  <c:v>1.3169999999999999</c:v>
-                </c:pt>
-                <c:pt idx="177">
-                  <c:v>1.5009999999999999</c:v>
-                </c:pt>
-                <c:pt idx="178">
-                  <c:v>1.575</c:v>
-                </c:pt>
-                <c:pt idx="179">
-                  <c:v>1.4770000000000001</c:v>
-                </c:pt>
-                <c:pt idx="180">
-                  <c:v>1.5309999999999999</c:v>
-                </c:pt>
-                <c:pt idx="181">
-                  <c:v>1.7869999999999999</c:v>
-                </c:pt>
-                <c:pt idx="182">
-                  <c:v>1.84</c:v>
-                </c:pt>
-                <c:pt idx="183">
-                  <c:v>2.3519999999999999</c:v>
-                </c:pt>
-                <c:pt idx="184">
-                  <c:v>2.9319999999999999</c:v>
-                </c:pt>
-                <c:pt idx="185">
-                  <c:v>2.8639999999999999</c:v>
-                </c:pt>
-                <c:pt idx="186">
-                  <c:v>3.024</c:v>
-                </c:pt>
-                <c:pt idx="187">
-                  <c:v>2.669</c:v>
-                </c:pt>
-                <c:pt idx="188">
-                  <c:v>3.198</c:v>
-                </c:pt>
-                <c:pt idx="189">
-                  <c:v>3.8130000000000002</c:v>
-                </c:pt>
-                <c:pt idx="190">
-                  <c:v>4.0579999999999998</c:v>
-                </c:pt>
-                <c:pt idx="191">
-                  <c:v>3.62</c:v>
-                </c:pt>
-                <c:pt idx="192">
-                  <c:v>3.8479999999999999</c:v>
-                </c:pt>
-                <c:pt idx="193">
-                  <c:v>3.516</c:v>
-                </c:pt>
-                <c:pt idx="194">
-                  <c:v>3.9380000000000002</c:v>
-                </c:pt>
-                <c:pt idx="195">
-                  <c:v>3.524</c:v>
-                </c:pt>
-                <c:pt idx="196">
-                  <c:v>3.45</c:v>
-                </c:pt>
-                <c:pt idx="197">
-                  <c:v>3.6389999999999998</c:v>
-                </c:pt>
-              </c:numCache>
-            </c:numRef>
-          </c:val>
-          <c:smooth val="0"/>
-          <c:extLst xmlns:c16r2="http://schemas.microsoft.com/office/drawing/2015/06/chart">
-            <c:ext xmlns:c16="http://schemas.microsoft.com/office/drawing/2014/chart" uri="{C3380CC4-5D6E-409C-BE32-E72D297353CC}">
-              <c16:uniqueId val="{00000000-403F-471A-8C37-29B52B77453F}"/>
-            </c:ext>
-          </c:extLst>
-        </c:ser>
-        <c:ser>
-          <c:idx val="1"/>
-          <c:order val="1"/>
-          <c:tx>
-            <c:strRef>
-              <c:f>[活頁簿2.xlsx]工作表3!$E$2:$E$3</c:f>
-              <c:strCache>
-                <c:ptCount val="1"/>
-                <c:pt idx="0">
-                  <c:v>美國10Y利率 最高價</c:v>
-                </c:pt>
-              </c:strCache>
-            </c:strRef>
-          </c:tx>
-          <c:spPr>
-            <a:ln w="28575" cap="rnd">
-              <a:noFill/>
-              <a:round/>
-            </a:ln>
-            <a:effectLst/>
-          </c:spPr>
-          <c:marker>
-            <c:symbol val="none"/>
-          </c:marker>
-          <c:cat>
-            <c:numRef>
-              <c:f>[活頁簿2.xlsx]工作表3!$C$4:$C$201</c:f>
-              <c:numCache>
-                <c:formatCode>yyyy/m/d</c:formatCode>
-                <c:ptCount val="198"/>
-                <c:pt idx="0">
-                  <c:v>39113</c:v>
-                </c:pt>
-                <c:pt idx="1">
-                  <c:v>39141</c:v>
-                </c:pt>
-                <c:pt idx="2">
-                  <c:v>39172</c:v>
-                </c:pt>
-                <c:pt idx="3">
-                  <c:v>39202</c:v>
-                </c:pt>
-                <c:pt idx="4">
-                  <c:v>39233</c:v>
-                </c:pt>
-                <c:pt idx="5">
-                  <c:v>39263</c:v>
-                </c:pt>
-                <c:pt idx="6">
-                  <c:v>39294</c:v>
-                </c:pt>
-                <c:pt idx="7">
-                  <c:v>39325</c:v>
-                </c:pt>
-                <c:pt idx="8">
-                  <c:v>39355</c:v>
-                </c:pt>
-                <c:pt idx="9">
-                  <c:v>39386</c:v>
-                </c:pt>
-                <c:pt idx="10">
-                  <c:v>39416</c:v>
-                </c:pt>
-                <c:pt idx="11">
-                  <c:v>39447</c:v>
-                </c:pt>
-                <c:pt idx="12">
-                  <c:v>39478</c:v>
-                </c:pt>
-                <c:pt idx="13">
-                  <c:v>39507</c:v>
-                </c:pt>
-                <c:pt idx="14">
-                  <c:v>39538</c:v>
-                </c:pt>
-                <c:pt idx="15">
-                  <c:v>39568</c:v>
-                </c:pt>
-                <c:pt idx="16">
-                  <c:v>39599</c:v>
-                </c:pt>
-                <c:pt idx="17">
-                  <c:v>39629</c:v>
-                </c:pt>
-                <c:pt idx="18">
-                  <c:v>39660</c:v>
-                </c:pt>
-                <c:pt idx="19">
-                  <c:v>39691</c:v>
-                </c:pt>
-                <c:pt idx="20">
-                  <c:v>39721</c:v>
-                </c:pt>
-                <c:pt idx="21">
-                  <c:v>39752</c:v>
-                </c:pt>
-                <c:pt idx="22">
-                  <c:v>39782</c:v>
-                </c:pt>
-                <c:pt idx="23">
-                  <c:v>39813</c:v>
-                </c:pt>
-                <c:pt idx="24">
-                  <c:v>39844</c:v>
-                </c:pt>
-                <c:pt idx="25">
-                  <c:v>39872</c:v>
-                </c:pt>
-                <c:pt idx="26">
-                  <c:v>39903</c:v>
-                </c:pt>
-                <c:pt idx="27">
-                  <c:v>39933</c:v>
-                </c:pt>
-                <c:pt idx="28">
-                  <c:v>39964</c:v>
-                </c:pt>
-                <c:pt idx="29">
-                  <c:v>39994</c:v>
-                </c:pt>
-                <c:pt idx="30">
-                  <c:v>40025</c:v>
-                </c:pt>
-                <c:pt idx="31">
-                  <c:v>40056</c:v>
-                </c:pt>
-                <c:pt idx="32">
-                  <c:v>40086</c:v>
-                </c:pt>
-                <c:pt idx="33">
-                  <c:v>40117</c:v>
-                </c:pt>
-                <c:pt idx="34">
-                  <c:v>40147</c:v>
-                </c:pt>
-                <c:pt idx="35">
-                  <c:v>40178</c:v>
-                </c:pt>
-                <c:pt idx="36">
-                  <c:v>40209</c:v>
-                </c:pt>
-                <c:pt idx="37">
-                  <c:v>40237</c:v>
-                </c:pt>
-                <c:pt idx="38">
-                  <c:v>40268</c:v>
-                </c:pt>
-                <c:pt idx="39">
-                  <c:v>40298</c:v>
-                </c:pt>
-                <c:pt idx="40">
-                  <c:v>40329</c:v>
-                </c:pt>
-                <c:pt idx="41">
-                  <c:v>40359</c:v>
-                </c:pt>
-                <c:pt idx="42">
-                  <c:v>40390</c:v>
-                </c:pt>
-                <c:pt idx="43">
-                  <c:v>40421</c:v>
-                </c:pt>
-                <c:pt idx="44">
-                  <c:v>40451</c:v>
-                </c:pt>
-                <c:pt idx="45">
-                  <c:v>40482</c:v>
-                </c:pt>
-                <c:pt idx="46">
-                  <c:v>40512</c:v>
-                </c:pt>
-                <c:pt idx="47">
-                  <c:v>40543</c:v>
-                </c:pt>
-                <c:pt idx="48">
-                  <c:v>40574</c:v>
-                </c:pt>
-                <c:pt idx="49">
-                  <c:v>40602</c:v>
-                </c:pt>
-                <c:pt idx="50">
-                  <c:v>40633</c:v>
-                </c:pt>
-                <c:pt idx="51">
-                  <c:v>40663</c:v>
-                </c:pt>
-                <c:pt idx="52">
-                  <c:v>40694</c:v>
-                </c:pt>
-                <c:pt idx="53">
-                  <c:v>40724</c:v>
-                </c:pt>
-                <c:pt idx="54">
-                  <c:v>40755</c:v>
-                </c:pt>
-                <c:pt idx="55">
-                  <c:v>40786</c:v>
-                </c:pt>
-                <c:pt idx="56">
-                  <c:v>40816</c:v>
-                </c:pt>
-                <c:pt idx="57">
-                  <c:v>40847</c:v>
-                </c:pt>
-                <c:pt idx="58">
-                  <c:v>40877</c:v>
-                </c:pt>
-                <c:pt idx="59">
-                  <c:v>40908</c:v>
-                </c:pt>
-                <c:pt idx="60">
-                  <c:v>40939</c:v>
-                </c:pt>
-                <c:pt idx="61">
-                  <c:v>40968</c:v>
-                </c:pt>
-                <c:pt idx="62">
-                  <c:v>40999</c:v>
-                </c:pt>
-                <c:pt idx="63">
-                  <c:v>41029</c:v>
-                </c:pt>
-                <c:pt idx="64">
-                  <c:v>41060</c:v>
-                </c:pt>
-                <c:pt idx="65">
-                  <c:v>41090</c:v>
-                </c:pt>
-                <c:pt idx="66">
-                  <c:v>41121</c:v>
-                </c:pt>
-                <c:pt idx="67">
-                  <c:v>41152</c:v>
-                </c:pt>
-                <c:pt idx="68">
-                  <c:v>41182</c:v>
-                </c:pt>
-                <c:pt idx="69">
-                  <c:v>41213</c:v>
-                </c:pt>
-                <c:pt idx="70">
-                  <c:v>41243</c:v>
-                </c:pt>
-                <c:pt idx="71">
-                  <c:v>41274</c:v>
-                </c:pt>
-                <c:pt idx="72">
-                  <c:v>41305</c:v>
-                </c:pt>
-                <c:pt idx="73">
-                  <c:v>41333</c:v>
-                </c:pt>
-                <c:pt idx="74">
-                  <c:v>41364</c:v>
-                </c:pt>
-                <c:pt idx="75">
-                  <c:v>41394</c:v>
-                </c:pt>
-                <c:pt idx="76">
-                  <c:v>41425</c:v>
-                </c:pt>
-                <c:pt idx="77">
-                  <c:v>41455</c:v>
-                </c:pt>
-                <c:pt idx="78">
-                  <c:v>41486</c:v>
-                </c:pt>
-                <c:pt idx="79">
-                  <c:v>41517</c:v>
-                </c:pt>
-                <c:pt idx="80">
-                  <c:v>41547</c:v>
-                </c:pt>
-                <c:pt idx="81">
-                  <c:v>41578</c:v>
-                </c:pt>
-                <c:pt idx="82">
-                  <c:v>41608</c:v>
-                </c:pt>
-                <c:pt idx="83">
-                  <c:v>41639</c:v>
-                </c:pt>
-                <c:pt idx="84">
-                  <c:v>41670</c:v>
-                </c:pt>
-                <c:pt idx="85">
-                  <c:v>41698</c:v>
-                </c:pt>
-                <c:pt idx="86">
-                  <c:v>41729</c:v>
-                </c:pt>
-                <c:pt idx="87">
-                  <c:v>41759</c:v>
-                </c:pt>
-                <c:pt idx="88">
-                  <c:v>41790</c:v>
-                </c:pt>
-                <c:pt idx="89">
-                  <c:v>41820</c:v>
-                </c:pt>
-                <c:pt idx="90">
-                  <c:v>41851</c:v>
-                </c:pt>
-                <c:pt idx="91">
-                  <c:v>41882</c:v>
-                </c:pt>
-                <c:pt idx="92">
-                  <c:v>41912</c:v>
-                </c:pt>
-                <c:pt idx="93">
-                  <c:v>41943</c:v>
-                </c:pt>
-                <c:pt idx="94">
-                  <c:v>41973</c:v>
-                </c:pt>
-                <c:pt idx="95">
-                  <c:v>42004</c:v>
-                </c:pt>
-                <c:pt idx="96">
-                  <c:v>42035</c:v>
-                </c:pt>
-                <c:pt idx="97">
-                  <c:v>42063</c:v>
-                </c:pt>
-                <c:pt idx="98">
-                  <c:v>42094</c:v>
-                </c:pt>
-                <c:pt idx="99">
-                  <c:v>42124</c:v>
-                </c:pt>
-                <c:pt idx="100">
-                  <c:v>42155</c:v>
-                </c:pt>
-                <c:pt idx="101">
-                  <c:v>42185</c:v>
-                </c:pt>
-                <c:pt idx="102">
-                  <c:v>42216</c:v>
-                </c:pt>
-                <c:pt idx="103">
-                  <c:v>42247</c:v>
-                </c:pt>
-                <c:pt idx="104">
-                  <c:v>42277</c:v>
-                </c:pt>
-                <c:pt idx="105">
-                  <c:v>42308</c:v>
-                </c:pt>
-                <c:pt idx="106">
-                  <c:v>42338</c:v>
-                </c:pt>
-                <c:pt idx="107">
-                  <c:v>42369</c:v>
-                </c:pt>
-                <c:pt idx="108">
-                  <c:v>42400</c:v>
-                </c:pt>
-                <c:pt idx="109">
-                  <c:v>42429</c:v>
-                </c:pt>
-                <c:pt idx="110">
-                  <c:v>42460</c:v>
-                </c:pt>
-                <c:pt idx="111">
-                  <c:v>42490</c:v>
-                </c:pt>
-                <c:pt idx="112">
-                  <c:v>42521</c:v>
-                </c:pt>
-                <c:pt idx="113">
-                  <c:v>42551</c:v>
-                </c:pt>
-                <c:pt idx="114">
-                  <c:v>42582</c:v>
-                </c:pt>
-                <c:pt idx="115">
-                  <c:v>42613</c:v>
-                </c:pt>
-                <c:pt idx="116">
-                  <c:v>42643</c:v>
-                </c:pt>
-                <c:pt idx="117">
-                  <c:v>42674</c:v>
-                </c:pt>
-                <c:pt idx="118">
-                  <c:v>42704</c:v>
-                </c:pt>
-                <c:pt idx="119">
-                  <c:v>42735</c:v>
-                </c:pt>
-                <c:pt idx="120">
-                  <c:v>42766</c:v>
-                </c:pt>
-                <c:pt idx="121">
-                  <c:v>42794</c:v>
-                </c:pt>
-                <c:pt idx="122">
-                  <c:v>42825</c:v>
-                </c:pt>
-                <c:pt idx="123">
-                  <c:v>42855</c:v>
-                </c:pt>
-                <c:pt idx="124">
-                  <c:v>42886</c:v>
-                </c:pt>
-                <c:pt idx="125">
-                  <c:v>42916</c:v>
-                </c:pt>
-                <c:pt idx="126">
-                  <c:v>42947</c:v>
-                </c:pt>
-                <c:pt idx="127">
-                  <c:v>42978</c:v>
-                </c:pt>
-                <c:pt idx="128">
-                  <c:v>43008</c:v>
-                </c:pt>
-                <c:pt idx="129">
-                  <c:v>43039</c:v>
-                </c:pt>
-                <c:pt idx="130">
-                  <c:v>43069</c:v>
-                </c:pt>
-                <c:pt idx="131">
-                  <c:v>43100</c:v>
-                </c:pt>
-                <c:pt idx="132">
-                  <c:v>43131</c:v>
-                </c:pt>
-                <c:pt idx="133">
-                  <c:v>43159</c:v>
-                </c:pt>
-                <c:pt idx="134">
-                  <c:v>43190</c:v>
-                </c:pt>
-                <c:pt idx="135">
-                  <c:v>43220</c:v>
-                </c:pt>
-                <c:pt idx="136">
-                  <c:v>43251</c:v>
-                </c:pt>
-                <c:pt idx="137">
-                  <c:v>43281</c:v>
-                </c:pt>
-                <c:pt idx="138">
-                  <c:v>43312</c:v>
-                </c:pt>
-                <c:pt idx="139">
-                  <c:v>43343</c:v>
-                </c:pt>
-                <c:pt idx="140">
-                  <c:v>43373</c:v>
-                </c:pt>
-                <c:pt idx="141">
-                  <c:v>43404</c:v>
-                </c:pt>
-                <c:pt idx="142">
-                  <c:v>43434</c:v>
-                </c:pt>
-                <c:pt idx="143">
-                  <c:v>43465</c:v>
-                </c:pt>
-                <c:pt idx="144">
-                  <c:v>43496</c:v>
-                </c:pt>
-                <c:pt idx="145">
-                  <c:v>43524</c:v>
-                </c:pt>
-                <c:pt idx="146">
-                  <c:v>43555</c:v>
-                </c:pt>
-                <c:pt idx="147">
-                  <c:v>43585</c:v>
-                </c:pt>
-                <c:pt idx="148">
-                  <c:v>43616</c:v>
-                </c:pt>
-                <c:pt idx="149">
-                  <c:v>43646</c:v>
-                </c:pt>
-                <c:pt idx="150">
-                  <c:v>43677</c:v>
-                </c:pt>
-                <c:pt idx="151">
-                  <c:v>43708</c:v>
-                </c:pt>
-                <c:pt idx="152">
-                  <c:v>43738</c:v>
-                </c:pt>
-                <c:pt idx="153">
-                  <c:v>43769</c:v>
-                </c:pt>
-                <c:pt idx="154">
-                  <c:v>43799</c:v>
-                </c:pt>
-                <c:pt idx="155">
-                  <c:v>43830</c:v>
-                </c:pt>
-                <c:pt idx="156">
-                  <c:v>43861</c:v>
-                </c:pt>
-                <c:pt idx="157">
-                  <c:v>43890</c:v>
-                </c:pt>
-                <c:pt idx="158">
-                  <c:v>43921</c:v>
-                </c:pt>
-                <c:pt idx="159">
-                  <c:v>43951</c:v>
-                </c:pt>
-                <c:pt idx="160">
-                  <c:v>43982</c:v>
-                </c:pt>
-                <c:pt idx="161">
-                  <c:v>44012</c:v>
-                </c:pt>
-                <c:pt idx="162">
-                  <c:v>44043</c:v>
-                </c:pt>
-                <c:pt idx="163">
-                  <c:v>44074</c:v>
-                </c:pt>
-                <c:pt idx="164">
-                  <c:v>44104</c:v>
-                </c:pt>
-                <c:pt idx="165">
-                  <c:v>44135</c:v>
-                </c:pt>
-                <c:pt idx="166">
-                  <c:v>44165</c:v>
-                </c:pt>
-                <c:pt idx="167">
-                  <c:v>44196</c:v>
-                </c:pt>
-                <c:pt idx="168">
-                  <c:v>44227</c:v>
-                </c:pt>
-                <c:pt idx="169">
-                  <c:v>44255</c:v>
-                </c:pt>
-                <c:pt idx="170">
-                  <c:v>44286</c:v>
-                </c:pt>
-                <c:pt idx="171">
-                  <c:v>44316</c:v>
-                </c:pt>
-                <c:pt idx="172">
-                  <c:v>44347</c:v>
-                </c:pt>
-                <c:pt idx="173">
-                  <c:v>44377</c:v>
-                </c:pt>
-                <c:pt idx="174">
-                  <c:v>44408</c:v>
-                </c:pt>
-                <c:pt idx="175">
-                  <c:v>44439</c:v>
-                </c:pt>
-                <c:pt idx="176">
-                  <c:v>44469</c:v>
-                </c:pt>
-                <c:pt idx="177">
-                  <c:v>44500</c:v>
-                </c:pt>
-                <c:pt idx="178">
-                  <c:v>44530</c:v>
-                </c:pt>
-                <c:pt idx="179">
-                  <c:v>44561</c:v>
-                </c:pt>
-                <c:pt idx="180">
-                  <c:v>44592</c:v>
-                </c:pt>
-                <c:pt idx="181">
-                  <c:v>44620</c:v>
-                </c:pt>
-                <c:pt idx="182">
-                  <c:v>44651</c:v>
-                </c:pt>
-                <c:pt idx="183">
-                  <c:v>44681</c:v>
-                </c:pt>
-                <c:pt idx="184">
-                  <c:v>44712</c:v>
-                </c:pt>
-                <c:pt idx="185">
-                  <c:v>44742</c:v>
-                </c:pt>
-                <c:pt idx="186">
-                  <c:v>44773</c:v>
-                </c:pt>
-                <c:pt idx="187">
-                  <c:v>44804</c:v>
-                </c:pt>
-                <c:pt idx="188">
-                  <c:v>44834</c:v>
-                </c:pt>
-                <c:pt idx="189">
-                  <c:v>44865</c:v>
-                </c:pt>
-                <c:pt idx="190">
-                  <c:v>44895</c:v>
-                </c:pt>
-                <c:pt idx="191">
-                  <c:v>44926</c:v>
-                </c:pt>
-                <c:pt idx="192">
-                  <c:v>44957</c:v>
-                </c:pt>
-                <c:pt idx="193">
-                  <c:v>44985</c:v>
-                </c:pt>
-                <c:pt idx="194">
-                  <c:v>45016</c:v>
-                </c:pt>
-                <c:pt idx="195">
-                  <c:v>45046</c:v>
-                </c:pt>
-                <c:pt idx="196">
-                  <c:v>45077</c:v>
-                </c:pt>
-                <c:pt idx="197">
-                  <c:v>45107</c:v>
-                </c:pt>
-              </c:numCache>
-            </c:numRef>
-          </c:cat>
-          <c:val>
-            <c:numRef>
-              <c:f>[活頁簿2.xlsx]工作表3!$E$4:$E$201</c:f>
-              <c:numCache>
-                <c:formatCode>General</c:formatCode>
-                <c:ptCount val="198"/>
-                <c:pt idx="0">
-                  <c:v>4.91</c:v>
-                </c:pt>
-                <c:pt idx="1">
-                  <c:v>4.851</c:v>
-                </c:pt>
-                <c:pt idx="2">
-                  <c:v>4.6760000000000002</c:v>
-                </c:pt>
-                <c:pt idx="3">
-                  <c:v>4.7830000000000004</c:v>
-                </c:pt>
-                <c:pt idx="4">
-                  <c:v>4.923</c:v>
-                </c:pt>
-                <c:pt idx="5">
-                  <c:v>5.3330000000000002</c:v>
-                </c:pt>
-                <c:pt idx="6">
-                  <c:v>5.2080000000000002</c:v>
-                </c:pt>
-                <c:pt idx="7">
-                  <c:v>4.8929999999999998</c:v>
-                </c:pt>
-                <c:pt idx="8">
-                  <c:v>4.7119999999999997</c:v>
-                </c:pt>
-                <c:pt idx="9">
-                  <c:v>4.7229999999999999</c:v>
-                </c:pt>
-                <c:pt idx="10">
-                  <c:v>4.508</c:v>
-                </c:pt>
-                <c:pt idx="11">
-                  <c:v>4.2969999999999997</c:v>
-                </c:pt>
-                <c:pt idx="12">
-                  <c:v>4.0999999999999996</c:v>
-                </c:pt>
-                <c:pt idx="13">
-                  <c:v>3.9620000000000002</c:v>
-                </c:pt>
-                <c:pt idx="14">
-                  <c:v>3.7160000000000002</c:v>
-                </c:pt>
-                <c:pt idx="15">
-                  <c:v>3.9180000000000001</c:v>
-                </c:pt>
-                <c:pt idx="16">
-                  <c:v>4.141</c:v>
-                </c:pt>
-                <c:pt idx="17">
-                  <c:v>4.2880000000000003</c:v>
-                </c:pt>
-                <c:pt idx="18">
-                  <c:v>4.1779999999999999</c:v>
-                </c:pt>
-                <c:pt idx="19">
-                  <c:v>4.0940000000000003</c:v>
-                </c:pt>
-                <c:pt idx="20">
-                  <c:v>3.9089999999999998</c:v>
-                </c:pt>
-                <c:pt idx="21">
-                  <c:v>4.1100000000000003</c:v>
-                </c:pt>
-                <c:pt idx="22">
-                  <c:v>3.984</c:v>
-                </c:pt>
-                <c:pt idx="23">
-                  <c:v>2.9620000000000002</c:v>
-                </c:pt>
-                <c:pt idx="24">
-                  <c:v>2.8940000000000001</c:v>
-                </c:pt>
-                <c:pt idx="25">
-                  <c:v>3.0579999999999998</c:v>
-                </c:pt>
-                <c:pt idx="26">
-                  <c:v>3.0449999999999999</c:v>
-                </c:pt>
-                <c:pt idx="27">
-                  <c:v>3.1659999999999999</c:v>
-                </c:pt>
-                <c:pt idx="28">
-                  <c:v>3.754</c:v>
-                </c:pt>
-                <c:pt idx="29">
-                  <c:v>4.008</c:v>
-                </c:pt>
-                <c:pt idx="30">
-                  <c:v>3.766</c:v>
-                </c:pt>
-                <c:pt idx="31">
-                  <c:v>3.8929999999999998</c:v>
-                </c:pt>
-                <c:pt idx="32">
-                  <c:v>3.5339999999999998</c:v>
-                </c:pt>
-                <c:pt idx="33">
-                  <c:v>3.581</c:v>
-                </c:pt>
-                <c:pt idx="34">
-                  <c:v>3.5630000000000002</c:v>
-                </c:pt>
-                <c:pt idx="35">
-                  <c:v>3.9180000000000001</c:v>
-                </c:pt>
-                <c:pt idx="36">
-                  <c:v>3.9039999999999999</c:v>
-                </c:pt>
-                <c:pt idx="37">
-                  <c:v>3.8279999999999998</c:v>
-                </c:pt>
-                <c:pt idx="38">
-                  <c:v>3.9279999999999999</c:v>
-                </c:pt>
-                <c:pt idx="39">
-                  <c:v>4.0129999999999999</c:v>
-                </c:pt>
-                <c:pt idx="40">
-                  <c:v>3.7130000000000001</c:v>
-                </c:pt>
-                <c:pt idx="41">
-                  <c:v>3.427</c:v>
-                </c:pt>
-                <c:pt idx="42">
-                  <c:v>3.1320000000000001</c:v>
-                </c:pt>
-                <c:pt idx="43">
-                  <c:v>2.972</c:v>
-                </c:pt>
-                <c:pt idx="44">
-                  <c:v>2.8490000000000002</c:v>
-                </c:pt>
-                <c:pt idx="45">
-                  <c:v>2.7309999999999999</c:v>
-                </c:pt>
-                <c:pt idx="46">
-                  <c:v>2.9670000000000001</c:v>
-                </c:pt>
-                <c:pt idx="47">
-                  <c:v>3.5680000000000001</c:v>
-                </c:pt>
-                <c:pt idx="48">
-                  <c:v>3.4969999999999999</c:v>
-                </c:pt>
-                <c:pt idx="49">
-                  <c:v>3.77</c:v>
-                </c:pt>
-                <c:pt idx="50">
-                  <c:v>3.5979999999999999</c:v>
-                </c:pt>
-                <c:pt idx="51">
-                  <c:v>3.6190000000000002</c:v>
-                </c:pt>
-                <c:pt idx="52">
-                  <c:v>3.323</c:v>
-                </c:pt>
-                <c:pt idx="53">
-                  <c:v>3.2210000000000001</c:v>
-                </c:pt>
-                <c:pt idx="54">
-                  <c:v>3.2229999999999999</c:v>
-                </c:pt>
-                <c:pt idx="55">
-                  <c:v>2.8580000000000001</c:v>
-                </c:pt>
-                <c:pt idx="56">
-                  <c:v>2.278</c:v>
-                </c:pt>
-                <c:pt idx="57">
-                  <c:v>2.42</c:v>
-                </c:pt>
-                <c:pt idx="58">
-                  <c:v>2.153</c:v>
-                </c:pt>
-                <c:pt idx="59">
-                  <c:v>2.1669999999999998</c:v>
-                </c:pt>
-                <c:pt idx="60">
-                  <c:v>2.0939999999999999</c:v>
-                </c:pt>
-                <c:pt idx="61">
-                  <c:v>2.08</c:v>
-                </c:pt>
-                <c:pt idx="62">
-                  <c:v>2.399</c:v>
-                </c:pt>
-                <c:pt idx="63">
-                  <c:v>2.3079999999999998</c:v>
-                </c:pt>
-                <c:pt idx="64">
-                  <c:v>1.966</c:v>
-                </c:pt>
-                <c:pt idx="65">
-                  <c:v>1.728</c:v>
-                </c:pt>
-                <c:pt idx="66">
-                  <c:v>1.66</c:v>
-                </c:pt>
-                <c:pt idx="67">
-                  <c:v>1.863</c:v>
-                </c:pt>
-                <c:pt idx="68">
-                  <c:v>1.8939999999999999</c:v>
-                </c:pt>
-                <c:pt idx="69">
-                  <c:v>1.8560000000000001</c:v>
-                </c:pt>
-                <c:pt idx="70">
-                  <c:v>1.7809999999999999</c:v>
-                </c:pt>
-                <c:pt idx="71">
-                  <c:v>1.847</c:v>
-                </c:pt>
-                <c:pt idx="72">
-                  <c:v>2.0369999999999999</c:v>
-                </c:pt>
-                <c:pt idx="73">
-                  <c:v>2.0640000000000001</c:v>
-                </c:pt>
-                <c:pt idx="74">
-                  <c:v>2.0870000000000002</c:v>
-                </c:pt>
-                <c:pt idx="75">
-                  <c:v>1.8879999999999999</c:v>
-                </c:pt>
-                <c:pt idx="76">
-                  <c:v>2.2349999999999999</c:v>
-                </c:pt>
-                <c:pt idx="77">
-                  <c:v>2.6669999999999998</c:v>
-                </c:pt>
-                <c:pt idx="78">
-                  <c:v>2.7549999999999999</c:v>
-                </c:pt>
-                <c:pt idx="79">
-                  <c:v>2.9359999999999999</c:v>
-                </c:pt>
-                <c:pt idx="80">
-                  <c:v>3.0070000000000001</c:v>
-                </c:pt>
-                <c:pt idx="81">
-                  <c:v>2.7589999999999999</c:v>
-                </c:pt>
-                <c:pt idx="82">
-                  <c:v>2.839</c:v>
-                </c:pt>
-                <c:pt idx="83">
-                  <c:v>3.036</c:v>
-                </c:pt>
-                <c:pt idx="84">
-                  <c:v>3.0409999999999999</c:v>
-                </c:pt>
-                <c:pt idx="85">
-                  <c:v>2.786</c:v>
-                </c:pt>
-                <c:pt idx="86">
-                  <c:v>2.8210000000000002</c:v>
-                </c:pt>
-                <c:pt idx="87">
-                  <c:v>2.81</c:v>
-                </c:pt>
-                <c:pt idx="88">
-                  <c:v>2.7</c:v>
-                </c:pt>
-                <c:pt idx="89">
-                  <c:v>2.6619999999999999</c:v>
-                </c:pt>
-                <c:pt idx="90">
-                  <c:v>2.6920000000000002</c:v>
-                </c:pt>
-                <c:pt idx="91">
-                  <c:v>2.5910000000000002</c:v>
-                </c:pt>
-                <c:pt idx="92">
-                  <c:v>2.6549999999999998</c:v>
-                </c:pt>
-                <c:pt idx="93">
-                  <c:v>2.508</c:v>
-                </c:pt>
-                <c:pt idx="94">
-                  <c:v>2.407</c:v>
-                </c:pt>
-                <c:pt idx="95">
-                  <c:v>2.347</c:v>
-                </c:pt>
-                <c:pt idx="96">
-                  <c:v>2.2130000000000001</c:v>
-                </c:pt>
-                <c:pt idx="97">
-                  <c:v>2.1640000000000001</c:v>
-                </c:pt>
-                <c:pt idx="98">
-                  <c:v>2.2589999999999999</c:v>
-                </c:pt>
-                <c:pt idx="99">
-                  <c:v>2.11</c:v>
-                </c:pt>
-                <c:pt idx="100">
-                  <c:v>2.3660000000000001</c:v>
-                </c:pt>
-                <c:pt idx="101">
-                  <c:v>2.5</c:v>
-                </c:pt>
-                <c:pt idx="102">
-                  <c:v>2.4700000000000002</c:v>
-                </c:pt>
-                <c:pt idx="103">
-                  <c:v>2.2930000000000001</c:v>
-                </c:pt>
-                <c:pt idx="104">
-                  <c:v>2.3029999999999999</c:v>
-                </c:pt>
-                <c:pt idx="105">
-                  <c:v>2.1829999999999998</c:v>
-                </c:pt>
-                <c:pt idx="106">
-                  <c:v>2.3769999999999998</c:v>
-                </c:pt>
-                <c:pt idx="107">
-                  <c:v>2.3580000000000001</c:v>
-                </c:pt>
-                <c:pt idx="108">
-                  <c:v>2.2930000000000001</c:v>
-                </c:pt>
-                <c:pt idx="109">
-                  <c:v>1.966</c:v>
-                </c:pt>
-                <c:pt idx="110">
-                  <c:v>2.0019999999999998</c:v>
-                </c:pt>
-                <c:pt idx="111">
-                  <c:v>1.9410000000000001</c:v>
-                </c:pt>
-                <c:pt idx="112">
-                  <c:v>1.89</c:v>
-                </c:pt>
-                <c:pt idx="113">
-                  <c:v>1.8560000000000001</c:v>
-                </c:pt>
-                <c:pt idx="114">
-                  <c:v>1.6279999999999999</c:v>
-                </c:pt>
-                <c:pt idx="115">
-                  <c:v>1.635</c:v>
-                </c:pt>
-                <c:pt idx="116">
-                  <c:v>1.752</c:v>
-                </c:pt>
-                <c:pt idx="117">
-                  <c:v>1.879</c:v>
-                </c:pt>
-                <c:pt idx="118">
-                  <c:v>2.4169999999999998</c:v>
-                </c:pt>
-                <c:pt idx="119">
-                  <c:v>2.641</c:v>
-                </c:pt>
-                <c:pt idx="120">
-                  <c:v>2.5550000000000002</c:v>
-                </c:pt>
-                <c:pt idx="121">
-                  <c:v>2.524</c:v>
-                </c:pt>
-                <c:pt idx="122">
-                  <c:v>2.629</c:v>
-                </c:pt>
-                <c:pt idx="123">
-                  <c:v>2.4049999999999998</c:v>
-                </c:pt>
-                <c:pt idx="124">
-                  <c:v>2.423</c:v>
-                </c:pt>
-                <c:pt idx="125">
-                  <c:v>2.3090000000000002</c:v>
-                </c:pt>
-                <c:pt idx="126">
-                  <c:v>2.3980000000000001</c:v>
-                </c:pt>
-                <c:pt idx="127">
-                  <c:v>2.3210000000000002</c:v>
-                </c:pt>
-                <c:pt idx="128">
-                  <c:v>2.359</c:v>
-                </c:pt>
-                <c:pt idx="129">
-                  <c:v>2.4769999999999999</c:v>
-                </c:pt>
-                <c:pt idx="130">
-                  <c:v>2.4369999999999998</c:v>
-                </c:pt>
-                <c:pt idx="131">
-                  <c:v>2.504</c:v>
-                </c:pt>
-                <c:pt idx="132">
-                  <c:v>2.754</c:v>
-                </c:pt>
-                <c:pt idx="133">
-                  <c:v>2.9569999999999999</c:v>
-                </c:pt>
-                <c:pt idx="134">
-                  <c:v>2.9359999999999999</c:v>
-                </c:pt>
-                <c:pt idx="135">
-                  <c:v>3.0350000000000001</c:v>
-                </c:pt>
-                <c:pt idx="136">
-                  <c:v>3.1280000000000001</c:v>
-                </c:pt>
-                <c:pt idx="137">
-                  <c:v>3.01</c:v>
-                </c:pt>
-                <c:pt idx="138">
-                  <c:v>2.99</c:v>
-                </c:pt>
-                <c:pt idx="139">
-                  <c:v>3.016</c:v>
-                </c:pt>
-                <c:pt idx="140">
-                  <c:v>3.113</c:v>
-                </c:pt>
-                <c:pt idx="141">
-                  <c:v>3.2610000000000001</c:v>
-                </c:pt>
-                <c:pt idx="142">
-                  <c:v>3.25</c:v>
-                </c:pt>
-                <c:pt idx="143">
-                  <c:v>3.05</c:v>
-                </c:pt>
-                <c:pt idx="144">
-                  <c:v>2.7989999999999999</c:v>
-                </c:pt>
-                <c:pt idx="145">
-                  <c:v>2.74</c:v>
-                </c:pt>
-                <c:pt idx="146">
-                  <c:v>2.7679999999999998</c:v>
-                </c:pt>
-                <c:pt idx="147">
-                  <c:v>2.6139999999999999</c:v>
-                </c:pt>
-                <c:pt idx="148">
-                  <c:v>2.5779999999999998</c:v>
-                </c:pt>
-                <c:pt idx="149">
-                  <c:v>2.1779999999999999</c:v>
-                </c:pt>
-                <c:pt idx="150">
-                  <c:v>2.15</c:v>
-                </c:pt>
-                <c:pt idx="151">
-                  <c:v>2.0609999999999999</c:v>
-                </c:pt>
-                <c:pt idx="152">
-                  <c:v>1.9079999999999999</c:v>
-                </c:pt>
-                <c:pt idx="153">
-                  <c:v>1.86</c:v>
-                </c:pt>
-                <c:pt idx="154">
-                  <c:v>1.9730000000000001</c:v>
-                </c:pt>
-                <c:pt idx="155">
-                  <c:v>1.952</c:v>
-                </c:pt>
-                <c:pt idx="156">
-                  <c:v>1.946</c:v>
-                </c:pt>
-                <c:pt idx="157">
-                  <c:v>1.6839999999999999</c:v>
-                </c:pt>
-                <c:pt idx="158">
-                  <c:v>1.2829999999999999</c:v>
-                </c:pt>
-                <c:pt idx="159">
-                  <c:v>0.78500000000000003</c:v>
-                </c:pt>
-                <c:pt idx="160">
-                  <c:v>0.745</c:v>
-                </c:pt>
-                <c:pt idx="161">
-                  <c:v>0.95899999999999996</c:v>
-                </c:pt>
-                <c:pt idx="162">
-                  <c:v>0.72399999999999998</c:v>
-                </c:pt>
-                <c:pt idx="163">
-                  <c:v>0.78900000000000003</c:v>
-                </c:pt>
-                <c:pt idx="164">
-                  <c:v>0.73099999999999998</c:v>
-                </c:pt>
-                <c:pt idx="165">
-                  <c:v>0.877</c:v>
-                </c:pt>
-                <c:pt idx="166">
-                  <c:v>0.97499999999999998</c:v>
-                </c:pt>
-                <c:pt idx="167">
-                  <c:v>0.98599999999999999</c:v>
-                </c:pt>
-                <c:pt idx="168">
-                  <c:v>1.1870000000000001</c:v>
-                </c:pt>
-                <c:pt idx="169">
-                  <c:v>1.6140000000000001</c:v>
-                </c:pt>
-                <c:pt idx="170">
-                  <c:v>1.776</c:v>
-                </c:pt>
-                <c:pt idx="171">
-                  <c:v>1.7529999999999999</c:v>
-                </c:pt>
-                <c:pt idx="172">
-                  <c:v>1.7070000000000001</c:v>
-                </c:pt>
-                <c:pt idx="173">
-                  <c:v>1.639</c:v>
-                </c:pt>
-                <c:pt idx="174">
-                  <c:v>1.4850000000000001</c:v>
-                </c:pt>
-                <c:pt idx="175">
-                  <c:v>1.379</c:v>
-                </c:pt>
-                <c:pt idx="176">
-                  <c:v>1.5669999999999999</c:v>
-                </c:pt>
-                <c:pt idx="177">
-                  <c:v>1.7050000000000001</c:v>
-                </c:pt>
-                <c:pt idx="178">
-                  <c:v>1.6930000000000001</c:v>
-                </c:pt>
-                <c:pt idx="179">
-                  <c:v>1.56</c:v>
-                </c:pt>
-                <c:pt idx="180">
-                  <c:v>1.9019999999999999</c:v>
-                </c:pt>
-                <c:pt idx="181">
-                  <c:v>2.0649999999999999</c:v>
-                </c:pt>
-                <c:pt idx="182">
-                  <c:v>2.5569999999999999</c:v>
-                </c:pt>
-                <c:pt idx="183">
-                  <c:v>2.9809999999999999</c:v>
-                </c:pt>
-                <c:pt idx="184">
-                  <c:v>3.2029999999999998</c:v>
-                </c:pt>
-                <c:pt idx="185">
-                  <c:v>3.4980000000000002</c:v>
-                </c:pt>
-                <c:pt idx="186">
-                  <c:v>3.1030000000000002</c:v>
-                </c:pt>
-                <c:pt idx="187">
-                  <c:v>3.198</c:v>
-                </c:pt>
-                <c:pt idx="188">
-                  <c:v>4.0190000000000001</c:v>
-                </c:pt>
-                <c:pt idx="189">
-                  <c:v>4.3380000000000001</c:v>
-                </c:pt>
-                <c:pt idx="190">
-                  <c:v>4.2430000000000003</c:v>
-                </c:pt>
-                <c:pt idx="191">
-                  <c:v>3.9049999999999998</c:v>
-                </c:pt>
-                <c:pt idx="192">
-                  <c:v>3.8479999999999999</c:v>
-                </c:pt>
-                <c:pt idx="193">
-                  <c:v>3.9830000000000001</c:v>
-                </c:pt>
-                <c:pt idx="194">
-                  <c:v>4.0910000000000002</c:v>
-                </c:pt>
-                <c:pt idx="195">
-                  <c:v>3.6389999999999998</c:v>
-                </c:pt>
-                <c:pt idx="196">
-                  <c:v>3.859</c:v>
-                </c:pt>
-                <c:pt idx="197">
-                  <c:v>3.851</c:v>
-                </c:pt>
-              </c:numCache>
-            </c:numRef>
-          </c:val>
-          <c:smooth val="0"/>
-          <c:extLst xmlns:c16r2="http://schemas.microsoft.com/office/drawing/2015/06/chart">
-            <c:ext xmlns:c16="http://schemas.microsoft.com/office/drawing/2014/chart" uri="{C3380CC4-5D6E-409C-BE32-E72D297353CC}">
-              <c16:uniqueId val="{00000001-403F-471A-8C37-29B52B77453F}"/>
-            </c:ext>
-          </c:extLst>
-        </c:ser>
-        <c:ser>
-          <c:idx val="2"/>
-          <c:order val="2"/>
-          <c:tx>
-            <c:strRef>
-              <c:f>[活頁簿2.xlsx]工作表3!$F$2:$F$3</c:f>
-              <c:strCache>
-                <c:ptCount val="1"/>
-                <c:pt idx="0">
-                  <c:v>美國10Y利率 最低價</c:v>
-                </c:pt>
-              </c:strCache>
-            </c:strRef>
-          </c:tx>
-          <c:spPr>
-            <a:ln w="28575" cap="rnd">
-              <a:noFill/>
-              <a:round/>
-            </a:ln>
-            <a:effectLst/>
-          </c:spPr>
-          <c:marker>
-            <c:symbol val="none"/>
-          </c:marker>
-          <c:cat>
-            <c:numRef>
-              <c:f>[活頁簿2.xlsx]工作表3!$C$4:$C$201</c:f>
-              <c:numCache>
-                <c:formatCode>yyyy/m/d</c:formatCode>
-                <c:ptCount val="198"/>
-                <c:pt idx="0">
-                  <c:v>39113</c:v>
-                </c:pt>
-                <c:pt idx="1">
-                  <c:v>39141</c:v>
-                </c:pt>
-                <c:pt idx="2">
-                  <c:v>39172</c:v>
-                </c:pt>
-                <c:pt idx="3">
-                  <c:v>39202</c:v>
-                </c:pt>
-                <c:pt idx="4">
-                  <c:v>39233</c:v>
-                </c:pt>
-                <c:pt idx="5">
-                  <c:v>39263</c:v>
-                </c:pt>
-                <c:pt idx="6">
-                  <c:v>39294</c:v>
-                </c:pt>
-                <c:pt idx="7">
-                  <c:v>39325</c:v>
-                </c:pt>
-                <c:pt idx="8">
-                  <c:v>39355</c:v>
-                </c:pt>
-                <c:pt idx="9">
-                  <c:v>39386</c:v>
-                </c:pt>
-                <c:pt idx="10">
-                  <c:v>39416</c:v>
-                </c:pt>
-                <c:pt idx="11">
-                  <c:v>39447</c:v>
-                </c:pt>
-                <c:pt idx="12">
-                  <c:v>39478</c:v>
-                </c:pt>
-                <c:pt idx="13">
-                  <c:v>39507</c:v>
-                </c:pt>
-                <c:pt idx="14">
-                  <c:v>39538</c:v>
-                </c:pt>
-                <c:pt idx="15">
-                  <c:v>39568</c:v>
-                </c:pt>
-                <c:pt idx="16">
-                  <c:v>39599</c:v>
-                </c:pt>
-                <c:pt idx="17">
-                  <c:v>39629</c:v>
-                </c:pt>
-                <c:pt idx="18">
-                  <c:v>39660</c:v>
-                </c:pt>
-                <c:pt idx="19">
-                  <c:v>39691</c:v>
-                </c:pt>
-                <c:pt idx="20">
-                  <c:v>39721</c:v>
-                </c:pt>
-                <c:pt idx="21">
-                  <c:v>39752</c:v>
-                </c:pt>
-                <c:pt idx="22">
-                  <c:v>39782</c:v>
-                </c:pt>
-                <c:pt idx="23">
-                  <c:v>39813</c:v>
-                </c:pt>
-                <c:pt idx="24">
-                  <c:v>39844</c:v>
-                </c:pt>
-                <c:pt idx="25">
-                  <c:v>39872</c:v>
-                </c:pt>
-                <c:pt idx="26">
-                  <c:v>39903</c:v>
-                </c:pt>
-                <c:pt idx="27">
-                  <c:v>39933</c:v>
-                </c:pt>
-                <c:pt idx="28">
-                  <c:v>39964</c:v>
-                </c:pt>
-                <c:pt idx="29">
-                  <c:v>39994</c:v>
-                </c:pt>
-                <c:pt idx="30">
-                  <c:v>40025</c:v>
-                </c:pt>
-                <c:pt idx="31">
-                  <c:v>40056</c:v>
-                </c:pt>
-                <c:pt idx="32">
-                  <c:v>40086</c:v>
-                </c:pt>
-                <c:pt idx="33">
-                  <c:v>40117</c:v>
-                </c:pt>
-                <c:pt idx="34">
-                  <c:v>40147</c:v>
-                </c:pt>
-                <c:pt idx="35">
-                  <c:v>40178</c:v>
-                </c:pt>
-                <c:pt idx="36">
-                  <c:v>40209</c:v>
-                </c:pt>
-                <c:pt idx="37">
-                  <c:v>40237</c:v>
-                </c:pt>
-                <c:pt idx="38">
-                  <c:v>40268</c:v>
-                </c:pt>
-                <c:pt idx="39">
-                  <c:v>40298</c:v>
-                </c:pt>
-                <c:pt idx="40">
-                  <c:v>40329</c:v>
-                </c:pt>
-                <c:pt idx="41">
-                  <c:v>40359</c:v>
-                </c:pt>
-                <c:pt idx="42">
-                  <c:v>40390</c:v>
-                </c:pt>
-                <c:pt idx="43">
-                  <c:v>40421</c:v>
-                </c:pt>
-                <c:pt idx="44">
-                  <c:v>40451</c:v>
-                </c:pt>
-                <c:pt idx="45">
-                  <c:v>40482</c:v>
-                </c:pt>
-                <c:pt idx="46">
-                  <c:v>40512</c:v>
-                </c:pt>
-                <c:pt idx="47">
-                  <c:v>40543</c:v>
-                </c:pt>
-                <c:pt idx="48">
-                  <c:v>40574</c:v>
-                </c:pt>
-                <c:pt idx="49">
-                  <c:v>40602</c:v>
-                </c:pt>
-                <c:pt idx="50">
-                  <c:v>40633</c:v>
-                </c:pt>
-                <c:pt idx="51">
-                  <c:v>40663</c:v>
-                </c:pt>
-                <c:pt idx="52">
-                  <c:v>40694</c:v>
-                </c:pt>
-                <c:pt idx="53">
-                  <c:v>40724</c:v>
-                </c:pt>
-                <c:pt idx="54">
-                  <c:v>40755</c:v>
-                </c:pt>
-                <c:pt idx="55">
-                  <c:v>40786</c:v>
-                </c:pt>
-                <c:pt idx="56">
-                  <c:v>40816</c:v>
-                </c:pt>
-                <c:pt idx="57">
-                  <c:v>40847</c:v>
-                </c:pt>
-                <c:pt idx="58">
-                  <c:v>40877</c:v>
-                </c:pt>
-                <c:pt idx="59">
-                  <c:v>40908</c:v>
-                </c:pt>
-                <c:pt idx="60">
-                  <c:v>40939</c:v>
-                </c:pt>
-                <c:pt idx="61">
-                  <c:v>40968</c:v>
-                </c:pt>
-                <c:pt idx="62">
-                  <c:v>40999</c:v>
-                </c:pt>
-                <c:pt idx="63">
-                  <c:v>41029</c:v>
-                </c:pt>
-                <c:pt idx="64">
-                  <c:v>41060</c:v>
-                </c:pt>
-                <c:pt idx="65">
-                  <c:v>41090</c:v>
-                </c:pt>
-                <c:pt idx="66">
-                  <c:v>41121</c:v>
-                </c:pt>
-                <c:pt idx="67">
-                  <c:v>41152</c:v>
-                </c:pt>
-                <c:pt idx="68">
-                  <c:v>41182</c:v>
-                </c:pt>
-                <c:pt idx="69">
-                  <c:v>41213</c:v>
-                </c:pt>
-                <c:pt idx="70">
-                  <c:v>41243</c:v>
-                </c:pt>
-                <c:pt idx="71">
-                  <c:v>41274</c:v>
-                </c:pt>
-                <c:pt idx="72">
-                  <c:v>41305</c:v>
-                </c:pt>
-                <c:pt idx="73">
-                  <c:v>41333</c:v>
-                </c:pt>
-                <c:pt idx="74">
-                  <c:v>41364</c:v>
-                </c:pt>
-                <c:pt idx="75">
-                  <c:v>41394</c:v>
-                </c:pt>
-                <c:pt idx="76">
-                  <c:v>41425</c:v>
-                </c:pt>
-                <c:pt idx="77">
-                  <c:v>41455</c:v>
-                </c:pt>
-                <c:pt idx="78">
-                  <c:v>41486</c:v>
-                </c:pt>
-                <c:pt idx="79">
-                  <c:v>41517</c:v>
-                </c:pt>
-                <c:pt idx="80">
-                  <c:v>41547</c:v>
-                </c:pt>
-                <c:pt idx="81">
-                  <c:v>41578</c:v>
-                </c:pt>
-                <c:pt idx="82">
-                  <c:v>41608</c:v>
-                </c:pt>
-                <c:pt idx="83">
-                  <c:v>41639</c:v>
-                </c:pt>
-                <c:pt idx="84">
-                  <c:v>41670</c:v>
-                </c:pt>
-                <c:pt idx="85">
-                  <c:v>41698</c:v>
-                </c:pt>
-                <c:pt idx="86">
-                  <c:v>41729</c:v>
-                </c:pt>
-                <c:pt idx="87">
-                  <c:v>41759</c:v>
-                </c:pt>
-                <c:pt idx="88">
-                  <c:v>41790</c:v>
-                </c:pt>
-                <c:pt idx="89">
-                  <c:v>41820</c:v>
-                </c:pt>
-                <c:pt idx="90">
-                  <c:v>41851</c:v>
-                </c:pt>
-                <c:pt idx="91">
-                  <c:v>41882</c:v>
-                </c:pt>
-                <c:pt idx="92">
-                  <c:v>41912</c:v>
-                </c:pt>
-                <c:pt idx="93">
-                  <c:v>41943</c:v>
-                </c:pt>
-                <c:pt idx="94">
-                  <c:v>41973</c:v>
-                </c:pt>
-                <c:pt idx="95">
-                  <c:v>42004</c:v>
-                </c:pt>
-                <c:pt idx="96">
-                  <c:v>42035</c:v>
-                </c:pt>
-                <c:pt idx="97">
-                  <c:v>42063</c:v>
-                </c:pt>
-                <c:pt idx="98">
-                  <c:v>42094</c:v>
-                </c:pt>
-                <c:pt idx="99">
-                  <c:v>42124</c:v>
-                </c:pt>
-                <c:pt idx="100">
-                  <c:v>42155</c:v>
-                </c:pt>
-                <c:pt idx="101">
-                  <c:v>42185</c:v>
-                </c:pt>
-                <c:pt idx="102">
-                  <c:v>42216</c:v>
-                </c:pt>
-                <c:pt idx="103">
-                  <c:v>42247</c:v>
-                </c:pt>
-                <c:pt idx="104">
-                  <c:v>42277</c:v>
-                </c:pt>
-                <c:pt idx="105">
-                  <c:v>42308</c:v>
-                </c:pt>
-                <c:pt idx="106">
-                  <c:v>42338</c:v>
-                </c:pt>
-                <c:pt idx="107">
-                  <c:v>42369</c:v>
-                </c:pt>
-                <c:pt idx="108">
-                  <c:v>42400</c:v>
-                </c:pt>
-                <c:pt idx="109">
-                  <c:v>42429</c:v>
-                </c:pt>
-                <c:pt idx="110">
-                  <c:v>42460</c:v>
-                </c:pt>
-                <c:pt idx="111">
-                  <c:v>42490</c:v>
-                </c:pt>
-                <c:pt idx="112">
-                  <c:v>42521</c:v>
-                </c:pt>
-                <c:pt idx="113">
-                  <c:v>42551</c:v>
-                </c:pt>
-                <c:pt idx="114">
-                  <c:v>42582</c:v>
-                </c:pt>
-                <c:pt idx="115">
-                  <c:v>42613</c:v>
-                </c:pt>
-                <c:pt idx="116">
-                  <c:v>42643</c:v>
-                </c:pt>
-                <c:pt idx="117">
-                  <c:v>42674</c:v>
-                </c:pt>
-                <c:pt idx="118">
-                  <c:v>42704</c:v>
-                </c:pt>
-                <c:pt idx="119">
-                  <c:v>42735</c:v>
-                </c:pt>
-                <c:pt idx="120">
-                  <c:v>42766</c:v>
-                </c:pt>
-                <c:pt idx="121">
-                  <c:v>42794</c:v>
-                </c:pt>
-                <c:pt idx="122">
-                  <c:v>42825</c:v>
-                </c:pt>
-                <c:pt idx="123">
-                  <c:v>42855</c:v>
-                </c:pt>
-                <c:pt idx="124">
-                  <c:v>42886</c:v>
-                </c:pt>
-                <c:pt idx="125">
-                  <c:v>42916</c:v>
-                </c:pt>
-                <c:pt idx="126">
-                  <c:v>42947</c:v>
-                </c:pt>
-                <c:pt idx="127">
-                  <c:v>42978</c:v>
-                </c:pt>
-                <c:pt idx="128">
-                  <c:v>43008</c:v>
-                </c:pt>
-                <c:pt idx="129">
-                  <c:v>43039</c:v>
-                </c:pt>
-                <c:pt idx="130">
-                  <c:v>43069</c:v>
-                </c:pt>
-                <c:pt idx="131">
-                  <c:v>43100</c:v>
-                </c:pt>
-                <c:pt idx="132">
-                  <c:v>43131</c:v>
-                </c:pt>
-                <c:pt idx="133">
-                  <c:v>43159</c:v>
-                </c:pt>
-                <c:pt idx="134">
-                  <c:v>43190</c:v>
-                </c:pt>
-                <c:pt idx="135">
-                  <c:v>43220</c:v>
-                </c:pt>
-                <c:pt idx="136">
-                  <c:v>43251</c:v>
-                </c:pt>
-                <c:pt idx="137">
-                  <c:v>43281</c:v>
-                </c:pt>
-                <c:pt idx="138">
-                  <c:v>43312</c:v>
-                </c:pt>
-                <c:pt idx="139">
-                  <c:v>43343</c:v>
-                </c:pt>
-                <c:pt idx="140">
-                  <c:v>43373</c:v>
-                </c:pt>
-                <c:pt idx="141">
-                  <c:v>43404</c:v>
-                </c:pt>
-                <c:pt idx="142">
-                  <c:v>43434</c:v>
-                </c:pt>
-                <c:pt idx="143">
-                  <c:v>43465</c:v>
-                </c:pt>
-                <c:pt idx="144">
-                  <c:v>43496</c:v>
-                </c:pt>
-                <c:pt idx="145">
-                  <c:v>43524</c:v>
-                </c:pt>
-                <c:pt idx="146">
-                  <c:v>43555</c:v>
-                </c:pt>
-                <c:pt idx="147">
-                  <c:v>43585</c:v>
-                </c:pt>
-                <c:pt idx="148">
-                  <c:v>43616</c:v>
-                </c:pt>
-                <c:pt idx="149">
-                  <c:v>43646</c:v>
-                </c:pt>
-                <c:pt idx="150">
-                  <c:v>43677</c:v>
-                </c:pt>
-                <c:pt idx="151">
-                  <c:v>43708</c:v>
-                </c:pt>
-                <c:pt idx="152">
-                  <c:v>43738</c:v>
-                </c:pt>
-                <c:pt idx="153">
-                  <c:v>43769</c:v>
-                </c:pt>
-                <c:pt idx="154">
-                  <c:v>43799</c:v>
-                </c:pt>
-                <c:pt idx="155">
-                  <c:v>43830</c:v>
-                </c:pt>
-                <c:pt idx="156">
-                  <c:v>43861</c:v>
-                </c:pt>
-                <c:pt idx="157">
-                  <c:v>43890</c:v>
-                </c:pt>
-                <c:pt idx="158">
-                  <c:v>43921</c:v>
-                </c:pt>
-                <c:pt idx="159">
-                  <c:v>43951</c:v>
-                </c:pt>
-                <c:pt idx="160">
-                  <c:v>43982</c:v>
-                </c:pt>
-                <c:pt idx="161">
-                  <c:v>44012</c:v>
-                </c:pt>
-                <c:pt idx="162">
-                  <c:v>44043</c:v>
-                </c:pt>
-                <c:pt idx="163">
-                  <c:v>44074</c:v>
-                </c:pt>
-                <c:pt idx="164">
-                  <c:v>44104</c:v>
-                </c:pt>
-                <c:pt idx="165">
-                  <c:v>44135</c:v>
-                </c:pt>
-                <c:pt idx="166">
-                  <c:v>44165</c:v>
-                </c:pt>
-                <c:pt idx="167">
-                  <c:v>44196</c:v>
-                </c:pt>
-                <c:pt idx="168">
-                  <c:v>44227</c:v>
-                </c:pt>
-                <c:pt idx="169">
-                  <c:v>44255</c:v>
-                </c:pt>
-                <c:pt idx="170">
-                  <c:v>44286</c:v>
-                </c:pt>
-                <c:pt idx="171">
-                  <c:v>44316</c:v>
-                </c:pt>
-                <c:pt idx="172">
-                  <c:v>44347</c:v>
-                </c:pt>
-                <c:pt idx="173">
-                  <c:v>44377</c:v>
-                </c:pt>
-                <c:pt idx="174">
-                  <c:v>44408</c:v>
-                </c:pt>
-                <c:pt idx="175">
-                  <c:v>44439</c:v>
-                </c:pt>
-                <c:pt idx="176">
-                  <c:v>44469</c:v>
-                </c:pt>
-                <c:pt idx="177">
-                  <c:v>44500</c:v>
-                </c:pt>
-                <c:pt idx="178">
-                  <c:v>44530</c:v>
-                </c:pt>
-                <c:pt idx="179">
-                  <c:v>44561</c:v>
-                </c:pt>
-                <c:pt idx="180">
-                  <c:v>44592</c:v>
-                </c:pt>
-                <c:pt idx="181">
-                  <c:v>44620</c:v>
-                </c:pt>
-                <c:pt idx="182">
-                  <c:v>44651</c:v>
-                </c:pt>
-                <c:pt idx="183">
-                  <c:v>44681</c:v>
-                </c:pt>
-                <c:pt idx="184">
-                  <c:v>44712</c:v>
-                </c:pt>
-                <c:pt idx="185">
-                  <c:v>44742</c:v>
-                </c:pt>
-                <c:pt idx="186">
-                  <c:v>44773</c:v>
-                </c:pt>
-                <c:pt idx="187">
-                  <c:v>44804</c:v>
-                </c:pt>
-                <c:pt idx="188">
-                  <c:v>44834</c:v>
-                </c:pt>
-                <c:pt idx="189">
-                  <c:v>44865</c:v>
-                </c:pt>
-                <c:pt idx="190">
-                  <c:v>44895</c:v>
-                </c:pt>
-                <c:pt idx="191">
-                  <c:v>44926</c:v>
-                </c:pt>
-                <c:pt idx="192">
-                  <c:v>44957</c:v>
-                </c:pt>
-                <c:pt idx="193">
-                  <c:v>44985</c:v>
-                </c:pt>
-                <c:pt idx="194">
-                  <c:v>45016</c:v>
-                </c:pt>
-                <c:pt idx="195">
-                  <c:v>45046</c:v>
-                </c:pt>
-                <c:pt idx="196">
-                  <c:v>45077</c:v>
-                </c:pt>
-                <c:pt idx="197">
-                  <c:v>45107</c:v>
-                </c:pt>
-              </c:numCache>
-            </c:numRef>
-          </c:cat>
-          <c:val>
-            <c:numRef>
-              <c:f>[活頁簿2.xlsx]工作表3!$F$4:$F$201</c:f>
-              <c:numCache>
-                <c:formatCode>General</c:formatCode>
-                <c:ptCount val="198"/>
-                <c:pt idx="0">
-                  <c:v>4.5819999999999999</c:v>
-                </c:pt>
-                <c:pt idx="1">
-                  <c:v>4.5</c:v>
-                </c:pt>
-                <c:pt idx="2">
-                  <c:v>4.4690000000000003</c:v>
-                </c:pt>
-                <c:pt idx="3">
-                  <c:v>4.6139999999999999</c:v>
-                </c:pt>
-                <c:pt idx="4">
-                  <c:v>4.6059999999999999</c:v>
-                </c:pt>
-                <c:pt idx="5">
-                  <c:v>4.8780000000000001</c:v>
-                </c:pt>
-                <c:pt idx="6">
-                  <c:v>4.7309999999999999</c:v>
-                </c:pt>
-                <c:pt idx="7">
-                  <c:v>4.4870000000000001</c:v>
-                </c:pt>
-                <c:pt idx="8">
-                  <c:v>4.3029999999999999</c:v>
-                </c:pt>
-                <c:pt idx="9">
-                  <c:v>4.3140000000000001</c:v>
-                </c:pt>
-                <c:pt idx="10">
-                  <c:v>3.7949999999999999</c:v>
-                </c:pt>
-                <c:pt idx="11">
-                  <c:v>3.8330000000000002</c:v>
-                </c:pt>
-                <c:pt idx="12">
-                  <c:v>3.2850000000000001</c:v>
-                </c:pt>
-                <c:pt idx="13">
-                  <c:v>3.5110000000000001</c:v>
-                </c:pt>
-                <c:pt idx="14">
-                  <c:v>3.2909999999999999</c:v>
-                </c:pt>
-                <c:pt idx="15">
-                  <c:v>3.415</c:v>
-                </c:pt>
-                <c:pt idx="16">
-                  <c:v>3.6829999999999998</c:v>
-                </c:pt>
-                <c:pt idx="17">
-                  <c:v>3.8580000000000001</c:v>
-                </c:pt>
-                <c:pt idx="18">
-                  <c:v>3.7709999999999999</c:v>
-                </c:pt>
-                <c:pt idx="19">
-                  <c:v>3.7629999999999999</c:v>
-                </c:pt>
-                <c:pt idx="20">
-                  <c:v>3.2509999999999999</c:v>
-                </c:pt>
-                <c:pt idx="21">
-                  <c:v>3.4020000000000001</c:v>
-                </c:pt>
-                <c:pt idx="22">
-                  <c:v>2.9079999999999999</c:v>
-                </c:pt>
-                <c:pt idx="23">
-                  <c:v>2.04</c:v>
-                </c:pt>
-                <c:pt idx="24">
-                  <c:v>2.1480000000000001</c:v>
-                </c:pt>
-                <c:pt idx="25">
-                  <c:v>2.6190000000000002</c:v>
-                </c:pt>
-                <c:pt idx="26">
-                  <c:v>2.4620000000000002</c:v>
-                </c:pt>
-                <c:pt idx="27">
-                  <c:v>2.65</c:v>
-                </c:pt>
-                <c:pt idx="28">
-                  <c:v>3.0720000000000001</c:v>
-                </c:pt>
-                <c:pt idx="29">
-                  <c:v>3.4540000000000002</c:v>
-                </c:pt>
-                <c:pt idx="30">
-                  <c:v>3.2610000000000001</c:v>
-                </c:pt>
-                <c:pt idx="31">
-                  <c:v>3.3740000000000001</c:v>
-                </c:pt>
-                <c:pt idx="32">
-                  <c:v>3.2719999999999998</c:v>
-                </c:pt>
-                <c:pt idx="33">
-                  <c:v>3.1059999999999999</c:v>
-                </c:pt>
-                <c:pt idx="34">
-                  <c:v>3.1539999999999999</c:v>
-                </c:pt>
-                <c:pt idx="35">
-                  <c:v>3.1960000000000002</c:v>
-                </c:pt>
-                <c:pt idx="36">
-                  <c:v>3.5630000000000002</c:v>
-                </c:pt>
-                <c:pt idx="37">
-                  <c:v>3.5369999999999999</c:v>
-                </c:pt>
-                <c:pt idx="38">
-                  <c:v>3.593</c:v>
-                </c:pt>
-                <c:pt idx="39">
-                  <c:v>3.6549999999999998</c:v>
-                </c:pt>
-                <c:pt idx="40">
-                  <c:v>3.0640000000000001</c:v>
-                </c:pt>
-                <c:pt idx="41">
-                  <c:v>2.9279999999999999</c:v>
-                </c:pt>
-                <c:pt idx="42">
-                  <c:v>2.855</c:v>
-                </c:pt>
-                <c:pt idx="43">
-                  <c:v>2.419</c:v>
-                </c:pt>
-                <c:pt idx="44">
-                  <c:v>2.4489999999999998</c:v>
-                </c:pt>
-                <c:pt idx="45">
-                  <c:v>2.3340000000000001</c:v>
-                </c:pt>
-                <c:pt idx="46">
-                  <c:v>2.4580000000000002</c:v>
-                </c:pt>
-                <c:pt idx="47">
-                  <c:v>2.7970000000000002</c:v>
-                </c:pt>
-                <c:pt idx="48">
-                  <c:v>3.2530000000000001</c:v>
-                </c:pt>
-                <c:pt idx="49">
-                  <c:v>3.3719999999999999</c:v>
-                </c:pt>
-                <c:pt idx="50">
-                  <c:v>3.1429999999999998</c:v>
-                </c:pt>
-                <c:pt idx="51">
-                  <c:v>3.2829999999999999</c:v>
-                </c:pt>
-                <c:pt idx="52">
-                  <c:v>3.0409999999999999</c:v>
-                </c:pt>
-                <c:pt idx="53">
-                  <c:v>2.8420000000000001</c:v>
-                </c:pt>
-                <c:pt idx="54">
-                  <c:v>2.7730000000000001</c:v>
-                </c:pt>
-                <c:pt idx="55">
-                  <c:v>1.976</c:v>
-                </c:pt>
-                <c:pt idx="56">
-                  <c:v>1.6739999999999999</c:v>
-                </c:pt>
-                <c:pt idx="57">
-                  <c:v>1.7170000000000001</c:v>
-                </c:pt>
-                <c:pt idx="58">
-                  <c:v>1.8720000000000001</c:v>
-                </c:pt>
-                <c:pt idx="59">
-                  <c:v>1.798</c:v>
-                </c:pt>
-                <c:pt idx="60">
-                  <c:v>1.792</c:v>
-                </c:pt>
-                <c:pt idx="61">
-                  <c:v>1.7969999999999999</c:v>
-                </c:pt>
-                <c:pt idx="62">
-                  <c:v>1.931</c:v>
-                </c:pt>
-                <c:pt idx="63">
-                  <c:v>1.8839999999999999</c:v>
-                </c:pt>
-                <c:pt idx="64">
-                  <c:v>1.5329999999999999</c:v>
-                </c:pt>
-                <c:pt idx="65">
-                  <c:v>1.4419999999999999</c:v>
-                </c:pt>
-                <c:pt idx="66">
-                  <c:v>1.381</c:v>
-                </c:pt>
-                <c:pt idx="67">
-                  <c:v>1.446</c:v>
-                </c:pt>
-                <c:pt idx="68">
-                  <c:v>1.542</c:v>
-                </c:pt>
-                <c:pt idx="69">
-                  <c:v>1.599</c:v>
-                </c:pt>
-                <c:pt idx="70">
-                  <c:v>1.556</c:v>
-                </c:pt>
-                <c:pt idx="71">
-                  <c:v>1.5640000000000001</c:v>
-                </c:pt>
-                <c:pt idx="72">
-                  <c:v>1.7569999999999999</c:v>
-                </c:pt>
-                <c:pt idx="73">
-                  <c:v>1.8360000000000001</c:v>
-                </c:pt>
-                <c:pt idx="74">
-                  <c:v>1.827</c:v>
-                </c:pt>
-                <c:pt idx="75">
-                  <c:v>1.6379999999999999</c:v>
-                </c:pt>
-                <c:pt idx="76">
-                  <c:v>1.6140000000000001</c:v>
-                </c:pt>
-                <c:pt idx="77">
-                  <c:v>1.9990000000000001</c:v>
-                </c:pt>
-                <c:pt idx="78">
-                  <c:v>2.415</c:v>
-                </c:pt>
-                <c:pt idx="79">
-                  <c:v>2.552</c:v>
-                </c:pt>
-                <c:pt idx="80">
-                  <c:v>2.59</c:v>
-                </c:pt>
-                <c:pt idx="81">
-                  <c:v>2.4710000000000001</c:v>
-                </c:pt>
-                <c:pt idx="82">
-                  <c:v>2.5539999999999998</c:v>
-                </c:pt>
-                <c:pt idx="83">
-                  <c:v>2.7519999999999998</c:v>
-                </c:pt>
-                <c:pt idx="84">
-                  <c:v>2.6459999999999999</c:v>
-                </c:pt>
-                <c:pt idx="85">
-                  <c:v>2.57</c:v>
-                </c:pt>
-                <c:pt idx="86">
-                  <c:v>2.5920000000000001</c:v>
-                </c:pt>
-                <c:pt idx="87">
-                  <c:v>2.5960000000000001</c:v>
-                </c:pt>
-                <c:pt idx="88">
-                  <c:v>2.4020000000000001</c:v>
-                </c:pt>
-                <c:pt idx="89">
-                  <c:v>2.4750000000000001</c:v>
-                </c:pt>
-                <c:pt idx="90">
-                  <c:v>2.4409999999999998</c:v>
-                </c:pt>
-                <c:pt idx="91">
-                  <c:v>2.3029999999999999</c:v>
-                </c:pt>
-                <c:pt idx="92">
-                  <c:v>2.3540000000000001</c:v>
-                </c:pt>
-                <c:pt idx="93">
-                  <c:v>1.865</c:v>
-                </c:pt>
-                <c:pt idx="94">
-                  <c:v>2.1659999999999999</c:v>
-                </c:pt>
-                <c:pt idx="95">
-                  <c:v>2.0089999999999999</c:v>
-                </c:pt>
-                <c:pt idx="96">
-                  <c:v>1.637</c:v>
-                </c:pt>
-                <c:pt idx="97">
-                  <c:v>1.649</c:v>
-                </c:pt>
-                <c:pt idx="98">
-                  <c:v>1.8520000000000001</c:v>
-                </c:pt>
-                <c:pt idx="99">
-                  <c:v>1.802</c:v>
-                </c:pt>
-                <c:pt idx="100">
-                  <c:v>2.0459999999999998</c:v>
-                </c:pt>
-                <c:pt idx="101">
-                  <c:v>2.1059999999999999</c:v>
-                </c:pt>
-                <c:pt idx="102">
-                  <c:v>2.1760000000000002</c:v>
-                </c:pt>
-                <c:pt idx="103">
-                  <c:v>1.905</c:v>
-                </c:pt>
-                <c:pt idx="104">
-                  <c:v>2.0350000000000001</c:v>
-                </c:pt>
-                <c:pt idx="105">
-                  <c:v>1.9039999999999999</c:v>
-                </c:pt>
-                <c:pt idx="106">
-                  <c:v>2.13</c:v>
-                </c:pt>
-                <c:pt idx="107">
-                  <c:v>2.12</c:v>
-                </c:pt>
-                <c:pt idx="108">
-                  <c:v>1.911</c:v>
-                </c:pt>
-                <c:pt idx="109">
-                  <c:v>1.53</c:v>
-                </c:pt>
-                <c:pt idx="110">
-                  <c:v>1.702</c:v>
-                </c:pt>
-                <c:pt idx="111">
-                  <c:v>1.6850000000000001</c:v>
-                </c:pt>
-                <c:pt idx="112">
-                  <c:v>1.7</c:v>
-                </c:pt>
-                <c:pt idx="113">
-                  <c:v>1.4059999999999999</c:v>
-                </c:pt>
-                <c:pt idx="114">
-                  <c:v>1.321</c:v>
-                </c:pt>
-                <c:pt idx="115">
-                  <c:v>1.4630000000000001</c:v>
-                </c:pt>
-                <c:pt idx="116">
-                  <c:v>1.5189999999999999</c:v>
-                </c:pt>
-                <c:pt idx="117">
-                  <c:v>1.593</c:v>
-                </c:pt>
-                <c:pt idx="118">
-                  <c:v>1.716</c:v>
-                </c:pt>
-                <c:pt idx="119">
-                  <c:v>2.34</c:v>
-                </c:pt>
-                <c:pt idx="120">
-                  <c:v>2.3050000000000002</c:v>
-                </c:pt>
-                <c:pt idx="121">
-                  <c:v>2.31</c:v>
-                </c:pt>
-                <c:pt idx="122">
-                  <c:v>2.3479999999999999</c:v>
-                </c:pt>
-                <c:pt idx="123">
-                  <c:v>2.165</c:v>
-                </c:pt>
-                <c:pt idx="124">
-                  <c:v>2.181</c:v>
-                </c:pt>
-                <c:pt idx="125">
-                  <c:v>2.1030000000000002</c:v>
-                </c:pt>
-                <c:pt idx="126">
-                  <c:v>2.2250000000000001</c:v>
-                </c:pt>
-                <c:pt idx="127">
-                  <c:v>2.0859999999999999</c:v>
-                </c:pt>
-                <c:pt idx="128">
-                  <c:v>2.016</c:v>
-                </c:pt>
-                <c:pt idx="129">
-                  <c:v>2.2730000000000001</c:v>
-                </c:pt>
-                <c:pt idx="130">
-                  <c:v>2.3039999999999998</c:v>
-                </c:pt>
-                <c:pt idx="131">
-                  <c:v>2.3140000000000001</c:v>
-                </c:pt>
-                <c:pt idx="132">
-                  <c:v>2.4159999999999999</c:v>
-                </c:pt>
-                <c:pt idx="133">
-                  <c:v>2.6480000000000001</c:v>
-                </c:pt>
-                <c:pt idx="134">
-                  <c:v>2.7389999999999999</c:v>
-                </c:pt>
-                <c:pt idx="135">
-                  <c:v>2.7170000000000001</c:v>
-                </c:pt>
-                <c:pt idx="136">
-                  <c:v>2.7589999999999999</c:v>
-                </c:pt>
-                <c:pt idx="137">
-                  <c:v>2.8220000000000001</c:v>
-                </c:pt>
-                <c:pt idx="138">
-                  <c:v>2.8069999999999999</c:v>
-                </c:pt>
-                <c:pt idx="139">
-                  <c:v>2.8079999999999998</c:v>
-                </c:pt>
-                <c:pt idx="140">
-                  <c:v>2.855</c:v>
-                </c:pt>
-                <c:pt idx="141">
-                  <c:v>3.0459999999999998</c:v>
-                </c:pt>
-                <c:pt idx="142">
-                  <c:v>2.988</c:v>
-                </c:pt>
-                <c:pt idx="143">
-                  <c:v>2.6789999999999998</c:v>
-                </c:pt>
-                <c:pt idx="144">
-                  <c:v>2.5430000000000001</c:v>
-                </c:pt>
-                <c:pt idx="145">
-                  <c:v>2.6240000000000001</c:v>
-                </c:pt>
-                <c:pt idx="146">
-                  <c:v>2.34</c:v>
-                </c:pt>
-                <c:pt idx="147">
-                  <c:v>2.4239999999999999</c:v>
-                </c:pt>
-                <c:pt idx="148">
-                  <c:v>2.1259999999999999</c:v>
-                </c:pt>
-                <c:pt idx="149">
-                  <c:v>1.974</c:v>
-                </c:pt>
-                <c:pt idx="150">
-                  <c:v>1.9390000000000001</c:v>
-                </c:pt>
-                <c:pt idx="151">
-                  <c:v>1.4430000000000001</c:v>
-                </c:pt>
-                <c:pt idx="152">
-                  <c:v>1.429</c:v>
-                </c:pt>
-                <c:pt idx="153">
-                  <c:v>1.5049999999999999</c:v>
-                </c:pt>
-                <c:pt idx="154">
-                  <c:v>1.67</c:v>
-                </c:pt>
-                <c:pt idx="155">
-                  <c:v>1.6930000000000001</c:v>
-                </c:pt>
-                <c:pt idx="156">
-                  <c:v>1.5029999999999999</c:v>
-                </c:pt>
-                <c:pt idx="157">
-                  <c:v>1.1160000000000001</c:v>
-                </c:pt>
-                <c:pt idx="158">
-                  <c:v>0.318</c:v>
-                </c:pt>
-                <c:pt idx="159">
-                  <c:v>0.54300000000000004</c:v>
-                </c:pt>
-                <c:pt idx="160">
-                  <c:v>0.59</c:v>
-                </c:pt>
-                <c:pt idx="161">
-                  <c:v>0.61799999999999999</c:v>
-                </c:pt>
-                <c:pt idx="162">
-                  <c:v>0.52</c:v>
-                </c:pt>
-                <c:pt idx="163">
-                  <c:v>0.504</c:v>
-                </c:pt>
-                <c:pt idx="164">
-                  <c:v>0.60399999999999998</c:v>
-                </c:pt>
-                <c:pt idx="165">
-                  <c:v>0.65300000000000002</c:v>
-                </c:pt>
-                <c:pt idx="166">
-                  <c:v>0.71799999999999997</c:v>
-                </c:pt>
-                <c:pt idx="167">
-                  <c:v>0.83399999999999996</c:v>
-                </c:pt>
-                <c:pt idx="168">
-                  <c:v>0.90600000000000003</c:v>
-                </c:pt>
-                <c:pt idx="169">
-                  <c:v>1.06</c:v>
-                </c:pt>
-                <c:pt idx="170">
-                  <c:v>1.383</c:v>
-                </c:pt>
-                <c:pt idx="171">
-                  <c:v>1.528</c:v>
-                </c:pt>
-                <c:pt idx="172">
-                  <c:v>1.4690000000000001</c:v>
-                </c:pt>
-                <c:pt idx="173">
-                  <c:v>1.3540000000000001</c:v>
-                </c:pt>
-                <c:pt idx="174">
-                  <c:v>1.1279999999999999</c:v>
-                </c:pt>
-                <c:pt idx="175">
-                  <c:v>1.127</c:v>
-                </c:pt>
-                <c:pt idx="176">
-                  <c:v>1.26</c:v>
-                </c:pt>
-                <c:pt idx="177">
-                  <c:v>1.4530000000000001</c:v>
-                </c:pt>
-                <c:pt idx="178">
-                  <c:v>1.4119999999999999</c:v>
-                </c:pt>
-                <c:pt idx="179">
-                  <c:v>1.335</c:v>
-                </c:pt>
-                <c:pt idx="180">
-                  <c:v>1.5289999999999999</c:v>
-                </c:pt>
-                <c:pt idx="181">
-                  <c:v>1.7390000000000001</c:v>
-                </c:pt>
-                <c:pt idx="182">
-                  <c:v>1.6679999999999999</c:v>
-                </c:pt>
-                <c:pt idx="183">
-                  <c:v>2.3519999999999999</c:v>
-                </c:pt>
-                <c:pt idx="184">
-                  <c:v>2.706</c:v>
-                </c:pt>
-                <c:pt idx="185">
-                  <c:v>2.8330000000000002</c:v>
-                </c:pt>
-                <c:pt idx="186">
-                  <c:v>2.6179999999999999</c:v>
-                </c:pt>
-                <c:pt idx="187">
-                  <c:v>2.516</c:v>
-                </c:pt>
-                <c:pt idx="188">
-                  <c:v>3.1739999999999999</c:v>
-                </c:pt>
-                <c:pt idx="189">
-                  <c:v>3.5619999999999998</c:v>
-                </c:pt>
-                <c:pt idx="190">
-                  <c:v>3.6</c:v>
-                </c:pt>
-                <c:pt idx="191">
-                  <c:v>3.4020000000000001</c:v>
-                </c:pt>
-                <c:pt idx="192">
-                  <c:v>3.3210000000000002</c:v>
-                </c:pt>
-                <c:pt idx="193">
-                  <c:v>3.3330000000000002</c:v>
-                </c:pt>
-                <c:pt idx="194">
-                  <c:v>3.2850000000000001</c:v>
-                </c:pt>
-                <c:pt idx="195">
-                  <c:v>3.2530000000000001</c:v>
-                </c:pt>
-                <c:pt idx="196">
-                  <c:v>3.2959999999999998</c:v>
-                </c:pt>
-                <c:pt idx="197">
-                  <c:v>3.57</c:v>
-                </c:pt>
-              </c:numCache>
-            </c:numRef>
-          </c:val>
-          <c:smooth val="0"/>
-          <c:extLst xmlns:c16r2="http://schemas.microsoft.com/office/drawing/2015/06/chart">
-            <c:ext xmlns:c16="http://schemas.microsoft.com/office/drawing/2014/chart" uri="{C3380CC4-5D6E-409C-BE32-E72D297353CC}">
-              <c16:uniqueId val="{00000002-403F-471A-8C37-29B52B77453F}"/>
-            </c:ext>
-          </c:extLst>
-        </c:ser>
-        <c:ser>
-          <c:idx val="3"/>
-          <c:order val="3"/>
-          <c:tx>
-            <c:strRef>
-              <c:f>[活頁簿2.xlsx]工作表3!$G$2:$G$3</c:f>
-              <c:strCache>
-                <c:ptCount val="1"/>
-                <c:pt idx="0">
-                  <c:v>美國10Y利率 收盤價</c:v>
-                </c:pt>
-              </c:strCache>
-            </c:strRef>
-          </c:tx>
-          <c:spPr>
-            <a:ln w="28575" cap="rnd">
-              <a:noFill/>
-              <a:round/>
-            </a:ln>
-            <a:effectLst/>
-          </c:spPr>
-          <c:marker>
-            <c:symbol val="none"/>
-          </c:marker>
-          <c:cat>
-            <c:numRef>
-              <c:f>[活頁簿2.xlsx]工作表3!$C$4:$C$201</c:f>
-              <c:numCache>
-                <c:formatCode>yyyy/m/d</c:formatCode>
-                <c:ptCount val="198"/>
-                <c:pt idx="0">
-                  <c:v>39113</c:v>
-                </c:pt>
-                <c:pt idx="1">
-                  <c:v>39141</c:v>
-                </c:pt>
-                <c:pt idx="2">
-                  <c:v>39172</c:v>
-                </c:pt>
-                <c:pt idx="3">
-                  <c:v>39202</c:v>
-                </c:pt>
-                <c:pt idx="4">
-                  <c:v>39233</c:v>
-                </c:pt>
-                <c:pt idx="5">
-                  <c:v>39263</c:v>
-                </c:pt>
-                <c:pt idx="6">
-                  <c:v>39294</c:v>
-                </c:pt>
-                <c:pt idx="7">
-                  <c:v>39325</c:v>
-                </c:pt>
-                <c:pt idx="8">
-                  <c:v>39355</c:v>
-                </c:pt>
-                <c:pt idx="9">
-                  <c:v>39386</c:v>
-                </c:pt>
-                <c:pt idx="10">
-                  <c:v>39416</c:v>
-                </c:pt>
-                <c:pt idx="11">
-                  <c:v>39447</c:v>
-                </c:pt>
-                <c:pt idx="12">
-                  <c:v>39478</c:v>
-                </c:pt>
-                <c:pt idx="13">
-                  <c:v>39507</c:v>
-                </c:pt>
-                <c:pt idx="14">
-                  <c:v>39538</c:v>
-                </c:pt>
-                <c:pt idx="15">
-                  <c:v>39568</c:v>
-                </c:pt>
-                <c:pt idx="16">
-                  <c:v>39599</c:v>
-                </c:pt>
-                <c:pt idx="17">
-                  <c:v>39629</c:v>
-                </c:pt>
-                <c:pt idx="18">
-                  <c:v>39660</c:v>
-                </c:pt>
-                <c:pt idx="19">
-                  <c:v>39691</c:v>
-                </c:pt>
-                <c:pt idx="20">
-                  <c:v>39721</c:v>
-                </c:pt>
-                <c:pt idx="21">
-                  <c:v>39752</c:v>
-                </c:pt>
-                <c:pt idx="22">
-                  <c:v>39782</c:v>
-                </c:pt>
-                <c:pt idx="23">
-                  <c:v>39813</c:v>
-                </c:pt>
-                <c:pt idx="24">
-                  <c:v>39844</c:v>
-                </c:pt>
-                <c:pt idx="25">
-                  <c:v>39872</c:v>
-                </c:pt>
-                <c:pt idx="26">
-                  <c:v>39903</c:v>
-                </c:pt>
-                <c:pt idx="27">
-                  <c:v>39933</c:v>
-                </c:pt>
-                <c:pt idx="28">
-                  <c:v>39964</c:v>
-                </c:pt>
-                <c:pt idx="29">
-                  <c:v>39994</c:v>
-                </c:pt>
-                <c:pt idx="30">
-                  <c:v>40025</c:v>
-                </c:pt>
-                <c:pt idx="31">
-                  <c:v>40056</c:v>
-                </c:pt>
-                <c:pt idx="32">
-                  <c:v>40086</c:v>
-                </c:pt>
-                <c:pt idx="33">
-                  <c:v>40117</c:v>
-                </c:pt>
-                <c:pt idx="34">
-                  <c:v>40147</c:v>
-                </c:pt>
-                <c:pt idx="35">
-                  <c:v>40178</c:v>
-                </c:pt>
-                <c:pt idx="36">
-                  <c:v>40209</c:v>
-                </c:pt>
-                <c:pt idx="37">
-                  <c:v>40237</c:v>
-                </c:pt>
-                <c:pt idx="38">
-                  <c:v>40268</c:v>
-                </c:pt>
-                <c:pt idx="39">
-                  <c:v>40298</c:v>
-                </c:pt>
-                <c:pt idx="40">
-                  <c:v>40329</c:v>
-                </c:pt>
-                <c:pt idx="41">
-                  <c:v>40359</c:v>
-                </c:pt>
-                <c:pt idx="42">
-                  <c:v>40390</c:v>
-                </c:pt>
-                <c:pt idx="43">
-                  <c:v>40421</c:v>
-                </c:pt>
-                <c:pt idx="44">
-                  <c:v>40451</c:v>
-                </c:pt>
-                <c:pt idx="45">
-                  <c:v>40482</c:v>
-                </c:pt>
-                <c:pt idx="46">
-                  <c:v>40512</c:v>
-                </c:pt>
-                <c:pt idx="47">
-                  <c:v>40543</c:v>
-                </c:pt>
-                <c:pt idx="48">
-                  <c:v>40574</c:v>
-                </c:pt>
-                <c:pt idx="49">
-                  <c:v>40602</c:v>
-                </c:pt>
-                <c:pt idx="50">
-                  <c:v>40633</c:v>
-                </c:pt>
-                <c:pt idx="51">
-                  <c:v>40663</c:v>
-                </c:pt>
-                <c:pt idx="52">
-                  <c:v>40694</c:v>
-                </c:pt>
-                <c:pt idx="53">
-                  <c:v>40724</c:v>
-                </c:pt>
-                <c:pt idx="54">
-                  <c:v>40755</c:v>
-                </c:pt>
-                <c:pt idx="55">
-                  <c:v>40786</c:v>
-                </c:pt>
-                <c:pt idx="56">
-                  <c:v>40816</c:v>
-                </c:pt>
-                <c:pt idx="57">
-                  <c:v>40847</c:v>
-                </c:pt>
-                <c:pt idx="58">
-                  <c:v>40877</c:v>
-                </c:pt>
-                <c:pt idx="59">
-                  <c:v>40908</c:v>
-                </c:pt>
-                <c:pt idx="60">
-                  <c:v>40939</c:v>
-                </c:pt>
-                <c:pt idx="61">
-                  <c:v>40968</c:v>
-                </c:pt>
-                <c:pt idx="62">
-                  <c:v>40999</c:v>
-                </c:pt>
-                <c:pt idx="63">
-                  <c:v>41029</c:v>
-                </c:pt>
-                <c:pt idx="64">
-                  <c:v>41060</c:v>
-                </c:pt>
-                <c:pt idx="65">
-                  <c:v>41090</c:v>
-                </c:pt>
-                <c:pt idx="66">
-                  <c:v>41121</c:v>
-                </c:pt>
-                <c:pt idx="67">
-                  <c:v>41152</c:v>
-                </c:pt>
-                <c:pt idx="68">
-                  <c:v>41182</c:v>
-                </c:pt>
-                <c:pt idx="69">
-                  <c:v>41213</c:v>
-                </c:pt>
-                <c:pt idx="70">
-                  <c:v>41243</c:v>
-                </c:pt>
-                <c:pt idx="71">
-                  <c:v>41274</c:v>
-                </c:pt>
-                <c:pt idx="72">
-                  <c:v>41305</c:v>
-                </c:pt>
-                <c:pt idx="73">
-                  <c:v>41333</c:v>
-                </c:pt>
-                <c:pt idx="74">
-                  <c:v>41364</c:v>
-                </c:pt>
-                <c:pt idx="75">
-                  <c:v>41394</c:v>
-                </c:pt>
-                <c:pt idx="76">
-                  <c:v>41425</c:v>
-                </c:pt>
-                <c:pt idx="77">
-                  <c:v>41455</c:v>
-                </c:pt>
-                <c:pt idx="78">
-                  <c:v>41486</c:v>
-                </c:pt>
-                <c:pt idx="79">
-                  <c:v>41517</c:v>
-                </c:pt>
-                <c:pt idx="80">
-                  <c:v>41547</c:v>
-                </c:pt>
-                <c:pt idx="81">
-                  <c:v>41578</c:v>
-                </c:pt>
-                <c:pt idx="82">
-                  <c:v>41608</c:v>
-                </c:pt>
-                <c:pt idx="83">
-                  <c:v>41639</c:v>
-                </c:pt>
-                <c:pt idx="84">
-                  <c:v>41670</c:v>
-                </c:pt>
-                <c:pt idx="85">
-                  <c:v>41698</c:v>
-                </c:pt>
-                <c:pt idx="86">
-                  <c:v>41729</c:v>
-                </c:pt>
-                <c:pt idx="87">
-                  <c:v>41759</c:v>
-                </c:pt>
-                <c:pt idx="88">
-                  <c:v>41790</c:v>
-                </c:pt>
-                <c:pt idx="89">
-                  <c:v>41820</c:v>
-                </c:pt>
-                <c:pt idx="90">
-                  <c:v>41851</c:v>
-                </c:pt>
-                <c:pt idx="91">
-                  <c:v>41882</c:v>
-                </c:pt>
-                <c:pt idx="92">
-                  <c:v>41912</c:v>
-                </c:pt>
-                <c:pt idx="93">
-                  <c:v>41943</c:v>
-                </c:pt>
-                <c:pt idx="94">
-                  <c:v>41973</c:v>
-                </c:pt>
-                <c:pt idx="95">
-                  <c:v>42004</c:v>
-                </c:pt>
-                <c:pt idx="96">
-                  <c:v>42035</c:v>
-                </c:pt>
-                <c:pt idx="97">
-                  <c:v>42063</c:v>
-                </c:pt>
-                <c:pt idx="98">
-                  <c:v>42094</c:v>
-                </c:pt>
-                <c:pt idx="99">
-                  <c:v>42124</c:v>
-                </c:pt>
-                <c:pt idx="100">
-                  <c:v>42155</c:v>
-                </c:pt>
-                <c:pt idx="101">
-                  <c:v>42185</c:v>
-                </c:pt>
-                <c:pt idx="102">
-                  <c:v>42216</c:v>
-                </c:pt>
-                <c:pt idx="103">
-                  <c:v>42247</c:v>
-                </c:pt>
-                <c:pt idx="104">
-                  <c:v>42277</c:v>
-                </c:pt>
-                <c:pt idx="105">
-                  <c:v>42308</c:v>
-                </c:pt>
-                <c:pt idx="106">
-                  <c:v>42338</c:v>
-                </c:pt>
-                <c:pt idx="107">
-                  <c:v>42369</c:v>
-                </c:pt>
-                <c:pt idx="108">
-                  <c:v>42400</c:v>
-                </c:pt>
-                <c:pt idx="109">
-                  <c:v>42429</c:v>
-                </c:pt>
-                <c:pt idx="110">
-                  <c:v>42460</c:v>
-                </c:pt>
-                <c:pt idx="111">
-                  <c:v>42490</c:v>
-                </c:pt>
-                <c:pt idx="112">
-                  <c:v>42521</c:v>
-                </c:pt>
-                <c:pt idx="113">
-                  <c:v>42551</c:v>
-                </c:pt>
-                <c:pt idx="114">
-                  <c:v>42582</c:v>
-                </c:pt>
-                <c:pt idx="115">
-                  <c:v>42613</c:v>
-                </c:pt>
-                <c:pt idx="116">
-                  <c:v>42643</c:v>
-                </c:pt>
-                <c:pt idx="117">
-                  <c:v>42674</c:v>
-                </c:pt>
-                <c:pt idx="118">
-                  <c:v>42704</c:v>
-                </c:pt>
-                <c:pt idx="119">
-                  <c:v>42735</c:v>
-                </c:pt>
-                <c:pt idx="120">
-                  <c:v>42766</c:v>
-                </c:pt>
-                <c:pt idx="121">
-                  <c:v>42794</c:v>
-                </c:pt>
-                <c:pt idx="122">
-                  <c:v>42825</c:v>
-                </c:pt>
-                <c:pt idx="123">
-                  <c:v>42855</c:v>
-                </c:pt>
-                <c:pt idx="124">
-                  <c:v>42886</c:v>
-                </c:pt>
-                <c:pt idx="125">
-                  <c:v>42916</c:v>
-                </c:pt>
-                <c:pt idx="126">
-                  <c:v>42947</c:v>
-                </c:pt>
-                <c:pt idx="127">
-                  <c:v>42978</c:v>
-                </c:pt>
-                <c:pt idx="128">
-                  <c:v>43008</c:v>
-                </c:pt>
-                <c:pt idx="129">
-                  <c:v>43039</c:v>
-                </c:pt>
-                <c:pt idx="130">
-                  <c:v>43069</c:v>
-                </c:pt>
-                <c:pt idx="131">
-                  <c:v>43100</c:v>
-                </c:pt>
-                <c:pt idx="132">
-                  <c:v>43131</c:v>
-                </c:pt>
-                <c:pt idx="133">
-                  <c:v>43159</c:v>
-                </c:pt>
-                <c:pt idx="134">
-                  <c:v>43190</c:v>
-                </c:pt>
-                <c:pt idx="135">
-                  <c:v>43220</c:v>
-                </c:pt>
-                <c:pt idx="136">
-                  <c:v>43251</c:v>
-                </c:pt>
-                <c:pt idx="137">
-                  <c:v>43281</c:v>
-                </c:pt>
-                <c:pt idx="138">
-                  <c:v>43312</c:v>
-                </c:pt>
-                <c:pt idx="139">
-                  <c:v>43343</c:v>
-                </c:pt>
-                <c:pt idx="140">
-                  <c:v>43373</c:v>
-                </c:pt>
-                <c:pt idx="141">
-                  <c:v>43404</c:v>
-                </c:pt>
-                <c:pt idx="142">
-                  <c:v>43434</c:v>
-                </c:pt>
-                <c:pt idx="143">
-                  <c:v>43465</c:v>
-                </c:pt>
-                <c:pt idx="144">
-                  <c:v>43496</c:v>
-                </c:pt>
-                <c:pt idx="145">
-                  <c:v>43524</c:v>
-                </c:pt>
-                <c:pt idx="146">
-                  <c:v>43555</c:v>
-                </c:pt>
-                <c:pt idx="147">
-                  <c:v>43585</c:v>
-                </c:pt>
-                <c:pt idx="148">
-                  <c:v>43616</c:v>
-                </c:pt>
-                <c:pt idx="149">
-                  <c:v>43646</c:v>
-                </c:pt>
-                <c:pt idx="150">
-                  <c:v>43677</c:v>
-                </c:pt>
-                <c:pt idx="151">
-                  <c:v>43708</c:v>
-                </c:pt>
-                <c:pt idx="152">
-                  <c:v>43738</c:v>
-                </c:pt>
-                <c:pt idx="153">
-                  <c:v>43769</c:v>
-                </c:pt>
-                <c:pt idx="154">
-                  <c:v>43799</c:v>
-                </c:pt>
-                <c:pt idx="155">
-                  <c:v>43830</c:v>
-                </c:pt>
-                <c:pt idx="156">
-                  <c:v>43861</c:v>
-                </c:pt>
-                <c:pt idx="157">
-                  <c:v>43890</c:v>
-                </c:pt>
-                <c:pt idx="158">
-                  <c:v>43921</c:v>
-                </c:pt>
-                <c:pt idx="159">
-                  <c:v>43951</c:v>
-                </c:pt>
-                <c:pt idx="160">
-                  <c:v>43982</c:v>
-                </c:pt>
-                <c:pt idx="161">
-                  <c:v>44012</c:v>
-                </c:pt>
-                <c:pt idx="162">
-                  <c:v>44043</c:v>
-                </c:pt>
-                <c:pt idx="163">
-                  <c:v>44074</c:v>
-                </c:pt>
-                <c:pt idx="164">
-                  <c:v>44104</c:v>
-                </c:pt>
-                <c:pt idx="165">
-                  <c:v>44135</c:v>
-                </c:pt>
-                <c:pt idx="166">
-                  <c:v>44165</c:v>
-                </c:pt>
-                <c:pt idx="167">
-                  <c:v>44196</c:v>
-                </c:pt>
-                <c:pt idx="168">
-                  <c:v>44227</c:v>
-                </c:pt>
-                <c:pt idx="169">
-                  <c:v>44255</c:v>
-                </c:pt>
-                <c:pt idx="170">
-                  <c:v>44286</c:v>
-                </c:pt>
-                <c:pt idx="171">
-                  <c:v>44316</c:v>
-                </c:pt>
-                <c:pt idx="172">
-                  <c:v>44347</c:v>
-                </c:pt>
-                <c:pt idx="173">
-                  <c:v>44377</c:v>
-                </c:pt>
-                <c:pt idx="174">
-                  <c:v>44408</c:v>
-                </c:pt>
-                <c:pt idx="175">
-                  <c:v>44439</c:v>
-                </c:pt>
-                <c:pt idx="176">
-                  <c:v>44469</c:v>
-                </c:pt>
-                <c:pt idx="177">
-                  <c:v>44500</c:v>
-                </c:pt>
-                <c:pt idx="178">
-                  <c:v>44530</c:v>
-                </c:pt>
-                <c:pt idx="179">
-                  <c:v>44561</c:v>
-                </c:pt>
-                <c:pt idx="180">
-                  <c:v>44592</c:v>
-                </c:pt>
-                <c:pt idx="181">
-                  <c:v>44620</c:v>
-                </c:pt>
-                <c:pt idx="182">
-                  <c:v>44651</c:v>
-                </c:pt>
-                <c:pt idx="183">
-                  <c:v>44681</c:v>
-                </c:pt>
-                <c:pt idx="184">
-                  <c:v>44712</c:v>
-                </c:pt>
-                <c:pt idx="185">
-                  <c:v>44742</c:v>
-                </c:pt>
-                <c:pt idx="186">
-                  <c:v>44773</c:v>
-                </c:pt>
-                <c:pt idx="187">
-                  <c:v>44804</c:v>
-                </c:pt>
-                <c:pt idx="188">
-                  <c:v>44834</c:v>
-                </c:pt>
-                <c:pt idx="189">
-                  <c:v>44865</c:v>
-                </c:pt>
-                <c:pt idx="190">
-                  <c:v>44895</c:v>
-                </c:pt>
-                <c:pt idx="191">
-                  <c:v>44926</c:v>
-                </c:pt>
-                <c:pt idx="192">
-                  <c:v>44957</c:v>
-                </c:pt>
-                <c:pt idx="193">
-                  <c:v>44985</c:v>
-                </c:pt>
-                <c:pt idx="194">
-                  <c:v>45016</c:v>
-                </c:pt>
-                <c:pt idx="195">
-                  <c:v>45046</c:v>
-                </c:pt>
-                <c:pt idx="196">
-                  <c:v>45077</c:v>
-                </c:pt>
-                <c:pt idx="197">
-                  <c:v>45107</c:v>
-                </c:pt>
-              </c:numCache>
-            </c:numRef>
-          </c:cat>
-          <c:val>
-            <c:numRef>
-              <c:f>[活頁簿2.xlsx]工作表3!$G$4:$G$201</c:f>
-              <c:numCache>
-                <c:formatCode>General</c:formatCode>
-                <c:ptCount val="198"/>
-                <c:pt idx="0">
-                  <c:v>4.8140999999999998</c:v>
-                </c:pt>
-                <c:pt idx="1">
-                  <c:v>4.5774999999999997</c:v>
-                </c:pt>
-                <c:pt idx="2">
-                  <c:v>4.6482999999999999</c:v>
-                </c:pt>
-                <c:pt idx="3">
-                  <c:v>4.6281999999999996</c:v>
-                </c:pt>
-                <c:pt idx="4">
-                  <c:v>4.8920000000000003</c:v>
-                </c:pt>
-                <c:pt idx="5">
-                  <c:v>5.0265000000000004</c:v>
-                </c:pt>
-                <c:pt idx="6">
-                  <c:v>4.7327000000000004</c:v>
-                </c:pt>
-                <c:pt idx="7">
-                  <c:v>4.5271999999999997</c:v>
-                </c:pt>
-                <c:pt idx="8">
-                  <c:v>4.5944000000000003</c:v>
-                </c:pt>
-                <c:pt idx="9">
-                  <c:v>4.4728000000000003</c:v>
-                </c:pt>
-                <c:pt idx="10">
-                  <c:v>3.9491999999999998</c:v>
-                </c:pt>
-                <c:pt idx="11">
-                  <c:v>4.0347</c:v>
-                </c:pt>
-                <c:pt idx="12">
-                  <c:v>3.5968</c:v>
-                </c:pt>
-                <c:pt idx="13">
-                  <c:v>3.5186000000000002</c:v>
-                </c:pt>
-                <c:pt idx="14">
-                  <c:v>3.4449999999999998</c:v>
-                </c:pt>
-                <c:pt idx="15">
-                  <c:v>3.7336999999999998</c:v>
-                </c:pt>
-                <c:pt idx="16">
-                  <c:v>4.0673000000000004</c:v>
-                </c:pt>
-                <c:pt idx="17">
-                  <c:v>3.9748999999999999</c:v>
-                </c:pt>
-                <c:pt idx="18">
-                  <c:v>3.9579</c:v>
-                </c:pt>
-                <c:pt idx="19">
-                  <c:v>3.8247</c:v>
-                </c:pt>
-                <c:pt idx="20">
-                  <c:v>3.8220000000000001</c:v>
-                </c:pt>
-                <c:pt idx="21">
-                  <c:v>3.9740000000000002</c:v>
-                </c:pt>
-                <c:pt idx="22">
-                  <c:v>2.9220000000000002</c:v>
-                </c:pt>
-                <c:pt idx="23">
-                  <c:v>2.2189999999999999</c:v>
-                </c:pt>
-                <c:pt idx="24">
-                  <c:v>2.851</c:v>
-                </c:pt>
-                <c:pt idx="25">
-                  <c:v>3.02</c:v>
-                </c:pt>
-                <c:pt idx="26">
-                  <c:v>2.6680000000000001</c:v>
-                </c:pt>
-                <c:pt idx="27">
-                  <c:v>3.1190000000000002</c:v>
-                </c:pt>
-                <c:pt idx="28">
-                  <c:v>3.4609999999999999</c:v>
-                </c:pt>
-                <c:pt idx="29">
-                  <c:v>3.536</c:v>
-                </c:pt>
-                <c:pt idx="30">
-                  <c:v>3.4809999999999999</c:v>
-                </c:pt>
-                <c:pt idx="31">
-                  <c:v>3.403</c:v>
-                </c:pt>
-                <c:pt idx="32">
-                  <c:v>3.3050000000000002</c:v>
-                </c:pt>
-                <c:pt idx="33">
-                  <c:v>3.3879999999999999</c:v>
-                </c:pt>
-                <c:pt idx="34">
-                  <c:v>3.198</c:v>
-                </c:pt>
-                <c:pt idx="35">
-                  <c:v>3.8370000000000002</c:v>
-                </c:pt>
-                <c:pt idx="36">
-                  <c:v>3.5880000000000001</c:v>
-                </c:pt>
-                <c:pt idx="37">
-                  <c:v>3.6190000000000002</c:v>
-                </c:pt>
-                <c:pt idx="38">
-                  <c:v>3.8330000000000002</c:v>
-                </c:pt>
-                <c:pt idx="39">
-                  <c:v>3.6589999999999998</c:v>
-                </c:pt>
-                <c:pt idx="40">
-                  <c:v>3.3029999999999999</c:v>
-                </c:pt>
-                <c:pt idx="41">
-                  <c:v>2.9350000000000001</c:v>
-                </c:pt>
-                <c:pt idx="42">
-                  <c:v>2.9049999999999998</c:v>
-                </c:pt>
-                <c:pt idx="43">
-                  <c:v>2.4700000000000002</c:v>
-                </c:pt>
-                <c:pt idx="44">
-                  <c:v>2.512</c:v>
-                </c:pt>
-                <c:pt idx="45">
-                  <c:v>2.6030000000000002</c:v>
-                </c:pt>
-                <c:pt idx="46">
-                  <c:v>2.7970000000000002</c:v>
-                </c:pt>
-                <c:pt idx="47">
-                  <c:v>3.2879999999999998</c:v>
-                </c:pt>
-                <c:pt idx="48">
-                  <c:v>3.3740000000000001</c:v>
-                </c:pt>
-                <c:pt idx="49">
-                  <c:v>3.4220000000000002</c:v>
-                </c:pt>
-                <c:pt idx="50">
-                  <c:v>3.468</c:v>
-                </c:pt>
-                <c:pt idx="51">
-                  <c:v>3.29</c:v>
-                </c:pt>
-                <c:pt idx="52">
-                  <c:v>3.0590000000000002</c:v>
-                </c:pt>
-                <c:pt idx="53">
-                  <c:v>3.16</c:v>
-                </c:pt>
-                <c:pt idx="54">
-                  <c:v>2.7930000000000001</c:v>
-                </c:pt>
-                <c:pt idx="55">
-                  <c:v>2.234</c:v>
-                </c:pt>
-                <c:pt idx="56">
-                  <c:v>1.917</c:v>
-                </c:pt>
-                <c:pt idx="57">
-                  <c:v>2.1160000000000001</c:v>
-                </c:pt>
-                <c:pt idx="58">
-                  <c:v>2.0720000000000001</c:v>
-                </c:pt>
-                <c:pt idx="59">
-                  <c:v>1.8759999999999999</c:v>
-                </c:pt>
-                <c:pt idx="60">
-                  <c:v>1.7949999999999999</c:v>
-                </c:pt>
-                <c:pt idx="61">
-                  <c:v>1.974</c:v>
-                </c:pt>
-                <c:pt idx="62">
-                  <c:v>2.214</c:v>
-                </c:pt>
-                <c:pt idx="63">
-                  <c:v>1.919</c:v>
-                </c:pt>
-                <c:pt idx="64">
-                  <c:v>1.5629999999999999</c:v>
-                </c:pt>
-                <c:pt idx="65">
-                  <c:v>1.643</c:v>
-                </c:pt>
-                <c:pt idx="66">
-                  <c:v>1.47</c:v>
-                </c:pt>
-                <c:pt idx="67">
-                  <c:v>1.548</c:v>
-                </c:pt>
-                <c:pt idx="68">
-                  <c:v>1.633</c:v>
-                </c:pt>
-                <c:pt idx="69">
-                  <c:v>1.694</c:v>
-                </c:pt>
-                <c:pt idx="70">
-                  <c:v>1.613</c:v>
-                </c:pt>
-                <c:pt idx="71">
-                  <c:v>1.7569999999999999</c:v>
-                </c:pt>
-                <c:pt idx="72">
-                  <c:v>1.9850000000000001</c:v>
-                </c:pt>
-                <c:pt idx="73">
-                  <c:v>1.881</c:v>
-                </c:pt>
-                <c:pt idx="74">
-                  <c:v>1.8520000000000001</c:v>
-                </c:pt>
-                <c:pt idx="75">
-                  <c:v>1.673</c:v>
-                </c:pt>
-                <c:pt idx="76">
-                  <c:v>2.1320000000000001</c:v>
-                </c:pt>
-                <c:pt idx="77">
-                  <c:v>2.4870000000000001</c:v>
-                </c:pt>
-                <c:pt idx="78">
-                  <c:v>2.5880000000000001</c:v>
-                </c:pt>
-                <c:pt idx="79">
-                  <c:v>2.7890000000000001</c:v>
-                </c:pt>
-                <c:pt idx="80">
-                  <c:v>2.6150000000000002</c:v>
-                </c:pt>
-                <c:pt idx="81">
-                  <c:v>2.5430000000000001</c:v>
-                </c:pt>
-                <c:pt idx="82">
-                  <c:v>2.7410000000000001</c:v>
-                </c:pt>
-                <c:pt idx="83">
-                  <c:v>3.0059999999999998</c:v>
-                </c:pt>
-                <c:pt idx="84">
-                  <c:v>2.6659999999999999</c:v>
-                </c:pt>
-                <c:pt idx="85">
-                  <c:v>2.66</c:v>
-                </c:pt>
-                <c:pt idx="86">
-                  <c:v>2.7240000000000002</c:v>
-                </c:pt>
-                <c:pt idx="87">
-                  <c:v>2.6480000000000001</c:v>
-                </c:pt>
-                <c:pt idx="88">
-                  <c:v>2.4569999999999999</c:v>
-                </c:pt>
-                <c:pt idx="89">
-                  <c:v>2.516</c:v>
-                </c:pt>
-                <c:pt idx="90">
-                  <c:v>2.5579999999999998</c:v>
-                </c:pt>
-                <c:pt idx="91">
-                  <c:v>2.3450000000000002</c:v>
-                </c:pt>
-                <c:pt idx="92">
-                  <c:v>2.508</c:v>
-                </c:pt>
-                <c:pt idx="93">
-                  <c:v>2.335</c:v>
-                </c:pt>
-                <c:pt idx="94">
-                  <c:v>2.1960000000000002</c:v>
-                </c:pt>
-                <c:pt idx="95">
-                  <c:v>2.1739999999999999</c:v>
-                </c:pt>
-                <c:pt idx="96">
-                  <c:v>1.68</c:v>
-                </c:pt>
-                <c:pt idx="97">
-                  <c:v>2.0019999999999998</c:v>
-                </c:pt>
-                <c:pt idx="98">
-                  <c:v>1.9339999999999999</c:v>
-                </c:pt>
-                <c:pt idx="99">
-                  <c:v>2.044</c:v>
-                </c:pt>
-                <c:pt idx="100">
-                  <c:v>2.0950000000000002</c:v>
-                </c:pt>
-                <c:pt idx="101">
-                  <c:v>2.3330000000000002</c:v>
-                </c:pt>
-                <c:pt idx="102">
-                  <c:v>2.2050000000000001</c:v>
-                </c:pt>
-                <c:pt idx="103">
-                  <c:v>2.2000000000000002</c:v>
-                </c:pt>
-                <c:pt idx="104">
-                  <c:v>2.06</c:v>
-                </c:pt>
-                <c:pt idx="105">
-                  <c:v>2.1509999999999998</c:v>
-                </c:pt>
-                <c:pt idx="106">
-                  <c:v>2.218</c:v>
-                </c:pt>
-                <c:pt idx="107">
-                  <c:v>2.2749999999999999</c:v>
-                </c:pt>
-                <c:pt idx="108">
-                  <c:v>1.93</c:v>
-                </c:pt>
-                <c:pt idx="109">
-                  <c:v>1.74</c:v>
-                </c:pt>
-                <c:pt idx="110">
-                  <c:v>1.784</c:v>
-                </c:pt>
-                <c:pt idx="111">
-                  <c:v>1.819</c:v>
-                </c:pt>
-                <c:pt idx="112">
-                  <c:v>1.8340000000000001</c:v>
-                </c:pt>
-                <c:pt idx="113">
-                  <c:v>1.492</c:v>
-                </c:pt>
-                <c:pt idx="114">
-                  <c:v>1.458</c:v>
-                </c:pt>
-                <c:pt idx="115">
-                  <c:v>1.5680000000000001</c:v>
-                </c:pt>
-                <c:pt idx="116">
-                  <c:v>1.6060000000000001</c:v>
-                </c:pt>
-                <c:pt idx="117">
-                  <c:v>1.8340000000000001</c:v>
-                </c:pt>
-                <c:pt idx="118">
-                  <c:v>2.367</c:v>
-                </c:pt>
-                <c:pt idx="119">
-                  <c:v>2.4319999999999999</c:v>
-                </c:pt>
-                <c:pt idx="120">
-                  <c:v>2.4510000000000001</c:v>
-                </c:pt>
-                <c:pt idx="121">
-                  <c:v>2.3580000000000001</c:v>
-                </c:pt>
-                <c:pt idx="122">
-                  <c:v>2.395</c:v>
-                </c:pt>
-                <c:pt idx="123">
-                  <c:v>2.282</c:v>
-                </c:pt>
-                <c:pt idx="124">
-                  <c:v>2.198</c:v>
-                </c:pt>
-                <c:pt idx="125">
-                  <c:v>2.302</c:v>
-                </c:pt>
-                <c:pt idx="126">
-                  <c:v>2.2919999999999998</c:v>
-                </c:pt>
-                <c:pt idx="127">
-                  <c:v>2.1219999999999999</c:v>
-                </c:pt>
-                <c:pt idx="128">
-                  <c:v>2.3260000000000001</c:v>
-                </c:pt>
-                <c:pt idx="129">
-                  <c:v>2.3759999999999999</c:v>
-                </c:pt>
-                <c:pt idx="130">
-                  <c:v>2.415</c:v>
-                </c:pt>
-                <c:pt idx="131">
-                  <c:v>2.411</c:v>
-                </c:pt>
-                <c:pt idx="132">
-                  <c:v>2.72</c:v>
-                </c:pt>
-                <c:pt idx="133">
-                  <c:v>2.8679999999999999</c:v>
-                </c:pt>
-                <c:pt idx="134">
-                  <c:v>2.7440000000000002</c:v>
-                </c:pt>
-                <c:pt idx="135">
-                  <c:v>2.9359999999999999</c:v>
-                </c:pt>
-                <c:pt idx="136">
-                  <c:v>2.8220000000000001</c:v>
-                </c:pt>
-                <c:pt idx="137">
-                  <c:v>2.851</c:v>
-                </c:pt>
-                <c:pt idx="138">
-                  <c:v>2.964</c:v>
-                </c:pt>
-                <c:pt idx="139">
-                  <c:v>2.8530000000000002</c:v>
-                </c:pt>
-                <c:pt idx="140">
-                  <c:v>3.056</c:v>
-                </c:pt>
-                <c:pt idx="141">
-                  <c:v>3.1589999999999998</c:v>
-                </c:pt>
-                <c:pt idx="142">
-                  <c:v>3.0129999999999999</c:v>
-                </c:pt>
-                <c:pt idx="143">
-                  <c:v>2.6909999999999998</c:v>
-                </c:pt>
-                <c:pt idx="144">
-                  <c:v>2.6349999999999998</c:v>
-                </c:pt>
-                <c:pt idx="145">
-                  <c:v>2.7109999999999999</c:v>
-                </c:pt>
-                <c:pt idx="146">
-                  <c:v>2.4140000000000001</c:v>
-                </c:pt>
-                <c:pt idx="147">
-                  <c:v>2.5070000000000001</c:v>
-                </c:pt>
-                <c:pt idx="148">
-                  <c:v>2.1419999999999999</c:v>
-                </c:pt>
-                <c:pt idx="149">
-                  <c:v>2</c:v>
-                </c:pt>
-                <c:pt idx="150">
-                  <c:v>2.0209999999999999</c:v>
-                </c:pt>
-                <c:pt idx="151">
-                  <c:v>1.506</c:v>
-                </c:pt>
-                <c:pt idx="152">
-                  <c:v>1.673</c:v>
-                </c:pt>
-                <c:pt idx="153">
-                  <c:v>1.6910000000000001</c:v>
-                </c:pt>
-                <c:pt idx="154">
-                  <c:v>1.776</c:v>
-                </c:pt>
-                <c:pt idx="155">
-                  <c:v>1.91</c:v>
-                </c:pt>
-                <c:pt idx="156">
-                  <c:v>1.5189999999999999</c:v>
-                </c:pt>
-                <c:pt idx="157">
-                  <c:v>1.1259999999999999</c:v>
-                </c:pt>
-                <c:pt idx="158">
-                  <c:v>0.69899999999999995</c:v>
-                </c:pt>
-                <c:pt idx="159">
-                  <c:v>0.625</c:v>
-                </c:pt>
-                <c:pt idx="160">
-                  <c:v>0.64400000000000002</c:v>
-                </c:pt>
-                <c:pt idx="161">
-                  <c:v>0.65300000000000002</c:v>
-                </c:pt>
-                <c:pt idx="162">
-                  <c:v>0.53600000000000003</c:v>
-                </c:pt>
-                <c:pt idx="163">
-                  <c:v>0.69299999999999995</c:v>
-                </c:pt>
-                <c:pt idx="164">
-                  <c:v>0.67700000000000005</c:v>
-                </c:pt>
-                <c:pt idx="165">
-                  <c:v>0.85899999999999999</c:v>
-                </c:pt>
-                <c:pt idx="166">
-                  <c:v>0.84199999999999997</c:v>
-                </c:pt>
-                <c:pt idx="167">
-                  <c:v>0.91200000000000003</c:v>
-                </c:pt>
-                <c:pt idx="168">
-                  <c:v>1.0940000000000001</c:v>
-                </c:pt>
-                <c:pt idx="169">
-                  <c:v>1.456</c:v>
-                </c:pt>
-                <c:pt idx="170">
-                  <c:v>1.746</c:v>
-                </c:pt>
-                <c:pt idx="171">
-                  <c:v>1.631</c:v>
-                </c:pt>
-                <c:pt idx="172">
-                  <c:v>1.593</c:v>
-                </c:pt>
-                <c:pt idx="173">
-                  <c:v>1.444</c:v>
-                </c:pt>
-                <c:pt idx="174">
-                  <c:v>1.2390000000000001</c:v>
-                </c:pt>
-                <c:pt idx="175">
-                  <c:v>1.302</c:v>
-                </c:pt>
-                <c:pt idx="176">
-                  <c:v>1.5269999999999999</c:v>
-                </c:pt>
-                <c:pt idx="177">
-                  <c:v>1.556</c:v>
-                </c:pt>
-                <c:pt idx="178">
-                  <c:v>1.4410000000000001</c:v>
-                </c:pt>
-                <c:pt idx="179">
-                  <c:v>1.498</c:v>
-                </c:pt>
-                <c:pt idx="180">
-                  <c:v>1.782</c:v>
-                </c:pt>
-                <c:pt idx="181">
-                  <c:v>1.839</c:v>
-                </c:pt>
-                <c:pt idx="182">
-                  <c:v>2.3250000000000002</c:v>
-                </c:pt>
-                <c:pt idx="183">
-                  <c:v>2.8849999999999998</c:v>
-                </c:pt>
-                <c:pt idx="184">
-                  <c:v>2.8439999999999999</c:v>
-                </c:pt>
-                <c:pt idx="185">
-                  <c:v>2.9740000000000002</c:v>
-                </c:pt>
-                <c:pt idx="186">
-                  <c:v>2.6419999999999999</c:v>
-                </c:pt>
-                <c:pt idx="187">
-                  <c:v>3.1320000000000001</c:v>
-                </c:pt>
-                <c:pt idx="188">
-                  <c:v>3.8039999999999998</c:v>
-                </c:pt>
-                <c:pt idx="189">
-                  <c:v>4.077</c:v>
-                </c:pt>
-                <c:pt idx="190">
-                  <c:v>3.7010000000000001</c:v>
-                </c:pt>
-                <c:pt idx="191">
-                  <c:v>3.831</c:v>
-                </c:pt>
-                <c:pt idx="192">
-                  <c:v>3.5289999999999999</c:v>
-                </c:pt>
-                <c:pt idx="193">
-                  <c:v>3.9140000000000001</c:v>
-                </c:pt>
-                <c:pt idx="194">
-                  <c:v>3.49</c:v>
-                </c:pt>
-                <c:pt idx="195">
-                  <c:v>3.452</c:v>
-                </c:pt>
-                <c:pt idx="196">
-                  <c:v>3.637</c:v>
-                </c:pt>
-                <c:pt idx="197">
-                  <c:v>3.7368000000000001</c:v>
-                </c:pt>
-              </c:numCache>
-            </c:numRef>
-          </c:val>
-          <c:smooth val="0"/>
-          <c:extLst xmlns:c16r2="http://schemas.microsoft.com/office/drawing/2015/06/chart">
-            <c:ext xmlns:c16="http://schemas.microsoft.com/office/drawing/2014/chart" uri="{C3380CC4-5D6E-409C-BE32-E72D297353CC}">
-              <c16:uniqueId val="{00000003-403F-471A-8C37-29B52B77453F}"/>
-            </c:ext>
-          </c:extLst>
-        </c:ser>
-        <c:dLbls>
-          <c:showLegendKey val="0"/>
-          <c:showVal val="0"/>
-          <c:showCatName val="0"/>
-          <c:showSerName val="0"/>
-          <c:showPercent val="0"/>
-          <c:showBubbleSize val="0"/>
-        </c:dLbls>
-        <c:hiLowLines>
-          <c:spPr>
-            <a:ln w="9525" cap="flat" cmpd="sng" algn="ctr">
-              <a:solidFill>
-                <a:sysClr val="windowText" lastClr="000000">
-                  <a:lumMod val="75000"/>
-                  <a:lumOff val="25000"/>
-                </a:sysClr>
-              </a:solidFill>
-              <a:round/>
-            </a:ln>
-            <a:effectLst/>
-          </c:spPr>
-        </c:hiLowLines>
-        <c:upDownBars>
-          <c:gapWidth val="150"/>
-          <c:upBars>
-            <c:spPr>
-              <a:solidFill>
-                <a:sysClr val="window" lastClr="FFFFFF"/>
-              </a:solidFill>
-              <a:ln w="9525" cap="flat" cmpd="sng" algn="ctr">
-                <a:solidFill>
-                  <a:sysClr val="windowText" lastClr="000000">
-                    <a:lumMod val="65000"/>
-                    <a:lumOff val="35000"/>
-                  </a:sysClr>
-                </a:solidFill>
-                <a:round/>
-              </a:ln>
-              <a:effectLst/>
-            </c:spPr>
-          </c:upBars>
-          <c:downBars>
-            <c:spPr>
-              <a:solidFill>
-                <a:sysClr val="windowText" lastClr="000000">
-                  <a:lumMod val="75000"/>
-                  <a:lumOff val="25000"/>
-                </a:sysClr>
-              </a:solidFill>
-              <a:ln w="9525" cap="flat" cmpd="sng" algn="ctr">
-                <a:solidFill>
-                  <a:sysClr val="windowText" lastClr="000000">
-                    <a:lumMod val="65000"/>
-                    <a:lumOff val="35000"/>
-                  </a:sysClr>
-                </a:solidFill>
-                <a:round/>
-              </a:ln>
-              <a:effectLst/>
-            </c:spPr>
-          </c:downBars>
-        </c:upDownBars>
-        <c:axId val="-2140764384"/>
-        <c:axId val="-2140767104"/>
-      </c:stockChart>
-      <c:dateAx>
-        <c:axId val="-2140764384"/>
-        <c:scaling>
-          <c:orientation val="minMax"/>
-        </c:scaling>
-        <c:delete val="0"/>
-        <c:axPos val="b"/>
-        <c:numFmt formatCode="yyyy" sourceLinked="0"/>
-        <c:majorTickMark val="out"/>
-        <c:minorTickMark val="none"/>
-        <c:tickLblPos val="low"/>
-        <c:spPr>
-          <a:noFill/>
-          <a:ln w="9525" cap="flat" cmpd="sng" algn="ctr">
-            <a:solidFill>
-              <a:sysClr val="windowText" lastClr="000000">
-                <a:lumMod val="15000"/>
-                <a:lumOff val="85000"/>
-              </a:sysClr>
-            </a:solidFill>
-            <a:round/>
-          </a:ln>
-          <a:effectLst/>
-        </c:spPr>
-        <c:txPr>
-          <a:bodyPr rot="-60000000" spcFirstLastPara="0" vertOverflow="ellipsis" vert="horz" wrap="square" anchor="ctr" anchorCtr="1"/>
-          <a:lstStyle/>
-          <a:p>
-            <a:pPr>
-              <a:defRPr lang="zh-TW" sz="900" b="0" i="0" u="none" strike="noStrike" kern="1200" baseline="0">
-                <a:solidFill>
-                  <a:sysClr val="windowText" lastClr="000000">
-                    <a:lumMod val="65000"/>
-                    <a:lumOff val="35000"/>
-                  </a:sysClr>
-                </a:solidFill>
-                <a:latin typeface="Calibri" panose="020F0502020204030204" pitchFamily="34" charset="0"/>
-                <a:ea typeface="新細明體" panose="02020500000000000000" pitchFamily="18" charset="-120"/>
-                <a:cs typeface="+mn-ea"/>
-              </a:defRPr>
-            </a:pPr>
-            <a:endParaRPr lang="zh-TW"/>
-          </a:p>
-        </c:txPr>
-        <c:crossAx val="-2140767104"/>
-        <c:crosses val="autoZero"/>
-        <c:auto val="1"/>
-        <c:lblOffset val="100"/>
-        <c:baseTimeUnit val="months"/>
-        <c:majorUnit val="12"/>
-        <c:majorTimeUnit val="months"/>
-      </c:dateAx>
-      <c:valAx>
-        <c:axId val="-2140767104"/>
-        <c:scaling>
-          <c:orientation val="minMax"/>
-        </c:scaling>
-        <c:delete val="0"/>
-        <c:axPos val="l"/>
-        <c:majorGridlines>
-          <c:spPr>
-            <a:ln w="9525" cap="flat" cmpd="sng" algn="ctr">
-              <a:solidFill>
-                <a:sysClr val="windowText" lastClr="000000">
-                  <a:lumMod val="15000"/>
-                  <a:lumOff val="85000"/>
-                </a:sysClr>
-              </a:solidFill>
-              <a:round/>
-            </a:ln>
-            <a:effectLst/>
-          </c:spPr>
-        </c:majorGridlines>
-        <c:numFmt formatCode="General" sourceLinked="1"/>
-        <c:majorTickMark val="none"/>
-        <c:minorTickMark val="none"/>
-        <c:tickLblPos val="high"/>
-        <c:spPr>
-          <a:noFill/>
-          <a:ln>
-            <a:noFill/>
-          </a:ln>
-          <a:effectLst/>
-        </c:spPr>
-        <c:txPr>
-          <a:bodyPr rot="-60000000" spcFirstLastPara="0" vertOverflow="ellipsis" vert="horz" wrap="square" anchor="ctr" anchorCtr="1"/>
-          <a:lstStyle/>
-          <a:p>
-            <a:pPr>
-              <a:defRPr lang="zh-TW" sz="900" b="0" i="0" u="none" strike="noStrike" kern="1200" baseline="0">
-                <a:solidFill>
-                  <a:sysClr val="windowText" lastClr="000000">
-                    <a:lumMod val="65000"/>
-                    <a:lumOff val="35000"/>
-                  </a:sysClr>
-                </a:solidFill>
-                <a:latin typeface="Calibri" panose="020F0502020204030204" pitchFamily="34" charset="0"/>
-                <a:ea typeface="新細明體" panose="02020500000000000000" pitchFamily="18" charset="-120"/>
-                <a:cs typeface="+mn-ea"/>
-              </a:defRPr>
-            </a:pPr>
-            <a:endParaRPr lang="zh-TW"/>
-          </a:p>
-        </c:txPr>
-        <c:crossAx val="-2140764384"/>
+        <c:crossAx val="-2063268288"/>
         <c:crossesAt val="39083"/>
         <c:crossBetween val="between"/>
       </c:valAx>
@@ -16113,7 +10824,7 @@
 </c:chartSpace>
 </file>
 
-<file path=ppt/charts/chart4.xml><?xml version="1.0" encoding="utf-8"?>
+<file path=ppt/charts/chart3.xml><?xml version="1.0" encoding="utf-8"?>
 <c:chartSpace xmlns:c="http://schemas.openxmlformats.org/drawingml/2006/chart" xmlns:a="http://schemas.openxmlformats.org/drawingml/2006/main" xmlns:r="http://schemas.openxmlformats.org/officeDocument/2006/relationships">
   <c:date1904 val="0"/>
   <c:lang val="zh-TW"/>
@@ -16148,7 +10859,7 @@
               </a:defRPr>
             </a:pPr>
             <a:r>
-              <a:rPr lang="zh-TW" altLang="en-US" sz="2000">
+              <a:rPr lang="zh-TW" altLang="en-US" sz="1500" dirty="0">
                 <a:solidFill>
                   <a:sysClr val="windowText" lastClr="000000"/>
                 </a:solidFill>
@@ -16158,7 +10869,7 @@
               <a:t>美債</a:t>
             </a:r>
             <a:r>
-              <a:rPr lang="en-US" altLang="zh-TW" sz="2000">
+              <a:rPr lang="en-US" altLang="zh-TW" sz="1500" dirty="0">
                 <a:solidFill>
                   <a:sysClr val="windowText" lastClr="000000"/>
                 </a:solidFill>
@@ -16168,7 +10879,7 @@
               <a:t>10Y</a:t>
             </a:r>
             <a:r>
-              <a:rPr lang="zh-TW" altLang="en-US" sz="2000">
+              <a:rPr lang="zh-TW" altLang="en-US" sz="1500" dirty="0">
                 <a:solidFill>
                   <a:sysClr val="windowText" lastClr="000000"/>
                 </a:solidFill>
@@ -16178,7 +10889,7 @@
               <a:t>利率</a:t>
             </a:r>
             <a:r>
-              <a:rPr lang="en-US" altLang="zh-TW" sz="2000">
+              <a:rPr lang="en-US" altLang="zh-TW" sz="1500" dirty="0">
                 <a:solidFill>
                   <a:sysClr val="windowText" lastClr="000000"/>
                 </a:solidFill>
@@ -16190,7 +10901,14 @@
           </a:p>
         </c:rich>
       </c:tx>
-      <c:layout/>
+      <c:layout>
+        <c:manualLayout>
+          <c:xMode val="edge"/>
+          <c:yMode val="edge"/>
+          <c:x val="0.37523594315921149"/>
+          <c:y val="3.7375238070947225E-2"/>
+        </c:manualLayout>
+      </c:layout>
       <c:overlay val="0"/>
       <c:spPr>
         <a:noFill/>
@@ -16228,9 +10946,9 @@
           <c:xMode val="edge"/>
           <c:yMode val="edge"/>
           <c:x val="3.4056387433868775E-2"/>
-          <c:y val="0.22789575938194498"/>
+          <c:y val="0.19052052131099778"/>
           <c:w val="0.92016360301345479"/>
-          <c:h val="0.57995480637223285"/>
+          <c:h val="0.64847607616896941"/>
         </c:manualLayout>
       </c:layout>
       <c:lineChart>
@@ -17473,11 +12191,11 @@
           <c:showBubbleSize val="0"/>
         </c:dLbls>
         <c:smooth val="0"/>
-        <c:axId val="-1666596864"/>
-        <c:axId val="-1666598496"/>
+        <c:axId val="-2063267744"/>
+        <c:axId val="-2063266112"/>
       </c:lineChart>
       <c:dateAx>
-        <c:axId val="-1666596864"/>
+        <c:axId val="-2063267744"/>
         <c:scaling>
           <c:orientation val="minMax"/>
         </c:scaling>
@@ -17520,7 +12238,7 @@
             <a:endParaRPr lang="zh-TW"/>
           </a:p>
         </c:txPr>
-        <c:crossAx val="-1666598496"/>
+        <c:crossAx val="-2063266112"/>
         <c:crosses val="autoZero"/>
         <c:auto val="1"/>
         <c:lblOffset val="100"/>
@@ -17529,11 +12247,11 @@
         <c:majorTimeUnit val="months"/>
       </c:dateAx>
       <c:valAx>
-        <c:axId val="-1666598496"/>
+        <c:axId val="-2063266112"/>
         <c:scaling>
           <c:orientation val="minMax"/>
-          <c:max val="3"/>
-          <c:min val="-3"/>
+          <c:max val="5"/>
+          <c:min val="-5"/>
         </c:scaling>
         <c:delete val="0"/>
         <c:axPos val="l"/>
@@ -17582,7 +12300,7 @@
             <a:endParaRPr lang="zh-TW"/>
           </a:p>
         </c:txPr>
-        <c:crossAx val="-1666596864"/>
+        <c:crossAx val="-2063267744"/>
         <c:crosses val="autoZero"/>
         <c:crossBetween val="between"/>
         <c:majorUnit val="2"/>
@@ -17709,46 +12427,6 @@
 </file>
 
 <file path=ppt/charts/colors3.xml><?xml version="1.0" encoding="utf-8"?>
-<cs:colorStyle xmlns:cs="http://schemas.microsoft.com/office/drawing/2012/chartStyle" xmlns:a="http://schemas.openxmlformats.org/drawingml/2006/main" meth="cycle" id="10">
-  <a:schemeClr val="accent1"/>
-  <a:schemeClr val="accent2"/>
-  <a:schemeClr val="accent3"/>
-  <a:schemeClr val="accent4"/>
-  <a:schemeClr val="accent5"/>
-  <a:schemeClr val="accent6"/>
-  <cs:variation/>
-  <cs:variation>
-    <a:lumMod val="60000"/>
-  </cs:variation>
-  <cs:variation>
-    <a:lumMod val="80000"/>
-    <a:lumOff val="20000"/>
-  </cs:variation>
-  <cs:variation>
-    <a:lumMod val="80000"/>
-  </cs:variation>
-  <cs:variation>
-    <a:lumMod val="60000"/>
-    <a:lumOff val="40000"/>
-  </cs:variation>
-  <cs:variation>
-    <a:lumMod val="50000"/>
-  </cs:variation>
-  <cs:variation>
-    <a:lumMod val="70000"/>
-    <a:lumOff val="30000"/>
-  </cs:variation>
-  <cs:variation>
-    <a:lumMod val="70000"/>
-  </cs:variation>
-  <cs:variation>
-    <a:lumMod val="50000"/>
-    <a:lumOff val="50000"/>
-  </cs:variation>
-</cs:colorStyle>
-</file>
-
-<file path=ppt/charts/colors4.xml><?xml version="1.0" encoding="utf-8"?>
 <cs:colorStyle xmlns:cs="http://schemas.microsoft.com/office/drawing/2012/chartStyle" xmlns:a="http://schemas.openxmlformats.org/drawingml/2006/main" meth="cycle" id="10">
   <a:schemeClr val="accent1"/>
   <a:schemeClr val="accent2"/>
@@ -18808,522 +13486,6 @@
 </file>
 
 <file path=ppt/charts/style3.xml><?xml version="1.0" encoding="utf-8"?>
-<cs:chartStyle xmlns:cs="http://schemas.microsoft.com/office/drawing/2012/chartStyle" xmlns:a="http://schemas.openxmlformats.org/drawingml/2006/main" id="322">
-  <cs:axisTitle>
-    <cs:lnRef idx="0"/>
-    <cs:fillRef idx="0"/>
-    <cs:effectRef idx="0"/>
-    <cs:fontRef idx="minor">
-      <a:sysClr val="windowText" lastClr="000000">
-        <a:lumMod val="65000"/>
-        <a:lumOff val="35000"/>
-      </a:sysClr>
-    </cs:fontRef>
-    <cs:defRPr sz="1000" kern="1200"/>
-  </cs:axisTitle>
-  <cs:categoryAxis>
-    <cs:lnRef idx="0"/>
-    <cs:fillRef idx="0"/>
-    <cs:effectRef idx="0"/>
-    <cs:fontRef idx="minor">
-      <a:sysClr val="windowText" lastClr="000000">
-        <a:lumMod val="65000"/>
-        <a:lumOff val="35000"/>
-      </a:sysClr>
-    </cs:fontRef>
-    <cs:spPr>
-      <a:ln w="9525" cap="flat" cmpd="sng" algn="ctr">
-        <a:solidFill>
-          <a:sysClr val="windowText" lastClr="000000">
-            <a:lumMod val="15000"/>
-            <a:lumOff val="85000"/>
-          </a:sysClr>
-        </a:solidFill>
-        <a:round/>
-      </a:ln>
-    </cs:spPr>
-    <cs:defRPr sz="900" kern="1200"/>
-  </cs:categoryAxis>
-  <cs:chartArea mods="allowNoFillOverride allowNoLineOverride">
-    <cs:lnRef idx="0"/>
-    <cs:fillRef idx="0"/>
-    <cs:effectRef idx="0"/>
-    <cs:fontRef idx="minor">
-      <a:sysClr val="windowText" lastClr="000000"/>
-    </cs:fontRef>
-    <cs:spPr>
-      <a:solidFill>
-        <a:sysClr val="window" lastClr="FFFFFF"/>
-      </a:solidFill>
-      <a:ln w="9525" cap="flat" cmpd="sng" algn="ctr">
-        <a:solidFill>
-          <a:sysClr val="windowText" lastClr="000000">
-            <a:lumMod val="15000"/>
-            <a:lumOff val="85000"/>
-          </a:sysClr>
-        </a:solidFill>
-        <a:round/>
-      </a:ln>
-    </cs:spPr>
-    <cs:defRPr sz="1000" kern="1200"/>
-  </cs:chartArea>
-  <cs:dataLabel>
-    <cs:lnRef idx="0"/>
-    <cs:fillRef idx="0"/>
-    <cs:effectRef idx="0"/>
-    <cs:fontRef idx="minor">
-      <a:sysClr val="windowText" lastClr="000000">
-        <a:lumMod val="75000"/>
-        <a:lumOff val="25000"/>
-      </a:sysClr>
-    </cs:fontRef>
-    <cs:defRPr sz="900" kern="1200"/>
-  </cs:dataLabel>
-  <cs:dataLabelCallout>
-    <cs:lnRef idx="0"/>
-    <cs:fillRef idx="0"/>
-    <cs:effectRef idx="0"/>
-    <cs:fontRef idx="minor">
-      <a:sysClr val="windowText" lastClr="000000">
-        <a:lumMod val="65000"/>
-        <a:lumOff val="35000"/>
-      </a:sysClr>
-    </cs:fontRef>
-    <cs:spPr>
-      <a:solidFill>
-        <a:sysClr val="window" lastClr="FFFFFF"/>
-      </a:solidFill>
-      <a:ln>
-        <a:solidFill>
-          <a:sysClr val="windowText" lastClr="000000">
-            <a:lumMod val="25000"/>
-            <a:lumOff val="75000"/>
-          </a:sysClr>
-        </a:solidFill>
-      </a:ln>
-    </cs:spPr>
-    <cs:defRPr sz="900" kern="1200"/>
-    <cs:bodyPr rot="0" spcFirstLastPara="1" vertOverflow="clip" horzOverflow="clip" vert="horz" wrap="square" lIns="36576" tIns="18288" rIns="36576" bIns="18288" anchor="ctr" anchorCtr="1">
-      <a:spAutoFit/>
-    </cs:bodyPr>
-  </cs:dataLabelCallout>
-  <cs:dataPoint>
-    <cs:lnRef idx="0"/>
-    <cs:fillRef idx="1">
-      <cs:styleClr val="auto"/>
-    </cs:fillRef>
-    <cs:effectRef idx="0"/>
-    <cs:fontRef idx="minor">
-      <a:sysClr val="windowText" lastClr="000000"/>
-    </cs:fontRef>
-  </cs:dataPoint>
-  <cs:dataPoint3D>
-    <cs:lnRef idx="0"/>
-    <cs:fillRef idx="1">
-      <cs:styleClr val="auto"/>
-    </cs:fillRef>
-    <cs:effectRef idx="0"/>
-    <cs:fontRef idx="minor">
-      <a:sysClr val="windowText" lastClr="000000"/>
-    </cs:fontRef>
-  </cs:dataPoint3D>
-  <cs:dataPointLine>
-    <cs:lnRef idx="0">
-      <cs:styleClr val="auto"/>
-    </cs:lnRef>
-    <cs:fillRef idx="1"/>
-    <cs:effectRef idx="0"/>
-    <cs:fontRef idx="minor">
-      <a:sysClr val="windowText" lastClr="000000"/>
-    </cs:fontRef>
-    <cs:spPr>
-      <a:ln w="28575" cap="rnd">
-        <a:solidFill>
-          <a:srgbClr val="FFFFFF"/>
-        </a:solidFill>
-        <a:round/>
-      </a:ln>
-    </cs:spPr>
-  </cs:dataPointLine>
-  <cs:dataPointMarker>
-    <cs:lnRef idx="0">
-      <cs:styleClr val="auto"/>
-    </cs:lnRef>
-    <cs:fillRef idx="1">
-      <cs:styleClr val="auto"/>
-    </cs:fillRef>
-    <cs:effectRef idx="0"/>
-    <cs:fontRef idx="minor">
-      <a:sysClr val="windowText" lastClr="000000"/>
-    </cs:fontRef>
-    <cs:spPr>
-      <a:ln w="9525">
-        <a:solidFill>
-          <a:srgbClr val="FFFFFF"/>
-        </a:solidFill>
-      </a:ln>
-    </cs:spPr>
-  </cs:dataPointMarker>
-  <cs:dataPointMarkerLayout symbol="circle" size="5"/>
-  <cs:dataPointWireframe>
-    <cs:lnRef idx="0">
-      <cs:styleClr val="auto"/>
-    </cs:lnRef>
-    <cs:fillRef idx="1"/>
-    <cs:effectRef idx="0"/>
-    <cs:fontRef idx="minor">
-      <a:sysClr val="windowText" lastClr="000000"/>
-    </cs:fontRef>
-    <cs:spPr>
-      <a:ln w="9525" cap="rnd">
-        <a:solidFill>
-          <a:srgbClr val="FFFFFF"/>
-        </a:solidFill>
-        <a:round/>
-      </a:ln>
-    </cs:spPr>
-  </cs:dataPointWireframe>
-  <cs:dataTable>
-    <cs:lnRef idx="0"/>
-    <cs:fillRef idx="0"/>
-    <cs:effectRef idx="0"/>
-    <cs:fontRef idx="minor">
-      <a:sysClr val="windowText" lastClr="000000">
-        <a:lumMod val="65000"/>
-        <a:lumOff val="35000"/>
-      </a:sysClr>
-    </cs:fontRef>
-    <cs:spPr>
-      <a:noFill/>
-      <a:ln w="9525" cap="flat" cmpd="sng" algn="ctr">
-        <a:solidFill>
-          <a:sysClr val="windowText" lastClr="000000">
-            <a:lumMod val="15000"/>
-            <a:lumOff val="85000"/>
-          </a:sysClr>
-        </a:solidFill>
-        <a:round/>
-      </a:ln>
-    </cs:spPr>
-    <cs:defRPr sz="900" kern="1200"/>
-  </cs:dataTable>
-  <cs:downBar>
-    <cs:lnRef idx="0"/>
-    <cs:fillRef idx="0"/>
-    <cs:effectRef idx="0"/>
-    <cs:fontRef idx="minor">
-      <a:sysClr val="windowText" lastClr="000000"/>
-    </cs:fontRef>
-    <cs:spPr>
-      <a:solidFill>
-        <a:sysClr val="windowText" lastClr="000000">
-          <a:lumMod val="75000"/>
-          <a:lumOff val="25000"/>
-        </a:sysClr>
-      </a:solidFill>
-      <a:ln w="9525" cap="flat" cmpd="sng" algn="ctr">
-        <a:solidFill>
-          <a:sysClr val="windowText" lastClr="000000">
-            <a:lumMod val="65000"/>
-            <a:lumOff val="35000"/>
-          </a:sysClr>
-        </a:solidFill>
-        <a:round/>
-      </a:ln>
-    </cs:spPr>
-  </cs:downBar>
-  <cs:dropLine>
-    <cs:lnRef idx="0"/>
-    <cs:fillRef idx="0"/>
-    <cs:effectRef idx="0"/>
-    <cs:fontRef idx="minor">
-      <a:sysClr val="windowText" lastClr="000000"/>
-    </cs:fontRef>
-    <cs:spPr>
-      <a:ln w="9525" cap="flat" cmpd="sng" algn="ctr">
-        <a:solidFill>
-          <a:sysClr val="windowText" lastClr="000000">
-            <a:lumMod val="35000"/>
-            <a:lumOff val="65000"/>
-          </a:sysClr>
-        </a:solidFill>
-        <a:round/>
-      </a:ln>
-    </cs:spPr>
-  </cs:dropLine>
-  <cs:errorBar>
-    <cs:lnRef idx="0"/>
-    <cs:fillRef idx="0"/>
-    <cs:effectRef idx="0"/>
-    <cs:fontRef idx="minor">
-      <a:sysClr val="windowText" lastClr="000000"/>
-    </cs:fontRef>
-    <cs:spPr>
-      <a:ln w="9525" cap="flat" cmpd="sng" algn="ctr">
-        <a:solidFill>
-          <a:sysClr val="windowText" lastClr="000000">
-            <a:lumMod val="65000"/>
-            <a:lumOff val="35000"/>
-          </a:sysClr>
-        </a:solidFill>
-        <a:round/>
-      </a:ln>
-    </cs:spPr>
-  </cs:errorBar>
-  <cs:floor>
-    <cs:lnRef idx="0"/>
-    <cs:fillRef idx="0"/>
-    <cs:effectRef idx="0"/>
-    <cs:fontRef idx="minor">
-      <a:sysClr val="windowText" lastClr="000000"/>
-    </cs:fontRef>
-    <cs:spPr>
-      <a:noFill/>
-      <a:ln>
-        <a:noFill/>
-      </a:ln>
-    </cs:spPr>
-  </cs:floor>
-  <cs:gridlineMajor>
-    <cs:lnRef idx="0"/>
-    <cs:fillRef idx="0"/>
-    <cs:effectRef idx="0"/>
-    <cs:fontRef idx="minor">
-      <a:sysClr val="windowText" lastClr="000000"/>
-    </cs:fontRef>
-    <cs:spPr>
-      <a:ln w="9525" cap="flat" cmpd="sng" algn="ctr">
-        <a:solidFill>
-          <a:sysClr val="windowText" lastClr="000000">
-            <a:lumMod val="15000"/>
-            <a:lumOff val="85000"/>
-          </a:sysClr>
-        </a:solidFill>
-        <a:round/>
-      </a:ln>
-    </cs:spPr>
-  </cs:gridlineMajor>
-  <cs:gridlineMinor>
-    <cs:lnRef idx="0"/>
-    <cs:fillRef idx="0"/>
-    <cs:effectRef idx="0"/>
-    <cs:fontRef idx="minor">
-      <a:sysClr val="windowText" lastClr="000000"/>
-    </cs:fontRef>
-    <cs:spPr>
-      <a:ln w="9525" cap="flat" cmpd="sng" algn="ctr">
-        <a:solidFill>
-          <a:sysClr val="windowText" lastClr="000000">
-            <a:lumMod val="5000"/>
-            <a:lumOff val="95000"/>
-          </a:sysClr>
-        </a:solidFill>
-        <a:round/>
-      </a:ln>
-    </cs:spPr>
-  </cs:gridlineMinor>
-  <cs:hiLoLine>
-    <cs:lnRef idx="0"/>
-    <cs:fillRef idx="0"/>
-    <cs:effectRef idx="0"/>
-    <cs:fontRef idx="minor">
-      <a:sysClr val="windowText" lastClr="000000"/>
-    </cs:fontRef>
-    <cs:spPr>
-      <a:ln w="9525" cap="flat" cmpd="sng" algn="ctr">
-        <a:solidFill>
-          <a:sysClr val="windowText" lastClr="000000">
-            <a:lumMod val="75000"/>
-            <a:lumOff val="25000"/>
-          </a:sysClr>
-        </a:solidFill>
-        <a:round/>
-      </a:ln>
-    </cs:spPr>
-  </cs:hiLoLine>
-  <cs:leaderLine>
-    <cs:lnRef idx="0"/>
-    <cs:fillRef idx="0"/>
-    <cs:effectRef idx="0"/>
-    <cs:fontRef idx="minor">
-      <a:sysClr val="windowText" lastClr="000000"/>
-    </cs:fontRef>
-    <cs:spPr>
-      <a:ln w="9525" cap="flat" cmpd="sng" algn="ctr">
-        <a:solidFill>
-          <a:sysClr val="windowText" lastClr="000000">
-            <a:lumMod val="35000"/>
-            <a:lumOff val="65000"/>
-          </a:sysClr>
-        </a:solidFill>
-        <a:round/>
-      </a:ln>
-    </cs:spPr>
-  </cs:leaderLine>
-  <cs:legend>
-    <cs:lnRef idx="0"/>
-    <cs:fillRef idx="0"/>
-    <cs:effectRef idx="0"/>
-    <cs:fontRef idx="minor">
-      <a:sysClr val="windowText" lastClr="000000">
-        <a:lumMod val="65000"/>
-        <a:lumOff val="35000"/>
-      </a:sysClr>
-    </cs:fontRef>
-    <cs:defRPr sz="900" kern="1200"/>
-  </cs:legend>
-  <cs:plotArea mods="allowNoFillOverride allowNoLineOverride">
-    <cs:lnRef idx="0"/>
-    <cs:fillRef idx="0"/>
-    <cs:effectRef idx="0"/>
-    <cs:fontRef idx="minor">
-      <a:sysClr val="windowText" lastClr="000000"/>
-    </cs:fontRef>
-  </cs:plotArea>
-  <cs:plotArea3D mods="allowNoFillOverride allowNoLineOverride">
-    <cs:lnRef idx="0"/>
-    <cs:fillRef idx="0"/>
-    <cs:effectRef idx="0"/>
-    <cs:fontRef idx="minor">
-      <a:sysClr val="windowText" lastClr="000000"/>
-    </cs:fontRef>
-  </cs:plotArea3D>
-  <cs:seriesAxis>
-    <cs:lnRef idx="0"/>
-    <cs:fillRef idx="0"/>
-    <cs:effectRef idx="0"/>
-    <cs:fontRef idx="minor">
-      <a:sysClr val="windowText" lastClr="000000">
-        <a:lumMod val="65000"/>
-        <a:lumOff val="35000"/>
-      </a:sysClr>
-    </cs:fontRef>
-    <cs:spPr>
-      <a:ln w="9525" cap="flat" cmpd="sng" algn="ctr">
-        <a:solidFill>
-          <a:sysClr val="windowText" lastClr="000000">
-            <a:lumMod val="15000"/>
-            <a:lumOff val="85000"/>
-          </a:sysClr>
-        </a:solidFill>
-        <a:round/>
-      </a:ln>
-    </cs:spPr>
-    <cs:defRPr sz="900" kern="1200"/>
-  </cs:seriesAxis>
-  <cs:seriesLine>
-    <cs:lnRef idx="0"/>
-    <cs:fillRef idx="0"/>
-    <cs:effectRef idx="0"/>
-    <cs:fontRef idx="minor">
-      <a:sysClr val="windowText" lastClr="000000"/>
-    </cs:fontRef>
-    <cs:spPr>
-      <a:ln w="9525" cap="flat" cmpd="sng" algn="ctr">
-        <a:solidFill>
-          <a:sysClr val="windowText" lastClr="000000">
-            <a:lumMod val="35000"/>
-            <a:lumOff val="65000"/>
-          </a:sysClr>
-        </a:solidFill>
-        <a:round/>
-      </a:ln>
-    </cs:spPr>
-  </cs:seriesLine>
-  <cs:title>
-    <cs:lnRef idx="0"/>
-    <cs:fillRef idx="0"/>
-    <cs:effectRef idx="0"/>
-    <cs:fontRef idx="minor">
-      <a:sysClr val="windowText" lastClr="000000">
-        <a:lumMod val="65000"/>
-        <a:lumOff val="35000"/>
-      </a:sysClr>
-    </cs:fontRef>
-    <cs:defRPr sz="1400" b="0" kern="1200" spc="0" baseline="0"/>
-  </cs:title>
-  <cs:trendline>
-    <cs:lnRef idx="0">
-      <cs:styleClr val="auto"/>
-    </cs:lnRef>
-    <cs:fillRef idx="0"/>
-    <cs:effectRef idx="0"/>
-    <cs:fontRef idx="minor">
-      <a:sysClr val="windowText" lastClr="000000"/>
-    </cs:fontRef>
-    <cs:spPr>
-      <a:ln w="19050" cap="rnd">
-        <a:solidFill>
-          <a:srgbClr val="FFFFFF"/>
-        </a:solidFill>
-        <a:prstDash val="sysDot"/>
-      </a:ln>
-    </cs:spPr>
-  </cs:trendline>
-  <cs:trendlineLabel>
-    <cs:lnRef idx="0"/>
-    <cs:fillRef idx="0"/>
-    <cs:effectRef idx="0"/>
-    <cs:fontRef idx="minor">
-      <a:sysClr val="windowText" lastClr="000000">
-        <a:lumMod val="65000"/>
-        <a:lumOff val="35000"/>
-      </a:sysClr>
-    </cs:fontRef>
-    <cs:defRPr sz="900" kern="1200"/>
-  </cs:trendlineLabel>
-  <cs:upBar>
-    <cs:lnRef idx="0"/>
-    <cs:fillRef idx="0"/>
-    <cs:effectRef idx="0"/>
-    <cs:fontRef idx="minor">
-      <a:sysClr val="windowText" lastClr="000000"/>
-    </cs:fontRef>
-    <cs:spPr>
-      <a:solidFill>
-        <a:sysClr val="window" lastClr="FFFFFF"/>
-      </a:solidFill>
-      <a:ln w="9525" cap="flat" cmpd="sng" algn="ctr">
-        <a:solidFill>
-          <a:sysClr val="windowText" lastClr="000000">
-            <a:lumMod val="65000"/>
-            <a:lumOff val="35000"/>
-          </a:sysClr>
-        </a:solidFill>
-        <a:round/>
-      </a:ln>
-    </cs:spPr>
-  </cs:upBar>
-  <cs:valueAxis>
-    <cs:lnRef idx="0"/>
-    <cs:fillRef idx="0"/>
-    <cs:effectRef idx="0"/>
-    <cs:fontRef idx="minor">
-      <a:sysClr val="windowText" lastClr="000000">
-        <a:lumMod val="65000"/>
-        <a:lumOff val="35000"/>
-      </a:sysClr>
-    </cs:fontRef>
-    <cs:defRPr sz="900" kern="1200"/>
-  </cs:valueAxis>
-  <cs:wall>
-    <cs:lnRef idx="0"/>
-    <cs:fillRef idx="0"/>
-    <cs:effectRef idx="0"/>
-    <cs:fontRef idx="minor">
-      <a:sysClr val="windowText" lastClr="000000"/>
-    </cs:fontRef>
-    <cs:spPr>
-      <a:noFill/>
-      <a:ln>
-        <a:noFill/>
-      </a:ln>
-    </cs:spPr>
-  </cs:wall>
-</cs:chartStyle>
-</file>
-
-<file path=ppt/charts/style4.xml><?xml version="1.0" encoding="utf-8"?>
 <cs:chartStyle xmlns:cs="http://schemas.microsoft.com/office/drawing/2012/chartStyle" xmlns:a="http://schemas.openxmlformats.org/drawingml/2006/main" id="201">
   <cs:axisTitle>
     <cs:lnRef idx="0"/>
@@ -19830,12 +13992,12 @@
 <c:userShapes xmlns:c="http://schemas.openxmlformats.org/drawingml/2006/chart">
   <cdr:relSizeAnchor xmlns:cdr="http://schemas.openxmlformats.org/drawingml/2006/chartDrawing">
     <cdr:from>
-      <cdr:x>0.00991</cdr:x>
-      <cdr:y>0.42156</cdr:y>
+      <cdr:x>0.009</cdr:x>
+      <cdr:y>0.44558</cdr:y>
     </cdr:from>
     <cdr:to>
-      <cdr:x>0.96109</cdr:x>
-      <cdr:y>0.43641</cdr:y>
+      <cdr:x>0.96018</cdr:x>
+      <cdr:y>0.46043</cdr:y>
     </cdr:to>
     <cdr:sp macro="" textlink="">
       <cdr:nvSpPr>
@@ -19844,8 +14006,8 @@
       </cdr:nvSpPr>
       <cdr:spPr>
         <a:xfrm xmlns:a="http://schemas.openxmlformats.org/drawingml/2006/main">
-          <a:off x="92279" y="859468"/>
-          <a:ext cx="8853951" cy="30275"/>
+          <a:off x="83734" y="908433"/>
+          <a:ext cx="8853951" cy="30276"/>
         </a:xfrm>
         <a:prstGeom xmlns:a="http://schemas.openxmlformats.org/drawingml/2006/main" prst="rect">
           <a:avLst/>
@@ -20064,7 +14226,7 @@
           <a:p>
             <a:fld id="{8B1237DB-8B32-4F32-9AC8-041C6122AD79}" type="datetimeFigureOut">
               <a:rPr lang="zh-TW" altLang="en-US" smtClean="0"/>
-              <a:t>2023/6/30</a:t>
+              <a:t>2023/7/5</a:t>
             </a:fld>
             <a:endParaRPr lang="zh-TW" altLang="en-US"/>
           </a:p>
@@ -20229,7 +14391,7 @@
           <a:p>
             <a:fld id="{803F83BD-BF77-4C72-B94B-A2B9344DCA04}" type="datetimeFigureOut">
               <a:rPr lang="zh-TW" altLang="en-US" smtClean="0"/>
-              <a:t>2023/6/30</a:t>
+              <a:t>2023/7/5</a:t>
             </a:fld>
             <a:endParaRPr lang="zh-TW" altLang="en-US"/>
           </a:p>
@@ -20878,7 +15040,7 @@
     </p:spTree>
     <p:extLst>
       <p:ext uri="{BB962C8B-B14F-4D97-AF65-F5344CB8AC3E}">
-        <p14:creationId xmlns:p14="http://schemas.microsoft.com/office/powerpoint/2010/main" val="2938254773"/>
+        <p14:creationId xmlns:p14="http://schemas.microsoft.com/office/powerpoint/2010/main" val="3863086351"/>
       </p:ext>
     </p:extLst>
   </p:cSld>
@@ -20964,104 +15126,6 @@
                 <a:defRPr/>
               </a:pPr>
               <a:t>12</a:t>
-            </a:fld>
-            <a:endParaRPr lang="en-US" altLang="zh-TW">
-              <a:solidFill>
-                <a:srgbClr val="000000"/>
-              </a:solidFill>
-            </a:endParaRPr>
-          </a:p>
-        </p:txBody>
-      </p:sp>
-    </p:spTree>
-    <p:extLst>
-      <p:ext uri="{BB962C8B-B14F-4D97-AF65-F5344CB8AC3E}">
-        <p14:creationId xmlns:p14="http://schemas.microsoft.com/office/powerpoint/2010/main" val="3863086351"/>
-      </p:ext>
-    </p:extLst>
-  </p:cSld>
-  <p:clrMapOvr>
-    <a:masterClrMapping/>
-  </p:clrMapOvr>
-</p:notes>
-</file>
-
-<file path=ppt/notesSlides/notesSlide6.xml><?xml version="1.0" encoding="utf-8"?>
-<p:notes xmlns:a="http://schemas.openxmlformats.org/drawingml/2006/main" xmlns:r="http://schemas.openxmlformats.org/officeDocument/2006/relationships" xmlns:p="http://schemas.openxmlformats.org/presentationml/2006/main">
-  <p:cSld>
-    <p:spTree>
-      <p:nvGrpSpPr>
-        <p:cNvPr id="1" name=""/>
-        <p:cNvGrpSpPr/>
-        <p:nvPr/>
-      </p:nvGrpSpPr>
-      <p:grpSpPr>
-        <a:xfrm>
-          <a:off x="0" y="0"/>
-          <a:ext cx="0" cy="0"/>
-          <a:chOff x="0" y="0"/>
-          <a:chExt cx="0" cy="0"/>
-        </a:xfrm>
-      </p:grpSpPr>
-      <p:sp>
-        <p:nvSpPr>
-          <p:cNvPr id="2" name="投影片影像版面配置區 1"/>
-          <p:cNvSpPr>
-            <a:spLocks noGrp="1" noRot="1" noChangeAspect="1"/>
-          </p:cNvSpPr>
-          <p:nvPr>
-            <p:ph type="sldImg"/>
-          </p:nvPr>
-        </p:nvSpPr>
-        <p:spPr/>
-      </p:sp>
-      <p:sp>
-        <p:nvSpPr>
-          <p:cNvPr id="3" name="備忘稿版面配置區 2"/>
-          <p:cNvSpPr>
-            <a:spLocks noGrp="1"/>
-          </p:cNvSpPr>
-          <p:nvPr>
-            <p:ph type="body" idx="1"/>
-          </p:nvPr>
-        </p:nvSpPr>
-        <p:spPr/>
-        <p:txBody>
-          <a:bodyPr/>
-          <a:lstStyle/>
-          <a:p>
-            <a:endParaRPr lang="zh-TW" altLang="en-US" dirty="0"/>
-          </a:p>
-        </p:txBody>
-      </p:sp>
-      <p:sp>
-        <p:nvSpPr>
-          <p:cNvPr id="4" name="投影片編號版面配置區 3"/>
-          <p:cNvSpPr>
-            <a:spLocks noGrp="1"/>
-          </p:cNvSpPr>
-          <p:nvPr>
-            <p:ph type="sldNum" sz="quarter" idx="5"/>
-          </p:nvPr>
-        </p:nvSpPr>
-        <p:spPr/>
-        <p:txBody>
-          <a:bodyPr/>
-          <a:lstStyle/>
-          <a:p>
-            <a:pPr>
-              <a:defRPr/>
-            </a:pPr>
-            <a:fld id="{9BE67F71-664A-4CFD-9380-8AD6C00B094B}" type="slidenum">
-              <a:rPr lang="en-US" altLang="zh-TW" smtClean="0">
-                <a:solidFill>
-                  <a:srgbClr val="000000"/>
-                </a:solidFill>
-              </a:rPr>
-              <a:pPr>
-                <a:defRPr/>
-              </a:pPr>
-              <a:t>13</a:t>
             </a:fld>
             <a:endParaRPr lang="en-US" altLang="zh-TW">
               <a:solidFill>
@@ -24960,7 +19024,7 @@
           <a:graphicData uri="http://schemas.openxmlformats.org/presentationml/2006/ole">
             <mc:AlternateContent xmlns:mc="http://schemas.openxmlformats.org/markup-compatibility/2006">
               <mc:Choice xmlns:v="urn:schemas-microsoft-com:vml" Requires="v">
-                <p:oleObj spid="_x0000_s11281" r:id="rId4" imgW="914400" imgH="215900" progId="Equation.KSEE3">
+                <p:oleObj spid="_x0000_s11295" r:id="rId4" imgW="914400" imgH="215900" progId="Equation.KSEE3">
                   <p:embed/>
                 </p:oleObj>
               </mc:Choice>
@@ -25890,8 +19954,8 @@
         </p:nvSpPr>
         <p:spPr>
           <a:xfrm>
-            <a:off x="1676718" y="5197882"/>
-            <a:ext cx="6831614" cy="1015663"/>
+            <a:off x="1513829" y="5651356"/>
+            <a:ext cx="7394268" cy="1015663"/>
           </a:xfrm>
           <a:prstGeom prst="rect">
             <a:avLst/>
@@ -25913,7 +19977,7 @@
               </a:spcAft>
             </a:pPr>
             <a:r>
-              <a:rPr kumimoji="1" lang="en-US" altLang="zh-TW" sz="2000" b="1" kern="0" dirty="0">
+              <a:rPr kumimoji="1" lang="en-US" altLang="zh-TW" sz="2000" b="1" kern="0" dirty="0" smtClean="0">
                 <a:solidFill>
                   <a:srgbClr val="FF0000"/>
                 </a:solidFill>
@@ -25924,7 +19988,7 @@
               <a:t>●</a:t>
             </a:r>
             <a:r>
-              <a:rPr kumimoji="1" lang="zh-TW" altLang="en-US" sz="2000" b="1" kern="0" dirty="0">
+              <a:rPr kumimoji="1" lang="zh-TW" altLang="en-US" sz="2000" b="1" kern="0" dirty="0" smtClean="0">
                 <a:solidFill>
                   <a:prstClr val="black"/>
                 </a:solidFill>
@@ -25932,7 +19996,7 @@
                 <a:ea typeface="微軟正黑體" panose="020B0604030504040204" pitchFamily="34" charset="-120"/>
                 <a:cs typeface="Calibri" panose="020F0502020204030204" pitchFamily="34" charset="0"/>
               </a:rPr>
-              <a:t>過去十年當</a:t>
+              <a:t>金融海嘯以來當</a:t>
             </a:r>
             <a:r>
               <a:rPr kumimoji="1" lang="en-US" altLang="zh-TW" sz="2000" b="1" kern="0" dirty="0">
@@ -26056,7 +20120,7 @@
               <a:t>，預計下半年大區間在</a:t>
             </a:r>
             <a:r>
-              <a:rPr kumimoji="1" lang="en-US" altLang="zh-TW" sz="2000" b="1" dirty="0">
+              <a:rPr kumimoji="1" lang="en-US" altLang="zh-TW" sz="2000" b="1" dirty="0" smtClean="0">
                 <a:solidFill>
                   <a:prstClr val="black"/>
                 </a:solidFill>
@@ -26064,7 +20128,7 @@
                 <a:ea typeface="微軟正黑體" panose="020B0604030504040204" pitchFamily="34" charset="-120"/>
                 <a:sym typeface="+mn-ea"/>
               </a:rPr>
-              <a:t>3.3%~</a:t>
+              <a:t>3.5%~</a:t>
             </a:r>
             <a:r>
               <a:rPr kumimoji="1" lang="en-US" altLang="zh-TW" sz="2000" b="1" dirty="0" smtClean="0">
@@ -26075,7 +20139,7 @@
                 <a:ea typeface="微軟正黑體" panose="020B0604030504040204" pitchFamily="34" charset="-120"/>
                 <a:sym typeface="+mn-ea"/>
               </a:rPr>
-              <a:t>4.0%</a:t>
+              <a:t>4.2%</a:t>
             </a:r>
             <a:endParaRPr kumimoji="1" lang="en-US" altLang="zh-TW" sz="2000" b="1" dirty="0">
               <a:solidFill>
@@ -26116,7 +20180,18 @@
                 <a:ea typeface="微軟正黑體" panose="020B0604030504040204" pitchFamily="34" charset="-120"/>
                 <a:sym typeface="+mn-ea"/>
               </a:rPr>
-              <a:t>DV01 = TWD 50</a:t>
+              <a:t>DV01 = TWD </a:t>
+            </a:r>
+            <a:r>
+              <a:rPr kumimoji="1" lang="en-US" sz="2000" b="1" dirty="0" smtClean="0">
+                <a:solidFill>
+                  <a:prstClr val="black"/>
+                </a:solidFill>
+                <a:latin typeface="微軟正黑體" panose="020B0604030504040204" pitchFamily="34" charset="-120"/>
+                <a:ea typeface="微軟正黑體" panose="020B0604030504040204" pitchFamily="34" charset="-120"/>
+                <a:sym typeface="+mn-ea"/>
+              </a:rPr>
+              <a:t>40</a:t>
             </a:r>
             <a:r>
               <a:rPr kumimoji="1" lang="zh-TW" altLang="en-US" sz="2000" b="1" dirty="0">
@@ -26149,7 +20224,7 @@
                 <a:ea typeface="微軟正黑體" panose="020B0604030504040204" pitchFamily="34" charset="-120"/>
                 <a:sym typeface="+mn-ea"/>
               </a:rPr>
-              <a:t>3.9%</a:t>
+              <a:t>3.9~4.0%</a:t>
             </a:r>
             <a:r>
               <a:rPr kumimoji="1" lang="zh-TW" altLang="en-US" sz="2000" b="1" dirty="0" smtClean="0">
@@ -26185,7 +20260,7 @@
               <a:t>TWD </a:t>
             </a:r>
             <a:r>
-              <a:rPr kumimoji="1" lang="en-US" altLang="zh-TW" sz="2000" b="1" dirty="0" smtClean="0">
+              <a:rPr kumimoji="1" lang="en-US" altLang="zh-TW" sz="2000" b="1" dirty="0">
                 <a:solidFill>
                   <a:srgbClr val="FF0000"/>
                 </a:solidFill>
@@ -26193,7 +20268,7 @@
                 <a:ea typeface="微軟正黑體" panose="020B0604030504040204" pitchFamily="34" charset="-120"/>
                 <a:sym typeface="+mn-ea"/>
               </a:rPr>
-              <a:t>2,0</a:t>
+              <a:t>1</a:t>
             </a:r>
             <a:r>
               <a:rPr kumimoji="1" lang="en-US" altLang="zh-TW" sz="2000" b="1" dirty="0" smtClean="0">
@@ -26204,1313 +20279,7 @@
                 <a:ea typeface="微軟正黑體" panose="020B0604030504040204" pitchFamily="34" charset="-120"/>
                 <a:sym typeface="+mn-ea"/>
               </a:rPr>
-              <a:t>00</a:t>
-            </a:r>
-            <a:r>
-              <a:rPr kumimoji="1" lang="zh-TW" altLang="en-US" sz="2000" b="1" dirty="0">
-                <a:solidFill>
-                  <a:srgbClr val="FF0000"/>
-                </a:solidFill>
-                <a:latin typeface="微軟正黑體" panose="020B0604030504040204" pitchFamily="34" charset="-120"/>
-                <a:ea typeface="微軟正黑體" panose="020B0604030504040204" pitchFamily="34" charset="-120"/>
-                <a:sym typeface="+mn-ea"/>
-              </a:rPr>
-              <a:t>萬</a:t>
-            </a:r>
-          </a:p>
-        </p:txBody>
-      </p:sp>
-      <p:grpSp>
-        <p:nvGrpSpPr>
-          <p:cNvPr id="38" name="群組 37"/>
-          <p:cNvGrpSpPr/>
-          <p:nvPr/>
-        </p:nvGrpSpPr>
-        <p:grpSpPr>
-          <a:xfrm>
-            <a:off x="1537336" y="1057276"/>
-            <a:ext cx="9022715" cy="4140835"/>
-            <a:chOff x="87" y="1625"/>
-            <a:chExt cx="14209" cy="7738"/>
-          </a:xfrm>
-        </p:grpSpPr>
-        <p:graphicFrame>
-          <p:nvGraphicFramePr>
-            <p:cNvPr id="4" name="物件 3">
-              <a:hlinkClick r:id="" action="ppaction://ole?verb=0"/>
-            </p:cNvPr>
-            <p:cNvGraphicFramePr>
-              <a:graphicFrameLocks noChangeAspect="1"/>
-            </p:cNvGraphicFramePr>
-            <p:nvPr/>
-          </p:nvGraphicFramePr>
-          <p:xfrm>
-            <a:off x="6480" y="5230"/>
-            <a:ext cx="1440" cy="340"/>
-          </p:xfrm>
-          <a:graphic>
-            <a:graphicData uri="http://schemas.openxmlformats.org/presentationml/2006/ole">
-              <mc:AlternateContent xmlns:mc="http://schemas.openxmlformats.org/markup-compatibility/2006">
-                <mc:Choice xmlns:v="urn:schemas-microsoft-com:vml" Requires="v">
-                  <p:oleObj spid="_x0000_s12305" r:id="rId4" imgW="914400" imgH="215900" progId="Equation.KSEE3">
-                    <p:embed/>
-                  </p:oleObj>
-                </mc:Choice>
-                <mc:Fallback>
-                  <p:oleObj r:id="rId4" imgW="914400" imgH="215900" progId="Equation.KSEE3">
-                    <p:embed/>
-                    <p:pic>
-                      <p:nvPicPr>
-                        <p:cNvPr id="4" name="物件 3">
-                          <a:hlinkClick r:id="" action="ppaction://ole?verb=0"/>
-                        </p:cNvPr>
-                        <p:cNvPicPr/>
-                        <p:nvPr/>
-                      </p:nvPicPr>
-                      <p:blipFill>
-                        <a:blip r:embed="rId5"/>
-                        <a:stretch>
-                          <a:fillRect/>
-                        </a:stretch>
-                      </p:blipFill>
-                      <p:spPr>
-                        <a:xfrm>
-                          <a:off x="6480" y="5230"/>
-                          <a:ext cx="1440" cy="340"/>
-                        </a:xfrm>
-                        <a:prstGeom prst="rect">
-                          <a:avLst/>
-                        </a:prstGeom>
-                      </p:spPr>
-                    </p:pic>
-                  </p:oleObj>
-                </mc:Fallback>
-              </mc:AlternateContent>
-            </a:graphicData>
-          </a:graphic>
-        </p:graphicFrame>
-        <p:grpSp>
-          <p:nvGrpSpPr>
-            <p:cNvPr id="21" name="群組 20"/>
-            <p:cNvGrpSpPr/>
-            <p:nvPr/>
-          </p:nvGrpSpPr>
-          <p:grpSpPr>
-            <a:xfrm>
-              <a:off x="87" y="1625"/>
-              <a:ext cx="14209" cy="7738"/>
-              <a:chOff x="87" y="1628"/>
-              <a:chExt cx="14209" cy="7858"/>
-            </a:xfrm>
-          </p:grpSpPr>
-          <p:graphicFrame>
-            <p:nvGraphicFramePr>
-              <p:cNvPr id="13" name="圖表 12"/>
-              <p:cNvGraphicFramePr/>
-              <p:nvPr>
-                <p:extLst/>
-              </p:nvPr>
-            </p:nvGraphicFramePr>
-            <p:xfrm>
-              <a:off x="87" y="1628"/>
-              <a:ext cx="14209" cy="7858"/>
-            </p:xfrm>
-            <a:graphic>
-              <a:graphicData uri="http://schemas.openxmlformats.org/drawingml/2006/chart">
-                <c:chart xmlns:c="http://schemas.openxmlformats.org/drawingml/2006/chart" xmlns:r="http://schemas.openxmlformats.org/officeDocument/2006/relationships" r:id="rId6"/>
-              </a:graphicData>
-            </a:graphic>
-          </p:graphicFrame>
-          <p:sp>
-            <p:nvSpPr>
-              <p:cNvPr id="14" name="矩形 13"/>
-              <p:cNvSpPr/>
-              <p:nvPr/>
-            </p:nvSpPr>
-            <p:spPr bwMode="auto">
-              <a:xfrm>
-                <a:off x="5724" y="2290"/>
-                <a:ext cx="155" cy="6143"/>
-              </a:xfrm>
-              <a:prstGeom prst="rect">
-                <a:avLst/>
-              </a:prstGeom>
-              <a:solidFill>
-                <a:srgbClr val="92D050">
-                  <a:alpha val="40000"/>
-                </a:srgbClr>
-              </a:solidFill>
-              <a:ln>
-                <a:noFill/>
-              </a:ln>
-              <a:effectLst/>
-            </p:spPr>
-            <p:txBody>
-              <a:bodyPr vert="horz" wrap="square" lIns="91440" tIns="45720" rIns="91440" bIns="45720" numCol="1" rtlCol="0" anchor="t" anchorCtr="0" compatLnSpc="1"/>
-              <a:lstStyle>
-                <a:defPPr>
-                  <a:defRPr lang="zh-TW"/>
-                </a:defPPr>
-                <a:lvl1pPr marL="0" algn="l" defTabSz="914400" rtl="0" eaLnBrk="1" latinLnBrk="0" hangingPunct="1">
-                  <a:defRPr sz="1100">
-                    <a:latin typeface="Calibri" panose="020F0502020204030204" pitchFamily="34" charset="0"/>
-                    <a:ea typeface="+mn-ea"/>
-                    <a:cs typeface="+mn-ea"/>
-                  </a:defRPr>
-                </a:lvl1pPr>
-                <a:lvl2pPr marL="457200" algn="l" defTabSz="914400" rtl="0" eaLnBrk="1" latinLnBrk="0" hangingPunct="1">
-                  <a:defRPr sz="1100">
-                    <a:latin typeface="Calibri" panose="020F0502020204030204" pitchFamily="34" charset="0"/>
-                    <a:ea typeface="+mn-ea"/>
-                    <a:cs typeface="+mn-ea"/>
-                  </a:defRPr>
-                </a:lvl2pPr>
-                <a:lvl3pPr marL="914400" algn="l" defTabSz="914400" rtl="0" eaLnBrk="1" latinLnBrk="0" hangingPunct="1">
-                  <a:defRPr sz="1100">
-                    <a:latin typeface="Calibri" panose="020F0502020204030204" pitchFamily="34" charset="0"/>
-                    <a:ea typeface="+mn-ea"/>
-                    <a:cs typeface="+mn-ea"/>
-                  </a:defRPr>
-                </a:lvl3pPr>
-                <a:lvl4pPr marL="1371600" algn="l" defTabSz="914400" rtl="0" eaLnBrk="1" latinLnBrk="0" hangingPunct="1">
-                  <a:defRPr sz="1100">
-                    <a:latin typeface="Calibri" panose="020F0502020204030204" pitchFamily="34" charset="0"/>
-                    <a:ea typeface="+mn-ea"/>
-                    <a:cs typeface="+mn-ea"/>
-                  </a:defRPr>
-                </a:lvl4pPr>
-                <a:lvl5pPr marL="1828800" algn="l" defTabSz="914400" rtl="0" eaLnBrk="1" latinLnBrk="0" hangingPunct="1">
-                  <a:defRPr sz="1100">
-                    <a:latin typeface="Calibri" panose="020F0502020204030204" pitchFamily="34" charset="0"/>
-                    <a:ea typeface="+mn-ea"/>
-                    <a:cs typeface="+mn-ea"/>
-                  </a:defRPr>
-                </a:lvl5pPr>
-                <a:lvl6pPr marL="2286000" algn="l" defTabSz="914400" rtl="0" eaLnBrk="1" latinLnBrk="0" hangingPunct="1">
-                  <a:defRPr sz="1100">
-                    <a:latin typeface="Calibri" panose="020F0502020204030204" pitchFamily="34" charset="0"/>
-                    <a:ea typeface="+mn-ea"/>
-                    <a:cs typeface="+mn-ea"/>
-                  </a:defRPr>
-                </a:lvl6pPr>
-                <a:lvl7pPr marL="2743200" algn="l" defTabSz="914400" rtl="0" eaLnBrk="1" latinLnBrk="0" hangingPunct="1">
-                  <a:defRPr sz="1100">
-                    <a:latin typeface="Calibri" panose="020F0502020204030204" pitchFamily="34" charset="0"/>
-                    <a:ea typeface="+mn-ea"/>
-                    <a:cs typeface="+mn-ea"/>
-                  </a:defRPr>
-                </a:lvl7pPr>
-                <a:lvl8pPr marL="3200400" algn="l" defTabSz="914400" rtl="0" eaLnBrk="1" latinLnBrk="0" hangingPunct="1">
-                  <a:defRPr sz="1100">
-                    <a:latin typeface="Calibri" panose="020F0502020204030204" pitchFamily="34" charset="0"/>
-                    <a:ea typeface="+mn-ea"/>
-                    <a:cs typeface="+mn-ea"/>
-                  </a:defRPr>
-                </a:lvl8pPr>
-                <a:lvl9pPr marL="3657600" algn="l" defTabSz="914400" rtl="0" eaLnBrk="1" latinLnBrk="0" hangingPunct="1">
-                  <a:defRPr sz="1100">
-                    <a:latin typeface="Calibri" panose="020F0502020204030204" pitchFamily="34" charset="0"/>
-                    <a:ea typeface="+mn-ea"/>
-                    <a:cs typeface="+mn-ea"/>
-                  </a:defRPr>
-                </a:lvl9pPr>
-              </a:lstStyle>
-              <a:p>
-                <a:pPr marL="342900" indent="-342900" fontAlgn="base">
-                  <a:spcBef>
-                    <a:spcPct val="20000"/>
-                  </a:spcBef>
-                  <a:spcAft>
-                    <a:spcPct val="0"/>
-                  </a:spcAft>
-                  <a:buClr>
-                    <a:srgbClr val="FF3300"/>
-                  </a:buClr>
-                </a:pPr>
-                <a:endParaRPr kumimoji="1" lang="zh-TW" altLang="en-US" sz="2400" b="1" dirty="0">
-                  <a:solidFill>
-                    <a:sysClr val="windowText" lastClr="000000"/>
-                  </a:solidFill>
-                  <a:latin typeface="Arial" panose="020B0604020202020204" pitchFamily="34" charset="0"/>
-                </a:endParaRPr>
-              </a:p>
-            </p:txBody>
-          </p:sp>
-          <p:sp>
-            <p:nvSpPr>
-              <p:cNvPr id="15" name="矩形 14"/>
-              <p:cNvSpPr/>
-              <p:nvPr/>
-            </p:nvSpPr>
-            <p:spPr>
-              <a:xfrm>
-                <a:off x="6686" y="2290"/>
-                <a:ext cx="130" cy="6143"/>
-              </a:xfrm>
-              <a:prstGeom prst="rect">
-                <a:avLst/>
-              </a:prstGeom>
-              <a:solidFill>
-                <a:srgbClr val="92D050">
-                  <a:alpha val="40000"/>
-                </a:srgbClr>
-              </a:solidFill>
-              <a:ln>
-                <a:noFill/>
-              </a:ln>
-              <a:effectLst/>
-            </p:spPr>
-            <p:txBody>
-              <a:bodyPr vert="horz" wrap="square" lIns="91440" tIns="45720" rIns="91440" bIns="45720" numCol="1" rtlCol="0" anchor="t" anchorCtr="0" compatLnSpc="1"/>
-              <a:lstStyle>
-                <a:defPPr>
-                  <a:defRPr lang="zh-TW"/>
-                </a:defPPr>
-                <a:lvl1pPr marL="0" algn="l" defTabSz="914400" rtl="0" eaLnBrk="1" latinLnBrk="0" hangingPunct="1">
-                  <a:defRPr sz="1100">
-                    <a:latin typeface="Calibri" panose="020F0502020204030204" pitchFamily="34" charset="0"/>
-                    <a:ea typeface="+mn-ea"/>
-                    <a:cs typeface="+mn-ea"/>
-                  </a:defRPr>
-                </a:lvl1pPr>
-                <a:lvl2pPr marL="457200" algn="l" defTabSz="914400" rtl="0" eaLnBrk="1" latinLnBrk="0" hangingPunct="1">
-                  <a:defRPr sz="1100">
-                    <a:latin typeface="Calibri" panose="020F0502020204030204" pitchFamily="34" charset="0"/>
-                    <a:ea typeface="+mn-ea"/>
-                    <a:cs typeface="+mn-ea"/>
-                  </a:defRPr>
-                </a:lvl2pPr>
-                <a:lvl3pPr marL="914400" algn="l" defTabSz="914400" rtl="0" eaLnBrk="1" latinLnBrk="0" hangingPunct="1">
-                  <a:defRPr sz="1100">
-                    <a:latin typeface="Calibri" panose="020F0502020204030204" pitchFamily="34" charset="0"/>
-                    <a:ea typeface="+mn-ea"/>
-                    <a:cs typeface="+mn-ea"/>
-                  </a:defRPr>
-                </a:lvl3pPr>
-                <a:lvl4pPr marL="1371600" algn="l" defTabSz="914400" rtl="0" eaLnBrk="1" latinLnBrk="0" hangingPunct="1">
-                  <a:defRPr sz="1100">
-                    <a:latin typeface="Calibri" panose="020F0502020204030204" pitchFamily="34" charset="0"/>
-                    <a:ea typeface="+mn-ea"/>
-                    <a:cs typeface="+mn-ea"/>
-                  </a:defRPr>
-                </a:lvl4pPr>
-                <a:lvl5pPr marL="1828800" algn="l" defTabSz="914400" rtl="0" eaLnBrk="1" latinLnBrk="0" hangingPunct="1">
-                  <a:defRPr sz="1100">
-                    <a:latin typeface="Calibri" panose="020F0502020204030204" pitchFamily="34" charset="0"/>
-                    <a:ea typeface="+mn-ea"/>
-                    <a:cs typeface="+mn-ea"/>
-                  </a:defRPr>
-                </a:lvl5pPr>
-                <a:lvl6pPr marL="2286000" algn="l" defTabSz="914400" rtl="0" eaLnBrk="1" latinLnBrk="0" hangingPunct="1">
-                  <a:defRPr sz="1100">
-                    <a:latin typeface="Calibri" panose="020F0502020204030204" pitchFamily="34" charset="0"/>
-                    <a:ea typeface="+mn-ea"/>
-                    <a:cs typeface="+mn-ea"/>
-                  </a:defRPr>
-                </a:lvl6pPr>
-                <a:lvl7pPr marL="2743200" algn="l" defTabSz="914400" rtl="0" eaLnBrk="1" latinLnBrk="0" hangingPunct="1">
-                  <a:defRPr sz="1100">
-                    <a:latin typeface="Calibri" panose="020F0502020204030204" pitchFamily="34" charset="0"/>
-                    <a:ea typeface="+mn-ea"/>
-                    <a:cs typeface="+mn-ea"/>
-                  </a:defRPr>
-                </a:lvl7pPr>
-                <a:lvl8pPr marL="3200400" algn="l" defTabSz="914400" rtl="0" eaLnBrk="1" latinLnBrk="0" hangingPunct="1">
-                  <a:defRPr sz="1100">
-                    <a:latin typeface="Calibri" panose="020F0502020204030204" pitchFamily="34" charset="0"/>
-                    <a:ea typeface="+mn-ea"/>
-                    <a:cs typeface="+mn-ea"/>
-                  </a:defRPr>
-                </a:lvl8pPr>
-                <a:lvl9pPr marL="3657600" algn="l" defTabSz="914400" rtl="0" eaLnBrk="1" latinLnBrk="0" hangingPunct="1">
-                  <a:defRPr sz="1100">
-                    <a:latin typeface="Calibri" panose="020F0502020204030204" pitchFamily="34" charset="0"/>
-                    <a:ea typeface="+mn-ea"/>
-                    <a:cs typeface="+mn-ea"/>
-                  </a:defRPr>
-                </a:lvl9pPr>
-              </a:lstStyle>
-              <a:p>
-                <a:pPr marL="342900" indent="-342900" fontAlgn="base">
-                  <a:spcBef>
-                    <a:spcPct val="20000"/>
-                  </a:spcBef>
-                  <a:spcAft>
-                    <a:spcPct val="0"/>
-                  </a:spcAft>
-                  <a:buClr>
-                    <a:srgbClr val="FF3300"/>
-                  </a:buClr>
-                </a:pPr>
-                <a:endParaRPr kumimoji="1" lang="zh-TW" altLang="en-US" sz="2400" b="1" dirty="0">
-                  <a:solidFill>
-                    <a:sysClr val="windowText" lastClr="000000"/>
-                  </a:solidFill>
-                  <a:latin typeface="Arial" panose="020B0604020202020204" pitchFamily="34" charset="0"/>
-                </a:endParaRPr>
-              </a:p>
-            </p:txBody>
-          </p:sp>
-          <p:sp>
-            <p:nvSpPr>
-              <p:cNvPr id="16" name="矩形 15"/>
-              <p:cNvSpPr/>
-              <p:nvPr/>
-            </p:nvSpPr>
-            <p:spPr>
-              <a:xfrm>
-                <a:off x="10079" y="2290"/>
-                <a:ext cx="145" cy="6143"/>
-              </a:xfrm>
-              <a:prstGeom prst="rect">
-                <a:avLst/>
-              </a:prstGeom>
-              <a:solidFill>
-                <a:srgbClr val="92D050">
-                  <a:alpha val="40000"/>
-                </a:srgbClr>
-              </a:solidFill>
-              <a:ln>
-                <a:noFill/>
-              </a:ln>
-              <a:effectLst/>
-            </p:spPr>
-            <p:txBody>
-              <a:bodyPr vert="horz" wrap="square" lIns="91440" tIns="45720" rIns="91440" bIns="45720" numCol="1" rtlCol="0" anchor="t" anchorCtr="0" compatLnSpc="1"/>
-              <a:lstStyle>
-                <a:defPPr>
-                  <a:defRPr lang="zh-TW"/>
-                </a:defPPr>
-                <a:lvl1pPr marL="0" algn="l" defTabSz="914400" rtl="0" eaLnBrk="1" latinLnBrk="0" hangingPunct="1">
-                  <a:defRPr sz="1100">
-                    <a:latin typeface="Calibri" panose="020F0502020204030204" pitchFamily="34" charset="0"/>
-                    <a:ea typeface="+mn-ea"/>
-                    <a:cs typeface="+mn-ea"/>
-                  </a:defRPr>
-                </a:lvl1pPr>
-                <a:lvl2pPr marL="457200" algn="l" defTabSz="914400" rtl="0" eaLnBrk="1" latinLnBrk="0" hangingPunct="1">
-                  <a:defRPr sz="1100">
-                    <a:latin typeface="Calibri" panose="020F0502020204030204" pitchFamily="34" charset="0"/>
-                    <a:ea typeface="+mn-ea"/>
-                    <a:cs typeface="+mn-ea"/>
-                  </a:defRPr>
-                </a:lvl2pPr>
-                <a:lvl3pPr marL="914400" algn="l" defTabSz="914400" rtl="0" eaLnBrk="1" latinLnBrk="0" hangingPunct="1">
-                  <a:defRPr sz="1100">
-                    <a:latin typeface="Calibri" panose="020F0502020204030204" pitchFamily="34" charset="0"/>
-                    <a:ea typeface="+mn-ea"/>
-                    <a:cs typeface="+mn-ea"/>
-                  </a:defRPr>
-                </a:lvl3pPr>
-                <a:lvl4pPr marL="1371600" algn="l" defTabSz="914400" rtl="0" eaLnBrk="1" latinLnBrk="0" hangingPunct="1">
-                  <a:defRPr sz="1100">
-                    <a:latin typeface="Calibri" panose="020F0502020204030204" pitchFamily="34" charset="0"/>
-                    <a:ea typeface="+mn-ea"/>
-                    <a:cs typeface="+mn-ea"/>
-                  </a:defRPr>
-                </a:lvl4pPr>
-                <a:lvl5pPr marL="1828800" algn="l" defTabSz="914400" rtl="0" eaLnBrk="1" latinLnBrk="0" hangingPunct="1">
-                  <a:defRPr sz="1100">
-                    <a:latin typeface="Calibri" panose="020F0502020204030204" pitchFamily="34" charset="0"/>
-                    <a:ea typeface="+mn-ea"/>
-                    <a:cs typeface="+mn-ea"/>
-                  </a:defRPr>
-                </a:lvl5pPr>
-                <a:lvl6pPr marL="2286000" algn="l" defTabSz="914400" rtl="0" eaLnBrk="1" latinLnBrk="0" hangingPunct="1">
-                  <a:defRPr sz="1100">
-                    <a:latin typeface="Calibri" panose="020F0502020204030204" pitchFamily="34" charset="0"/>
-                    <a:ea typeface="+mn-ea"/>
-                    <a:cs typeface="+mn-ea"/>
-                  </a:defRPr>
-                </a:lvl6pPr>
-                <a:lvl7pPr marL="2743200" algn="l" defTabSz="914400" rtl="0" eaLnBrk="1" latinLnBrk="0" hangingPunct="1">
-                  <a:defRPr sz="1100">
-                    <a:latin typeface="Calibri" panose="020F0502020204030204" pitchFamily="34" charset="0"/>
-                    <a:ea typeface="+mn-ea"/>
-                    <a:cs typeface="+mn-ea"/>
-                  </a:defRPr>
-                </a:lvl7pPr>
-                <a:lvl8pPr marL="3200400" algn="l" defTabSz="914400" rtl="0" eaLnBrk="1" latinLnBrk="0" hangingPunct="1">
-                  <a:defRPr sz="1100">
-                    <a:latin typeface="Calibri" panose="020F0502020204030204" pitchFamily="34" charset="0"/>
-                    <a:ea typeface="+mn-ea"/>
-                    <a:cs typeface="+mn-ea"/>
-                  </a:defRPr>
-                </a:lvl8pPr>
-                <a:lvl9pPr marL="3657600" algn="l" defTabSz="914400" rtl="0" eaLnBrk="1" latinLnBrk="0" hangingPunct="1">
-                  <a:defRPr sz="1100">
-                    <a:latin typeface="Calibri" panose="020F0502020204030204" pitchFamily="34" charset="0"/>
-                    <a:ea typeface="+mn-ea"/>
-                    <a:cs typeface="+mn-ea"/>
-                  </a:defRPr>
-                </a:lvl9pPr>
-              </a:lstStyle>
-              <a:p>
-                <a:pPr marL="342900" indent="-342900" fontAlgn="base">
-                  <a:spcBef>
-                    <a:spcPct val="20000"/>
-                  </a:spcBef>
-                  <a:spcAft>
-                    <a:spcPct val="0"/>
-                  </a:spcAft>
-                  <a:buClr>
-                    <a:srgbClr val="FF3300"/>
-                  </a:buClr>
-                </a:pPr>
-                <a:endParaRPr kumimoji="1" lang="zh-TW" altLang="en-US" sz="2400" b="1" dirty="0">
-                  <a:solidFill>
-                    <a:sysClr val="windowText" lastClr="000000"/>
-                  </a:solidFill>
-                  <a:latin typeface="Arial" panose="020B0604020202020204" pitchFamily="34" charset="0"/>
-                </a:endParaRPr>
-              </a:p>
-            </p:txBody>
-          </p:sp>
-          <p:sp>
-            <p:nvSpPr>
-              <p:cNvPr id="17" name="矩形 16"/>
-              <p:cNvSpPr/>
-              <p:nvPr/>
-            </p:nvSpPr>
-            <p:spPr>
-              <a:xfrm>
-                <a:off x="150" y="4176"/>
-                <a:ext cx="13908" cy="168"/>
-              </a:xfrm>
-              <a:prstGeom prst="rect">
-                <a:avLst/>
-              </a:prstGeom>
-              <a:solidFill>
-                <a:srgbClr val="FF0000">
-                  <a:alpha val="40000"/>
-                </a:srgbClr>
-              </a:solidFill>
-              <a:ln>
-                <a:noFill/>
-              </a:ln>
-              <a:effectLst/>
-            </p:spPr>
-            <p:txBody>
-              <a:bodyPr vert="horz" wrap="square" lIns="91440" tIns="45720" rIns="91440" bIns="45720" numCol="1" rtlCol="0" anchor="t" anchorCtr="0" compatLnSpc="1"/>
-              <a:lstStyle>
-                <a:defPPr>
-                  <a:defRPr lang="zh-TW"/>
-                </a:defPPr>
-                <a:lvl1pPr marL="0" algn="l" defTabSz="914400" rtl="0" eaLnBrk="1" latinLnBrk="0" hangingPunct="1">
-                  <a:defRPr sz="1100">
-                    <a:latin typeface="Calibri" panose="020F0502020204030204" pitchFamily="34" charset="0"/>
-                    <a:ea typeface="+mn-ea"/>
-                    <a:cs typeface="+mn-ea"/>
-                  </a:defRPr>
-                </a:lvl1pPr>
-                <a:lvl2pPr marL="457200" algn="l" defTabSz="914400" rtl="0" eaLnBrk="1" latinLnBrk="0" hangingPunct="1">
-                  <a:defRPr sz="1100">
-                    <a:latin typeface="Calibri" panose="020F0502020204030204" pitchFamily="34" charset="0"/>
-                    <a:ea typeface="+mn-ea"/>
-                    <a:cs typeface="+mn-ea"/>
-                  </a:defRPr>
-                </a:lvl2pPr>
-                <a:lvl3pPr marL="914400" algn="l" defTabSz="914400" rtl="0" eaLnBrk="1" latinLnBrk="0" hangingPunct="1">
-                  <a:defRPr sz="1100">
-                    <a:latin typeface="Calibri" panose="020F0502020204030204" pitchFamily="34" charset="0"/>
-                    <a:ea typeface="+mn-ea"/>
-                    <a:cs typeface="+mn-ea"/>
-                  </a:defRPr>
-                </a:lvl3pPr>
-                <a:lvl4pPr marL="1371600" algn="l" defTabSz="914400" rtl="0" eaLnBrk="1" latinLnBrk="0" hangingPunct="1">
-                  <a:defRPr sz="1100">
-                    <a:latin typeface="Calibri" panose="020F0502020204030204" pitchFamily="34" charset="0"/>
-                    <a:ea typeface="+mn-ea"/>
-                    <a:cs typeface="+mn-ea"/>
-                  </a:defRPr>
-                </a:lvl4pPr>
-                <a:lvl5pPr marL="1828800" algn="l" defTabSz="914400" rtl="0" eaLnBrk="1" latinLnBrk="0" hangingPunct="1">
-                  <a:defRPr sz="1100">
-                    <a:latin typeface="Calibri" panose="020F0502020204030204" pitchFamily="34" charset="0"/>
-                    <a:ea typeface="+mn-ea"/>
-                    <a:cs typeface="+mn-ea"/>
-                  </a:defRPr>
-                </a:lvl5pPr>
-                <a:lvl6pPr marL="2286000" algn="l" defTabSz="914400" rtl="0" eaLnBrk="1" latinLnBrk="0" hangingPunct="1">
-                  <a:defRPr sz="1100">
-                    <a:latin typeface="Calibri" panose="020F0502020204030204" pitchFamily="34" charset="0"/>
-                    <a:ea typeface="+mn-ea"/>
-                    <a:cs typeface="+mn-ea"/>
-                  </a:defRPr>
-                </a:lvl6pPr>
-                <a:lvl7pPr marL="2743200" algn="l" defTabSz="914400" rtl="0" eaLnBrk="1" latinLnBrk="0" hangingPunct="1">
-                  <a:defRPr sz="1100">
-                    <a:latin typeface="Calibri" panose="020F0502020204030204" pitchFamily="34" charset="0"/>
-                    <a:ea typeface="+mn-ea"/>
-                    <a:cs typeface="+mn-ea"/>
-                  </a:defRPr>
-                </a:lvl7pPr>
-                <a:lvl8pPr marL="3200400" algn="l" defTabSz="914400" rtl="0" eaLnBrk="1" latinLnBrk="0" hangingPunct="1">
-                  <a:defRPr sz="1100">
-                    <a:latin typeface="Calibri" panose="020F0502020204030204" pitchFamily="34" charset="0"/>
-                    <a:ea typeface="+mn-ea"/>
-                    <a:cs typeface="+mn-ea"/>
-                  </a:defRPr>
-                </a:lvl8pPr>
-                <a:lvl9pPr marL="3657600" algn="l" defTabSz="914400" rtl="0" eaLnBrk="1" latinLnBrk="0" hangingPunct="1">
-                  <a:defRPr sz="1100">
-                    <a:latin typeface="Calibri" panose="020F0502020204030204" pitchFamily="34" charset="0"/>
-                    <a:ea typeface="+mn-ea"/>
-                    <a:cs typeface="+mn-ea"/>
-                  </a:defRPr>
-                </a:lvl9pPr>
-              </a:lstStyle>
-              <a:p>
-                <a:pPr marL="342900" indent="-342900" fontAlgn="base">
-                  <a:spcBef>
-                    <a:spcPct val="20000"/>
-                  </a:spcBef>
-                  <a:spcAft>
-                    <a:spcPct val="0"/>
-                  </a:spcAft>
-                  <a:buClr>
-                    <a:srgbClr val="FF3300"/>
-                  </a:buClr>
-                </a:pPr>
-                <a:endParaRPr kumimoji="1" lang="zh-TW" altLang="en-US" sz="2400" b="1" dirty="0">
-                  <a:solidFill>
-                    <a:sysClr val="windowText" lastClr="000000"/>
-                  </a:solidFill>
-                  <a:latin typeface="Arial" panose="020B0604020202020204" pitchFamily="34" charset="0"/>
-                </a:endParaRPr>
-              </a:p>
-            </p:txBody>
-          </p:sp>
-        </p:grpSp>
-        <p:sp>
-          <p:nvSpPr>
-            <p:cNvPr id="23" name="向上箭號 22"/>
-            <p:cNvSpPr/>
-            <p:nvPr/>
-          </p:nvSpPr>
-          <p:spPr bwMode="auto">
-            <a:xfrm rot="6957638">
-              <a:off x="6813" y="5485"/>
-              <a:ext cx="349" cy="2667"/>
-            </a:xfrm>
-            <a:prstGeom prst="upArrow">
-              <a:avLst/>
-            </a:prstGeom>
-            <a:solidFill>
-              <a:srgbClr val="FF0000"/>
-            </a:solidFill>
-            <a:ln>
-              <a:noFill/>
-            </a:ln>
-            <a:effectLst/>
-          </p:spPr>
-          <p:txBody>
-            <a:bodyPr vert="horz" wrap="square" lIns="91440" tIns="45720" rIns="91440" bIns="45720" numCol="1" rtlCol="0" anchor="t" anchorCtr="0" compatLnSpc="1"/>
-            <a:lstStyle/>
-            <a:p>
-              <a:pPr marL="342900" indent="-342900" fontAlgn="base">
-                <a:spcBef>
-                  <a:spcPct val="20000"/>
-                </a:spcBef>
-                <a:spcAft>
-                  <a:spcPct val="0"/>
-                </a:spcAft>
-                <a:buClr>
-                  <a:srgbClr val="FF3300"/>
-                </a:buClr>
-              </a:pPr>
-              <a:endParaRPr kumimoji="1" lang="zh-TW" altLang="en-US" sz="2400" b="1">
-                <a:solidFill>
-                  <a:prstClr val="black"/>
-                </a:solidFill>
-              </a:endParaRPr>
-            </a:p>
-          </p:txBody>
-        </p:sp>
-        <p:sp>
-          <p:nvSpPr>
-            <p:cNvPr id="24" name="向上箭號 23"/>
-            <p:cNvSpPr/>
-            <p:nvPr/>
-          </p:nvSpPr>
-          <p:spPr bwMode="auto">
-            <a:xfrm rot="8940000">
-              <a:off x="10331" y="5799"/>
-              <a:ext cx="304" cy="2253"/>
-            </a:xfrm>
-            <a:prstGeom prst="upArrow">
-              <a:avLst/>
-            </a:prstGeom>
-            <a:solidFill>
-              <a:srgbClr val="FF0000"/>
-            </a:solidFill>
-            <a:ln>
-              <a:noFill/>
-            </a:ln>
-            <a:effectLst/>
-          </p:spPr>
-          <p:txBody>
-            <a:bodyPr vert="horz" wrap="square" lIns="91440" tIns="45720" rIns="91440" bIns="45720" numCol="1" rtlCol="0" anchor="t" anchorCtr="0" compatLnSpc="1"/>
-            <a:lstStyle/>
-            <a:p>
-              <a:pPr marL="342900" indent="-342900" fontAlgn="base">
-                <a:spcBef>
-                  <a:spcPct val="20000"/>
-                </a:spcBef>
-                <a:spcAft>
-                  <a:spcPct val="0"/>
-                </a:spcAft>
-                <a:buClr>
-                  <a:srgbClr val="FF3300"/>
-                </a:buClr>
-              </a:pPr>
-              <a:endParaRPr kumimoji="1" lang="zh-TW" altLang="en-US" sz="2400" b="1">
-                <a:solidFill>
-                  <a:prstClr val="black"/>
-                </a:solidFill>
-              </a:endParaRPr>
-            </a:p>
-          </p:txBody>
-        </p:sp>
-      </p:grpSp>
-    </p:spTree>
-    <p:extLst>
-      <p:ext uri="{BB962C8B-B14F-4D97-AF65-F5344CB8AC3E}">
-        <p14:creationId xmlns:p14="http://schemas.microsoft.com/office/powerpoint/2010/main" val="4288727363"/>
-      </p:ext>
-    </p:extLst>
-  </p:cSld>
-  <p:clrMapOvr>
-    <a:masterClrMapping/>
-  </p:clrMapOvr>
-  <p:timing>
-    <p:tnLst>
-      <p:par>
-        <p:cTn id="1" dur="indefinite" restart="never" nodeType="tmRoot"/>
-      </p:par>
-    </p:tnLst>
-  </p:timing>
-</p:sld>
-</file>
-
-<file path=ppt/slides/slide12.xml><?xml version="1.0" encoding="utf-8"?>
-<p:sld xmlns:a="http://schemas.openxmlformats.org/drawingml/2006/main" xmlns:r="http://schemas.openxmlformats.org/officeDocument/2006/relationships" xmlns:p="http://schemas.openxmlformats.org/presentationml/2006/main">
-  <p:cSld>
-    <p:spTree>
-      <p:nvGrpSpPr>
-        <p:cNvPr id="1" name=""/>
-        <p:cNvGrpSpPr/>
-        <p:nvPr/>
-      </p:nvGrpSpPr>
-      <p:grpSpPr>
-        <a:xfrm>
-          <a:off x="0" y="0"/>
-          <a:ext cx="0" cy="0"/>
-          <a:chOff x="0" y="0"/>
-          <a:chExt cx="0" cy="0"/>
-        </a:xfrm>
-      </p:grpSpPr>
-      <p:sp>
-        <p:nvSpPr>
-          <p:cNvPr id="7171" name="標題 1"/>
-          <p:cNvSpPr>
-            <a:spLocks noGrp="1" noChangeArrowheads="1"/>
-          </p:cNvSpPr>
-          <p:nvPr>
-            <p:ph type="title"/>
-          </p:nvPr>
-        </p:nvSpPr>
-        <p:spPr>
-          <a:xfrm>
-            <a:off x="819509" y="274638"/>
-            <a:ext cx="10739887" cy="633412"/>
-          </a:xfrm>
-        </p:spPr>
-        <p:txBody>
-          <a:bodyPr/>
-          <a:lstStyle/>
-          <a:p>
-            <a:pPr algn="ctr">
-              <a:spcBef>
-                <a:spcPts val="450"/>
-              </a:spcBef>
-            </a:pPr>
-            <a:r>
-              <a:rPr lang="en-US" altLang="zh-TW" sz="3200" dirty="0" smtClean="0">
-                <a:solidFill>
-                  <a:srgbClr val="FF0000"/>
-                </a:solidFill>
-                <a:latin typeface="微軟正黑體" panose="020B0604030504040204" pitchFamily="34" charset="-120"/>
-                <a:ea typeface="微軟正黑體" panose="020B0604030504040204" pitchFamily="34" charset="-120"/>
-                <a:sym typeface="+mn-ea"/>
-              </a:rPr>
-              <a:t>C.</a:t>
-            </a:r>
-            <a:r>
-              <a:rPr lang="zh-TW" altLang="en-US" sz="3200" dirty="0" smtClean="0">
-                <a:solidFill>
-                  <a:schemeClr val="tx1"/>
-                </a:solidFill>
-                <a:latin typeface="微軟正黑體" panose="020B0604030504040204" pitchFamily="34" charset="-120"/>
-                <a:ea typeface="微軟正黑體" panose="020B0604030504040204" pitchFamily="34" charset="-120"/>
-                <a:sym typeface="+mn-ea"/>
-              </a:rPr>
-              <a:t>美債交易</a:t>
-            </a:r>
-            <a:r>
-              <a:rPr lang="zh-TW" altLang="en-US" sz="3200" dirty="0">
-                <a:solidFill>
-                  <a:schemeClr val="tx1"/>
-                </a:solidFill>
-                <a:latin typeface="微軟正黑體" panose="020B0604030504040204" pitchFamily="34" charset="-120"/>
-                <a:ea typeface="微軟正黑體" panose="020B0604030504040204" pitchFamily="34" charset="-120"/>
-                <a:sym typeface="+mn-ea"/>
-              </a:rPr>
-              <a:t>策略 ── 擇點區間偏多操作</a:t>
-            </a:r>
-            <a:endParaRPr lang="zh-TW" altLang="en-US" sz="3200" dirty="0">
-              <a:solidFill>
-                <a:schemeClr val="tx1"/>
-              </a:solidFill>
-              <a:latin typeface="微軟正黑體" panose="020B0604030504040204" pitchFamily="34" charset="-120"/>
-              <a:ea typeface="微軟正黑體" panose="020B0604030504040204" pitchFamily="34" charset="-120"/>
-            </a:endParaRPr>
-          </a:p>
-        </p:txBody>
-      </p:sp>
-      <p:sp>
-        <p:nvSpPr>
-          <p:cNvPr id="7172" name="投影片編號版面配置區 3"/>
-          <p:cNvSpPr>
-            <a:spLocks noGrp="1"/>
-          </p:cNvSpPr>
-          <p:nvPr>
-            <p:ph type="sldNum" sz="quarter" idx="10"/>
-          </p:nvPr>
-        </p:nvSpPr>
-        <p:spPr>
-          <a:noFill/>
-          <a:extLst>
-            <a:ext uri="{909E8E84-426E-40DD-AFC4-6F175D3DCCD1}">
-              <a14:hiddenFill xmlns:a14="http://schemas.microsoft.com/office/drawing/2010/main">
-                <a:solidFill>
-                  <a:schemeClr val="accent1"/>
-                </a:solidFill>
-              </a14:hiddenFill>
-            </a:ext>
-            <a:ext uri="{91240B29-F687-4F45-9708-019B960494DF}">
-              <a14:hiddenLine xmlns:a14="http://schemas.microsoft.com/office/drawing/2010/main" w="9525">
-                <a:solidFill>
-                  <a:schemeClr val="tx1"/>
-                </a:solidFill>
-                <a:miter lim="800000"/>
-                <a:headEnd/>
-                <a:tailEnd/>
-              </a14:hiddenLine>
-            </a:ext>
-            <a:ext uri="{AF507438-7753-43E0-B8FC-AC1667EBCBE1}">
-              <a14:hiddenEffects xmlns:a14="http://schemas.microsoft.com/office/drawing/2010/main">
-                <a:effectLst>
-                  <a:outerShdw dist="35921" dir="2700000" algn="ctr" rotWithShape="0">
-                    <a:schemeClr val="bg2"/>
-                  </a:outerShdw>
-                </a:effectLst>
-              </a14:hiddenEffects>
-            </a:ext>
-          </a:extLst>
-        </p:spPr>
-        <p:txBody>
-          <a:bodyPr/>
-          <a:lstStyle>
-            <a:lvl1pPr>
-              <a:spcBef>
-                <a:spcPct val="20000"/>
-              </a:spcBef>
-              <a:buClr>
-                <a:srgbClr val="FF3300"/>
-              </a:buClr>
-              <a:buFont typeface="Wingdings" panose="05000000000000000000" pitchFamily="2" charset="2"/>
-              <a:buChar char="n"/>
-              <a:defRPr kumimoji="1" sz="2400" b="1">
-                <a:solidFill>
-                  <a:schemeClr val="tx1"/>
-                </a:solidFill>
-                <a:latin typeface="Arial" panose="020B0604020202020204" pitchFamily="34" charset="0"/>
-                <a:ea typeface="標楷體" panose="03000509000000000000" pitchFamily="65" charset="-120"/>
-              </a:defRPr>
-            </a:lvl1pPr>
-            <a:lvl2pPr marL="742950" indent="-285750">
-              <a:spcBef>
-                <a:spcPct val="20000"/>
-              </a:spcBef>
-              <a:buClr>
-                <a:srgbClr val="FF3300"/>
-              </a:buClr>
-              <a:buFont typeface="Wingdings" panose="05000000000000000000" pitchFamily="2" charset="2"/>
-              <a:buChar char="n"/>
-              <a:defRPr kumimoji="1" sz="2000" b="1">
-                <a:solidFill>
-                  <a:schemeClr val="tx1"/>
-                </a:solidFill>
-                <a:latin typeface="Arial" panose="020B0604020202020204" pitchFamily="34" charset="0"/>
-                <a:ea typeface="標楷體" panose="03000509000000000000" pitchFamily="65" charset="-120"/>
-              </a:defRPr>
-            </a:lvl2pPr>
-            <a:lvl3pPr marL="1143000" indent="-228600">
-              <a:spcBef>
-                <a:spcPct val="20000"/>
-              </a:spcBef>
-              <a:buClr>
-                <a:srgbClr val="FF3300"/>
-              </a:buClr>
-              <a:buFont typeface="Wingdings" panose="05000000000000000000" pitchFamily="2" charset="2"/>
-              <a:buChar char="n"/>
-              <a:defRPr kumimoji="1" b="1">
-                <a:solidFill>
-                  <a:schemeClr val="tx1"/>
-                </a:solidFill>
-                <a:latin typeface="Arial" panose="020B0604020202020204" pitchFamily="34" charset="0"/>
-                <a:ea typeface="標楷體" panose="03000509000000000000" pitchFamily="65" charset="-120"/>
-              </a:defRPr>
-            </a:lvl3pPr>
-            <a:lvl4pPr marL="1600200" indent="-228600">
-              <a:spcBef>
-                <a:spcPct val="20000"/>
-              </a:spcBef>
-              <a:buChar char="–"/>
-              <a:defRPr kumimoji="1" sz="2000">
-                <a:solidFill>
-                  <a:schemeClr val="tx1"/>
-                </a:solidFill>
-                <a:latin typeface="Arial" panose="020B0604020202020204" pitchFamily="34" charset="0"/>
-                <a:ea typeface="新細明體" panose="02020500000000000000" pitchFamily="18" charset="-120"/>
-              </a:defRPr>
-            </a:lvl4pPr>
-            <a:lvl5pPr marL="2057400" indent="-228600">
-              <a:spcBef>
-                <a:spcPct val="20000"/>
-              </a:spcBef>
-              <a:buChar char="»"/>
-              <a:defRPr kumimoji="1" sz="2000">
-                <a:solidFill>
-                  <a:schemeClr val="tx1"/>
-                </a:solidFill>
-                <a:latin typeface="Arial" panose="020B0604020202020204" pitchFamily="34" charset="0"/>
-                <a:ea typeface="新細明體" panose="02020500000000000000" pitchFamily="18" charset="-120"/>
-              </a:defRPr>
-            </a:lvl5pPr>
-            <a:lvl6pPr marL="2514600" indent="-228600" eaLnBrk="0" fontAlgn="base" hangingPunct="0">
-              <a:spcBef>
-                <a:spcPct val="20000"/>
-              </a:spcBef>
-              <a:spcAft>
-                <a:spcPct val="0"/>
-              </a:spcAft>
-              <a:buChar char="»"/>
-              <a:defRPr kumimoji="1" sz="2000">
-                <a:solidFill>
-                  <a:schemeClr val="tx1"/>
-                </a:solidFill>
-                <a:latin typeface="Arial" panose="020B0604020202020204" pitchFamily="34" charset="0"/>
-                <a:ea typeface="新細明體" panose="02020500000000000000" pitchFamily="18" charset="-120"/>
-              </a:defRPr>
-            </a:lvl6pPr>
-            <a:lvl7pPr marL="2971800" indent="-228600" eaLnBrk="0" fontAlgn="base" hangingPunct="0">
-              <a:spcBef>
-                <a:spcPct val="20000"/>
-              </a:spcBef>
-              <a:spcAft>
-                <a:spcPct val="0"/>
-              </a:spcAft>
-              <a:buChar char="»"/>
-              <a:defRPr kumimoji="1" sz="2000">
-                <a:solidFill>
-                  <a:schemeClr val="tx1"/>
-                </a:solidFill>
-                <a:latin typeface="Arial" panose="020B0604020202020204" pitchFamily="34" charset="0"/>
-                <a:ea typeface="新細明體" panose="02020500000000000000" pitchFamily="18" charset="-120"/>
-              </a:defRPr>
-            </a:lvl7pPr>
-            <a:lvl8pPr marL="3429000" indent="-228600" eaLnBrk="0" fontAlgn="base" hangingPunct="0">
-              <a:spcBef>
-                <a:spcPct val="20000"/>
-              </a:spcBef>
-              <a:spcAft>
-                <a:spcPct val="0"/>
-              </a:spcAft>
-              <a:buChar char="»"/>
-              <a:defRPr kumimoji="1" sz="2000">
-                <a:solidFill>
-                  <a:schemeClr val="tx1"/>
-                </a:solidFill>
-                <a:latin typeface="Arial" panose="020B0604020202020204" pitchFamily="34" charset="0"/>
-                <a:ea typeface="新細明體" panose="02020500000000000000" pitchFamily="18" charset="-120"/>
-              </a:defRPr>
-            </a:lvl8pPr>
-            <a:lvl9pPr marL="3886200" indent="-228600" eaLnBrk="0" fontAlgn="base" hangingPunct="0">
-              <a:spcBef>
-                <a:spcPct val="20000"/>
-              </a:spcBef>
-              <a:spcAft>
-                <a:spcPct val="0"/>
-              </a:spcAft>
-              <a:buChar char="»"/>
-              <a:defRPr kumimoji="1" sz="2000">
-                <a:solidFill>
-                  <a:schemeClr val="tx1"/>
-                </a:solidFill>
-                <a:latin typeface="Arial" panose="020B0604020202020204" pitchFamily="34" charset="0"/>
-                <a:ea typeface="新細明體" panose="02020500000000000000" pitchFamily="18" charset="-120"/>
-              </a:defRPr>
-            </a:lvl9pPr>
-          </a:lstStyle>
-          <a:p>
-            <a:pPr>
-              <a:spcBef>
-                <a:spcPct val="0"/>
-              </a:spcBef>
-              <a:buClrTx/>
-              <a:buFontTx/>
-              <a:buNone/>
-            </a:pPr>
-            <a:fld id="{6903FC44-8B12-467B-82A6-2811B885A4DE}" type="slidenum">
-              <a:rPr lang="en-US" altLang="zh-TW" sz="1200" b="0">
-                <a:solidFill>
-                  <a:prstClr val="black"/>
-                </a:solidFill>
-                <a:ea typeface="新細明體" panose="02020500000000000000" pitchFamily="18" charset="-120"/>
-              </a:rPr>
-              <a:pPr>
-                <a:spcBef>
-                  <a:spcPct val="0"/>
-                </a:spcBef>
-                <a:buClrTx/>
-                <a:buFontTx/>
-                <a:buNone/>
-              </a:pPr>
-              <a:t>12</a:t>
-            </a:fld>
-            <a:endParaRPr lang="en-US" altLang="zh-TW" sz="1200" b="0">
-              <a:solidFill>
-                <a:prstClr val="black"/>
-              </a:solidFill>
-              <a:ea typeface="新細明體" panose="02020500000000000000" pitchFamily="18" charset="-120"/>
-            </a:endParaRPr>
-          </a:p>
-        </p:txBody>
-      </p:sp>
-      <p:sp>
-        <p:nvSpPr>
-          <p:cNvPr id="3" name="文字方塊 2"/>
-          <p:cNvSpPr txBox="1"/>
-          <p:nvPr/>
-        </p:nvSpPr>
-        <p:spPr>
-          <a:xfrm>
-            <a:off x="1513829" y="5651356"/>
-            <a:ext cx="7015062" cy="1015663"/>
-          </a:xfrm>
-          <a:prstGeom prst="rect">
-            <a:avLst/>
-          </a:prstGeom>
-          <a:noFill/>
-        </p:spPr>
-        <p:txBody>
-          <a:bodyPr wrap="none" rtlCol="0" anchor="t">
-            <a:spAutoFit/>
-          </a:bodyPr>
-          <a:lstStyle/>
-          <a:p>
-            <a:pPr eaLnBrk="0" fontAlgn="base" hangingPunct="0">
-              <a:spcBef>
-                <a:spcPct val="0"/>
-              </a:spcBef>
-              <a:spcAft>
-                <a:spcPct val="0"/>
-              </a:spcAft>
-            </a:pPr>
-            <a:r>
-              <a:rPr kumimoji="1" lang="en-US" altLang="zh-TW" sz="2000" b="1" kern="0" dirty="0" smtClean="0">
-                <a:solidFill>
-                  <a:srgbClr val="FF0000"/>
-                </a:solidFill>
-                <a:latin typeface="Calibri" panose="020F0502020204030204" pitchFamily="34" charset="0"/>
-                <a:ea typeface="微軟正黑體" panose="020B0604030504040204" pitchFamily="34" charset="-120"/>
-                <a:cs typeface="Calibri" panose="020F0502020204030204" pitchFamily="34" charset="0"/>
-              </a:rPr>
-              <a:t>●</a:t>
-            </a:r>
-            <a:r>
-              <a:rPr kumimoji="1" lang="zh-TW" altLang="en-US" sz="2000" b="1" kern="0" dirty="0" smtClean="0">
-                <a:solidFill>
-                  <a:prstClr val="black"/>
-                </a:solidFill>
-                <a:latin typeface="Calibri" panose="020F0502020204030204" pitchFamily="34" charset="0"/>
-                <a:ea typeface="微軟正黑體" panose="020B0604030504040204" pitchFamily="34" charset="-120"/>
-                <a:cs typeface="Calibri" panose="020F0502020204030204" pitchFamily="34" charset="0"/>
-              </a:rPr>
-              <a:t>金融海嘯以來當</a:t>
-            </a:r>
-            <a:r>
-              <a:rPr kumimoji="1" lang="en-US" altLang="zh-TW" sz="2000" b="1" kern="0" dirty="0">
-                <a:solidFill>
-                  <a:prstClr val="black"/>
-                </a:solidFill>
-                <a:latin typeface="Calibri" panose="020F0502020204030204" pitchFamily="34" charset="0"/>
-                <a:ea typeface="微軟正黑體" panose="020B0604030504040204" pitchFamily="34" charset="-120"/>
-                <a:cs typeface="Calibri" panose="020F0502020204030204" pitchFamily="34" charset="0"/>
-              </a:rPr>
-              <a:t>10Y</a:t>
-            </a:r>
-            <a:r>
-              <a:rPr kumimoji="1" lang="zh-TW" altLang="en-US" sz="2000" b="1" kern="0" dirty="0">
-                <a:solidFill>
-                  <a:prstClr val="black"/>
-                </a:solidFill>
-                <a:latin typeface="Calibri" panose="020F0502020204030204" pitchFamily="34" charset="0"/>
-                <a:ea typeface="微軟正黑體" panose="020B0604030504040204" pitchFamily="34" charset="-120"/>
-                <a:cs typeface="Calibri" panose="020F0502020204030204" pitchFamily="34" charset="0"/>
-              </a:rPr>
-              <a:t>利率 </a:t>
-            </a:r>
-            <a:r>
-              <a:rPr kumimoji="1" lang="en-US" altLang="zh-TW" sz="2000" b="1" kern="0" dirty="0">
-                <a:solidFill>
-                  <a:prstClr val="black"/>
-                </a:solidFill>
-                <a:latin typeface="Calibri" panose="020F0502020204030204" pitchFamily="34" charset="0"/>
-                <a:ea typeface="微軟正黑體" panose="020B0604030504040204" pitchFamily="34" charset="-120"/>
-                <a:cs typeface="Calibri" panose="020F0502020204030204" pitchFamily="34" charset="0"/>
-              </a:rPr>
-              <a:t>-CPI</a:t>
-            </a:r>
-            <a:r>
-              <a:rPr kumimoji="1" lang="zh-TW" altLang="en-US" sz="2000" b="1" kern="0" dirty="0">
-                <a:solidFill>
-                  <a:prstClr val="black"/>
-                </a:solidFill>
-                <a:latin typeface="Calibri" panose="020F0502020204030204" pitchFamily="34" charset="0"/>
-                <a:ea typeface="微軟正黑體" panose="020B0604030504040204" pitchFamily="34" charset="-120"/>
-                <a:cs typeface="Calibri" panose="020F0502020204030204" pitchFamily="34" charset="0"/>
-              </a:rPr>
-              <a:t>高於</a:t>
-            </a:r>
-            <a:r>
-              <a:rPr kumimoji="1" lang="en-US" altLang="zh-TW" sz="2000" b="1" kern="0" dirty="0">
-                <a:solidFill>
-                  <a:prstClr val="black"/>
-                </a:solidFill>
-                <a:latin typeface="Calibri" panose="020F0502020204030204" pitchFamily="34" charset="0"/>
-                <a:ea typeface="微軟正黑體" panose="020B0604030504040204" pitchFamily="34" charset="-120"/>
-                <a:cs typeface="Calibri" panose="020F0502020204030204" pitchFamily="34" charset="0"/>
-              </a:rPr>
-              <a:t>1%</a:t>
-            </a:r>
-            <a:r>
-              <a:rPr kumimoji="1" lang="zh-TW" altLang="en-US" sz="2000" b="1" kern="0" dirty="0">
-                <a:solidFill>
-                  <a:prstClr val="black"/>
-                </a:solidFill>
-                <a:latin typeface="Calibri" panose="020F0502020204030204" pitchFamily="34" charset="0"/>
-                <a:ea typeface="微軟正黑體" panose="020B0604030504040204" pitchFamily="34" charset="-120"/>
-                <a:cs typeface="Calibri" panose="020F0502020204030204" pitchFamily="34" charset="0"/>
-              </a:rPr>
-              <a:t>時，後市利率將走低</a:t>
-            </a:r>
-          </a:p>
-          <a:p>
-            <a:pPr eaLnBrk="0" fontAlgn="base" hangingPunct="0">
-              <a:spcBef>
-                <a:spcPct val="0"/>
-              </a:spcBef>
-              <a:spcAft>
-                <a:spcPct val="0"/>
-              </a:spcAft>
-            </a:pPr>
-            <a:r>
-              <a:rPr kumimoji="1" lang="en-US" altLang="zh-TW" sz="2000" b="1" dirty="0">
-                <a:solidFill>
-                  <a:srgbClr val="FF0000"/>
-                </a:solidFill>
-                <a:latin typeface="Calibri" panose="020F0502020204030204" pitchFamily="34" charset="0"/>
-                <a:ea typeface="微軟正黑體" panose="020B0604030504040204" pitchFamily="34" charset="-120"/>
-                <a:cs typeface="Calibri" panose="020F0502020204030204" pitchFamily="34" charset="0"/>
-                <a:sym typeface="+mn-ea"/>
-              </a:rPr>
-              <a:t>●</a:t>
-            </a:r>
-            <a:r>
-              <a:rPr kumimoji="1" lang="zh-TW" altLang="en-US" sz="2000" b="1" dirty="0">
-                <a:solidFill>
-                  <a:prstClr val="black"/>
-                </a:solidFill>
-                <a:latin typeface="微軟正黑體" panose="020B0604030504040204" pitchFamily="34" charset="-120"/>
-                <a:ea typeface="微軟正黑體" panose="020B0604030504040204" pitchFamily="34" charset="-120"/>
-                <a:sym typeface="+mn-ea"/>
-              </a:rPr>
-              <a:t>頂部約</a:t>
-            </a:r>
-            <a:r>
-              <a:rPr kumimoji="1" lang="en-US" altLang="zh-TW" sz="2000" b="1" dirty="0" smtClean="0">
-                <a:solidFill>
-                  <a:prstClr val="black"/>
-                </a:solidFill>
-                <a:latin typeface="微軟正黑體" panose="020B0604030504040204" pitchFamily="34" charset="-120"/>
-                <a:ea typeface="微軟正黑體" panose="020B0604030504040204" pitchFamily="34" charset="-120"/>
-                <a:sym typeface="+mn-ea"/>
-              </a:rPr>
-              <a:t>4.0%~4.2%</a:t>
-            </a:r>
-            <a:r>
-              <a:rPr kumimoji="1" lang="zh-TW" altLang="en-US" sz="2000" b="1" dirty="0">
-                <a:solidFill>
-                  <a:prstClr val="black"/>
-                </a:solidFill>
-                <a:latin typeface="微軟正黑體" panose="020B0604030504040204" pitchFamily="34" charset="-120"/>
-                <a:ea typeface="微軟正黑體" panose="020B0604030504040204" pitchFamily="34" charset="-120"/>
-                <a:sym typeface="+mn-ea"/>
-              </a:rPr>
-              <a:t>，預計下半年大區間在</a:t>
-            </a:r>
-            <a:r>
-              <a:rPr kumimoji="1" lang="en-US" altLang="zh-TW" sz="2000" b="1" dirty="0" smtClean="0">
-                <a:solidFill>
-                  <a:prstClr val="black"/>
-                </a:solidFill>
-                <a:latin typeface="微軟正黑體" panose="020B0604030504040204" pitchFamily="34" charset="-120"/>
-                <a:ea typeface="微軟正黑體" panose="020B0604030504040204" pitchFamily="34" charset="-120"/>
-                <a:sym typeface="+mn-ea"/>
-              </a:rPr>
-              <a:t>3.4%~4.2%</a:t>
-            </a:r>
-            <a:endParaRPr kumimoji="1" lang="en-US" altLang="zh-TW" sz="2000" b="1" dirty="0">
-              <a:solidFill>
-                <a:prstClr val="black"/>
-              </a:solidFill>
-              <a:latin typeface="微軟正黑體" panose="020B0604030504040204" pitchFamily="34" charset="-120"/>
-              <a:ea typeface="微軟正黑體" panose="020B0604030504040204" pitchFamily="34" charset="-120"/>
-              <a:sym typeface="+mn-ea"/>
-            </a:endParaRPr>
-          </a:p>
-          <a:p>
-            <a:pPr eaLnBrk="0" fontAlgn="base" hangingPunct="0">
-              <a:spcBef>
-                <a:spcPct val="0"/>
-              </a:spcBef>
-              <a:spcAft>
-                <a:spcPct val="0"/>
-              </a:spcAft>
-            </a:pPr>
-            <a:r>
-              <a:rPr kumimoji="1" lang="en-US" altLang="zh-TW" sz="2000" b="1" dirty="0">
-                <a:solidFill>
-                  <a:srgbClr val="FF0000"/>
-                </a:solidFill>
-                <a:latin typeface="Calibri" panose="020F0502020204030204" pitchFamily="34" charset="0"/>
-                <a:ea typeface="微軟正黑體" panose="020B0604030504040204" pitchFamily="34" charset="-120"/>
-                <a:cs typeface="Calibri" panose="020F0502020204030204" pitchFamily="34" charset="0"/>
-                <a:sym typeface="+mn-ea"/>
-              </a:rPr>
-              <a:t>●</a:t>
-            </a:r>
-            <a:r>
-              <a:rPr kumimoji="1" lang="en-US" sz="2000" b="1" dirty="0">
-                <a:solidFill>
-                  <a:prstClr val="black"/>
-                </a:solidFill>
-                <a:latin typeface="微軟正黑體" panose="020B0604030504040204" pitchFamily="34" charset="-120"/>
-                <a:ea typeface="微軟正黑體" panose="020B0604030504040204" pitchFamily="34" charset="-120"/>
-                <a:sym typeface="+mn-ea"/>
-              </a:rPr>
-              <a:t>DV01 = TWD 50</a:t>
-            </a:r>
-            <a:r>
-              <a:rPr kumimoji="1" lang="zh-TW" altLang="en-US" sz="2000" b="1" dirty="0">
-                <a:solidFill>
-                  <a:prstClr val="black"/>
-                </a:solidFill>
-                <a:latin typeface="微軟正黑體" panose="020B0604030504040204" pitchFamily="34" charset="-120"/>
-                <a:ea typeface="微軟正黑體" panose="020B0604030504040204" pitchFamily="34" charset="-120"/>
-                <a:sym typeface="+mn-ea"/>
-              </a:rPr>
-              <a:t>萬 </a:t>
-            </a:r>
-            <a:r>
-              <a:rPr kumimoji="1" lang="en-US" altLang="zh-TW" sz="2000" b="1" dirty="0">
-                <a:solidFill>
-                  <a:prstClr val="black"/>
-                </a:solidFill>
-                <a:latin typeface="微軟正黑體" panose="020B0604030504040204" pitchFamily="34" charset="-120"/>
-                <a:ea typeface="微軟正黑體" panose="020B0604030504040204" pitchFamily="34" charset="-120"/>
-                <a:sym typeface="+mn-ea"/>
-              </a:rPr>
-              <a:t>@ </a:t>
-            </a:r>
-            <a:r>
-              <a:rPr kumimoji="1" lang="en-US" altLang="zh-TW" sz="2000" b="1" dirty="0" smtClean="0">
-                <a:solidFill>
-                  <a:prstClr val="black"/>
-                </a:solidFill>
-                <a:latin typeface="微軟正黑體" panose="020B0604030504040204" pitchFamily="34" charset="-120"/>
-                <a:ea typeface="微軟正黑體" panose="020B0604030504040204" pitchFamily="34" charset="-120"/>
-                <a:sym typeface="+mn-ea"/>
-              </a:rPr>
-              <a:t>3.9%</a:t>
-            </a:r>
-            <a:r>
-              <a:rPr kumimoji="1" lang="zh-TW" altLang="en-US" sz="2000" b="1" dirty="0" smtClean="0">
-                <a:solidFill>
-                  <a:prstClr val="black"/>
-                </a:solidFill>
-                <a:latin typeface="微軟正黑體" panose="020B0604030504040204" pitchFamily="34" charset="-120"/>
-                <a:ea typeface="微軟正黑體" panose="020B0604030504040204" pitchFamily="34" charset="-120"/>
-                <a:sym typeface="+mn-ea"/>
-              </a:rPr>
-              <a:t>，</a:t>
-            </a:r>
-            <a:r>
-              <a:rPr kumimoji="1" lang="zh-TW" altLang="en-US" sz="2000" b="1" dirty="0">
-                <a:solidFill>
-                  <a:prstClr val="black"/>
-                </a:solidFill>
-                <a:latin typeface="微軟正黑體" panose="020B0604030504040204" pitchFamily="34" charset="-120"/>
-                <a:ea typeface="微軟正黑體" panose="020B0604030504040204" pitchFamily="34" charset="-120"/>
-                <a:sym typeface="+mn-ea"/>
-              </a:rPr>
-              <a:t>預期獲利約</a:t>
-            </a:r>
-            <a:r>
-              <a:rPr kumimoji="1" lang="en-US" altLang="zh-TW" sz="2000" b="1" dirty="0">
-                <a:solidFill>
-                  <a:srgbClr val="FF0000"/>
-                </a:solidFill>
-                <a:latin typeface="微軟正黑體" panose="020B0604030504040204" pitchFamily="34" charset="-120"/>
-                <a:ea typeface="微軟正黑體" panose="020B0604030504040204" pitchFamily="34" charset="-120"/>
-                <a:sym typeface="+mn-ea"/>
-              </a:rPr>
-              <a:t>TWD </a:t>
-            </a:r>
-            <a:r>
-              <a:rPr kumimoji="1" lang="en-US" altLang="zh-TW" sz="2000" b="1" dirty="0" smtClean="0">
-                <a:solidFill>
-                  <a:srgbClr val="FF0000"/>
-                </a:solidFill>
-                <a:latin typeface="微軟正黑體" panose="020B0604030504040204" pitchFamily="34" charset="-120"/>
-                <a:ea typeface="微軟正黑體" panose="020B0604030504040204" pitchFamily="34" charset="-120"/>
-                <a:sym typeface="+mn-ea"/>
-              </a:rPr>
-              <a:t>2,0</a:t>
-            </a:r>
-            <a:r>
-              <a:rPr kumimoji="1" lang="en-US" altLang="zh-TW" sz="2000" b="1" dirty="0" smtClean="0">
-                <a:solidFill>
-                  <a:srgbClr val="FF0000"/>
-                </a:solidFill>
-                <a:latin typeface="微軟正黑體" panose="020B0604030504040204" pitchFamily="34" charset="-120"/>
-                <a:ea typeface="微軟正黑體" panose="020B0604030504040204" pitchFamily="34" charset="-120"/>
-                <a:sym typeface="+mn-ea"/>
-              </a:rPr>
-              <a:t>00</a:t>
+              <a:t>,000</a:t>
             </a:r>
             <a:r>
               <a:rPr kumimoji="1" lang="zh-TW" altLang="en-US" sz="2000" b="1" dirty="0">
@@ -27558,7 +20327,7 @@
             <a:graphicData uri="http://schemas.openxmlformats.org/presentationml/2006/ole">
               <mc:AlternateContent xmlns:mc="http://schemas.openxmlformats.org/markup-compatibility/2006">
                 <mc:Choice xmlns:v="urn:schemas-microsoft-com:vml" Requires="v">
-                  <p:oleObj spid="_x0000_s13321" r:id="rId4" imgW="914400" imgH="215900" progId="Equation.KSEE3">
+                  <p:oleObj spid="_x0000_s13335" r:id="rId4" imgW="914400" imgH="215900" progId="Equation.KSEE3">
                     <p:embed/>
                   </p:oleObj>
                 </mc:Choice>
@@ -28190,13 +20959,13 @@
           <p:nvPr>
             <p:extLst>
               <p:ext uri="{D42A27DB-BD31-4B8C-83A1-F6EECF244321}">
-                <p14:modId xmlns:p14="http://schemas.microsoft.com/office/powerpoint/2010/main" val="4112252322"/>
+                <p14:modId xmlns:p14="http://schemas.microsoft.com/office/powerpoint/2010/main" val="456328983"/>
               </p:ext>
             </p:extLst>
           </p:nvPr>
         </p:nvGraphicFramePr>
         <p:xfrm>
-          <a:off x="1399898" y="3640789"/>
+          <a:off x="1408443" y="3507337"/>
           <a:ext cx="9308386" cy="2038783"/>
         </p:xfrm>
         <a:graphic>
@@ -28213,8 +20982,8 @@
         </p:nvSpPr>
         <p:spPr bwMode="auto">
           <a:xfrm>
-            <a:off x="5115053" y="3506380"/>
-            <a:ext cx="85562" cy="2162340"/>
+            <a:off x="5115052" y="3506380"/>
+            <a:ext cx="100203" cy="2062380"/>
           </a:xfrm>
           <a:prstGeom prst="rect">
             <a:avLst/>
@@ -28329,7 +21098,7 @@
         <p:spPr bwMode="auto">
           <a:xfrm>
             <a:off x="5727701" y="3506380"/>
-            <a:ext cx="85562" cy="2162340"/>
+            <a:ext cx="82550" cy="2022750"/>
           </a:xfrm>
           <a:prstGeom prst="rect">
             <a:avLst/>
@@ -28443,8 +21212,8 @@
         </p:nvSpPr>
         <p:spPr bwMode="auto">
           <a:xfrm>
-            <a:off x="7888769" y="3550795"/>
-            <a:ext cx="85562" cy="2162340"/>
+            <a:off x="7888769" y="3506381"/>
+            <a:ext cx="85562" cy="2022750"/>
           </a:xfrm>
           <a:prstGeom prst="rect">
             <a:avLst/>
@@ -28558,8 +21327,8 @@
         </p:nvSpPr>
         <p:spPr bwMode="auto">
           <a:xfrm>
-            <a:off x="2601724" y="1061423"/>
-            <a:ext cx="78739" cy="4589933"/>
+            <a:off x="2601724" y="1061424"/>
+            <a:ext cx="78739" cy="4467706"/>
           </a:xfrm>
           <a:prstGeom prst="rect">
             <a:avLst/>
@@ -28730,7 +21499,7 @@
 </p:sld>
 </file>
 
-<file path=ppt/slides/slide13.xml><?xml version="1.0" encoding="utf-8"?>
+<file path=ppt/slides/slide12.xml><?xml version="1.0" encoding="utf-8"?>
 <p:sld xmlns:a="http://schemas.openxmlformats.org/drawingml/2006/main" xmlns:r="http://schemas.openxmlformats.org/officeDocument/2006/relationships" xmlns:p="http://schemas.openxmlformats.org/presentationml/2006/main">
   <p:cSld>
     <p:spTree>
@@ -29034,7 +21803,7 @@
                 <a:buFontTx/>
                 <a:buNone/>
               </a:pPr>
-              <a:t>13</a:t>
+              <a:t>12</a:t>
             </a:fld>
             <a:endParaRPr lang="en-US" altLang="zh-TW" sz="1200" b="0">
               <a:solidFill>
@@ -29885,7 +22654,7 @@
 </p:sld>
 </file>
 
-<file path=ppt/slides/slide14.xml><?xml version="1.0" encoding="utf-8"?>
+<file path=ppt/slides/slide13.xml><?xml version="1.0" encoding="utf-8"?>
 <p:sld xmlns:a="http://schemas.openxmlformats.org/drawingml/2006/main" xmlns:r="http://schemas.openxmlformats.org/officeDocument/2006/relationships" xmlns:p="http://schemas.openxmlformats.org/presentationml/2006/main">
   <p:cSld>
     <p:spTree>
@@ -34403,7 +27172,7 @@
           <a:graphicData uri="http://schemas.openxmlformats.org/presentationml/2006/ole">
             <mc:AlternateContent xmlns:mc="http://schemas.openxmlformats.org/markup-compatibility/2006">
               <mc:Choice xmlns:v="urn:schemas-microsoft-com:vml" Requires="v">
-                <p:oleObj spid="_x0000_s10257" r:id="rId4" imgW="914400" imgH="215900" progId="Equation.KSEE3">
+                <p:oleObj spid="_x0000_s10271" r:id="rId4" imgW="914400" imgH="215900" progId="Equation.KSEE3">
                   <p:embed/>
                 </p:oleObj>
               </mc:Choice>
@@ -35398,10 +28167,10 @@
               <a:rPr lang="en-US" altLang="zh-TW" sz="1800" dirty="0" smtClean="0">
                 <a:sym typeface="+mn-ea"/>
               </a:rPr>
-              <a:t>120</a:t>
-            </a:r>
-            <a:r>
-              <a:rPr lang="zh-TW" altLang="en-US" sz="1800" dirty="0">
+              <a:t>100</a:t>
+            </a:r>
+            <a:r>
+              <a:rPr lang="zh-TW" altLang="en-US" sz="1800" dirty="0" smtClean="0">
                 <a:sym typeface="+mn-ea"/>
               </a:rPr>
               <a:t>萬 </a:t>
@@ -35419,7 +28188,7 @@
               <a:t>，預期獲利約 </a:t>
             </a:r>
             <a:r>
-              <a:rPr lang="en-US" altLang="zh-TW" sz="1800" dirty="0">
+              <a:rPr lang="en-US" altLang="zh-TW" sz="1800">
                 <a:solidFill>
                   <a:srgbClr val="FF0000"/>
                 </a:solidFill>
@@ -35428,22 +28197,13 @@
               <a:t>TWD </a:t>
             </a:r>
             <a:r>
-              <a:rPr lang="en-US" altLang="zh-TW" sz="1800" dirty="0" smtClean="0">
+              <a:rPr lang="en-US" altLang="zh-TW" sz="1800" smtClean="0">
                 <a:solidFill>
                   <a:srgbClr val="FF0000"/>
                 </a:solidFill>
                 <a:sym typeface="+mn-ea"/>
               </a:rPr>
-              <a:t>2,4</a:t>
-            </a:r>
-            <a:r>
-              <a:rPr lang="en-US" altLang="zh-TW" sz="1800" dirty="0" smtClean="0">
-                <a:solidFill>
-                  <a:srgbClr val="FF0000"/>
-                </a:solidFill>
-                <a:sym typeface="+mn-ea"/>
-              </a:rPr>
-              <a:t>00</a:t>
+              <a:t>2,000</a:t>
             </a:r>
             <a:r>
               <a:rPr lang="zh-TW" altLang="en-US" sz="1800" dirty="0" smtClean="0">
